--- a/Apresentação - PowerPoint/Apresentação Coffee Solutions sprint2.pptx
+++ b/Apresentação - PowerPoint/Apresentação Coffee Solutions sprint2.pptx
@@ -5,7 +5,7 @@
     <p:sldMasterId id="2147483677" r:id="rId1"/>
   </p:sldMasterIdLst>
   <p:notesMasterIdLst>
-    <p:notesMasterId r:id="rId16"/>
+    <p:notesMasterId r:id="rId13"/>
   </p:notesMasterIdLst>
   <p:sldIdLst>
     <p:sldId id="256" r:id="rId2"/>
@@ -14,25 +14,22 @@
     <p:sldId id="317" r:id="rId5"/>
     <p:sldId id="312" r:id="rId6"/>
     <p:sldId id="310" r:id="rId7"/>
-    <p:sldId id="318" r:id="rId8"/>
-    <p:sldId id="319" r:id="rId9"/>
-    <p:sldId id="320" r:id="rId10"/>
-    <p:sldId id="313" r:id="rId11"/>
-    <p:sldId id="316" r:id="rId12"/>
-    <p:sldId id="308" r:id="rId13"/>
-    <p:sldId id="321" r:id="rId14"/>
-    <p:sldId id="315" r:id="rId15"/>
+    <p:sldId id="313" r:id="rId8"/>
+    <p:sldId id="316" r:id="rId9"/>
+    <p:sldId id="308" r:id="rId10"/>
+    <p:sldId id="321" r:id="rId11"/>
+    <p:sldId id="315" r:id="rId12"/>
   </p:sldIdLst>
   <p:sldSz cx="9144000" cy="5143500" type="screen16x9"/>
   <p:notesSz cx="6858000" cy="9144000"/>
   <p:embeddedFontLst>
     <p:embeddedFont>
       <p:font typeface="Abel" panose="020B0604020202020204" charset="0"/>
-      <p:regular r:id="rId17"/>
+      <p:regular r:id="rId14"/>
     </p:embeddedFont>
     <p:embeddedFont>
       <p:font typeface="Rochester" panose="020B0604020202020204" charset="0"/>
-      <p:regular r:id="rId18"/>
+      <p:regular r:id="rId15"/>
     </p:embeddedFont>
   </p:embeddedFontLst>
   <p:defaultTextStyle>
@@ -932,7 +929,7 @@
     </p:spTree>
     <p:extLst>
       <p:ext uri="{BB962C8B-B14F-4D97-AF65-F5344CB8AC3E}">
-        <p14:creationId xmlns:p14="http://schemas.microsoft.com/office/powerpoint/2010/main" val="159800330"/>
+        <p14:creationId xmlns:p14="http://schemas.microsoft.com/office/powerpoint/2010/main" val="1334560871"/>
       </p:ext>
     </p:extLst>
   </p:cSld>
@@ -943,333 +940,6 @@
 </file>
 
 <file path=ppt/notesSlides/notesSlide11.xml><?xml version="1.0" encoding="utf-8"?>
-<p:notes xmlns:a="http://schemas.openxmlformats.org/drawingml/2006/main" xmlns:r="http://schemas.openxmlformats.org/officeDocument/2006/relationships" xmlns:p="http://schemas.openxmlformats.org/presentationml/2006/main" showMasterSp="0" showMasterPhAnim="0">
-  <p:cSld>
-    <p:spTree>
-      <p:nvGrpSpPr>
-        <p:cNvPr id="1" name="Shape 204"/>
-        <p:cNvGrpSpPr/>
-        <p:nvPr/>
-      </p:nvGrpSpPr>
-      <p:grpSpPr>
-        <a:xfrm>
-          <a:off x="0" y="0"/>
-          <a:ext cx="0" cy="0"/>
-          <a:chOff x="0" y="0"/>
-          <a:chExt cx="0" cy="0"/>
-        </a:xfrm>
-      </p:grpSpPr>
-      <p:sp>
-        <p:nvSpPr>
-          <p:cNvPr id="205" name="Google Shape;205;g6310cfd962_0_28:notes"/>
-          <p:cNvSpPr>
-            <a:spLocks noGrp="1" noRot="1" noChangeAspect="1"/>
-          </p:cNvSpPr>
-          <p:nvPr>
-            <p:ph type="sldImg" idx="2"/>
-          </p:nvPr>
-        </p:nvSpPr>
-        <p:spPr>
-          <a:xfrm>
-            <a:off x="381000" y="685800"/>
-            <a:ext cx="6096000" cy="3429000"/>
-          </a:xfrm>
-          <a:custGeom>
-            <a:avLst/>
-            <a:gdLst/>
-            <a:ahLst/>
-            <a:cxnLst/>
-            <a:rect l="l" t="t" r="r" b="b"/>
-            <a:pathLst>
-              <a:path w="120000" h="120000" extrusionOk="0">
-                <a:moveTo>
-                  <a:pt x="0" y="0"/>
-                </a:moveTo>
-                <a:lnTo>
-                  <a:pt x="120000" y="0"/>
-                </a:lnTo>
-                <a:lnTo>
-                  <a:pt x="120000" y="120000"/>
-                </a:lnTo>
-                <a:lnTo>
-                  <a:pt x="0" y="120000"/>
-                </a:lnTo>
-                <a:close/>
-              </a:path>
-            </a:pathLst>
-          </a:custGeom>
-        </p:spPr>
-      </p:sp>
-      <p:sp>
-        <p:nvSpPr>
-          <p:cNvPr id="206" name="Google Shape;206;g6310cfd962_0_28:notes"/>
-          <p:cNvSpPr txBox="1">
-            <a:spLocks noGrp="1"/>
-          </p:cNvSpPr>
-          <p:nvPr>
-            <p:ph type="body" idx="1"/>
-          </p:nvPr>
-        </p:nvSpPr>
-        <p:spPr>
-          <a:xfrm>
-            <a:off x="685800" y="4343400"/>
-            <a:ext cx="5486400" cy="4114800"/>
-          </a:xfrm>
-          <a:prstGeom prst="rect">
-            <a:avLst/>
-          </a:prstGeom>
-        </p:spPr>
-        <p:txBody>
-          <a:bodyPr spcFirstLastPara="1" wrap="square" lIns="91425" tIns="91425" rIns="91425" bIns="91425" anchor="t" anchorCtr="0">
-            <a:noAutofit/>
-          </a:bodyPr>
-          <a:lstStyle/>
-          <a:p>
-            <a:pPr marL="0" lvl="0" indent="0" algn="l" rtl="0">
-              <a:spcBef>
-                <a:spcPts val="0"/>
-              </a:spcBef>
-              <a:spcAft>
-                <a:spcPts val="0"/>
-              </a:spcAft>
-              <a:buNone/>
-            </a:pPr>
-            <a:endParaRPr/>
-          </a:p>
-        </p:txBody>
-      </p:sp>
-    </p:spTree>
-    <p:extLst>
-      <p:ext uri="{BB962C8B-B14F-4D97-AF65-F5344CB8AC3E}">
-        <p14:creationId xmlns:p14="http://schemas.microsoft.com/office/powerpoint/2010/main" val="660060088"/>
-      </p:ext>
-    </p:extLst>
-  </p:cSld>
-  <p:clrMapOvr>
-    <a:masterClrMapping/>
-  </p:clrMapOvr>
-</p:notes>
-</file>
-
-<file path=ppt/notesSlides/notesSlide12.xml><?xml version="1.0" encoding="utf-8"?>
-<p:notes xmlns:a="http://schemas.openxmlformats.org/drawingml/2006/main" xmlns:r="http://schemas.openxmlformats.org/officeDocument/2006/relationships" xmlns:p="http://schemas.openxmlformats.org/presentationml/2006/main" showMasterSp="0" showMasterPhAnim="0">
-  <p:cSld>
-    <p:spTree>
-      <p:nvGrpSpPr>
-        <p:cNvPr id="1" name="Shape 204"/>
-        <p:cNvGrpSpPr/>
-        <p:nvPr/>
-      </p:nvGrpSpPr>
-      <p:grpSpPr>
-        <a:xfrm>
-          <a:off x="0" y="0"/>
-          <a:ext cx="0" cy="0"/>
-          <a:chOff x="0" y="0"/>
-          <a:chExt cx="0" cy="0"/>
-        </a:xfrm>
-      </p:grpSpPr>
-      <p:sp>
-        <p:nvSpPr>
-          <p:cNvPr id="205" name="Google Shape;205;g6310cfd962_0_28:notes"/>
-          <p:cNvSpPr>
-            <a:spLocks noGrp="1" noRot="1" noChangeAspect="1"/>
-          </p:cNvSpPr>
-          <p:nvPr>
-            <p:ph type="sldImg" idx="2"/>
-          </p:nvPr>
-        </p:nvSpPr>
-        <p:spPr>
-          <a:xfrm>
-            <a:off x="381000" y="685800"/>
-            <a:ext cx="6096000" cy="3429000"/>
-          </a:xfrm>
-          <a:custGeom>
-            <a:avLst/>
-            <a:gdLst/>
-            <a:ahLst/>
-            <a:cxnLst/>
-            <a:rect l="l" t="t" r="r" b="b"/>
-            <a:pathLst>
-              <a:path w="120000" h="120000" extrusionOk="0">
-                <a:moveTo>
-                  <a:pt x="0" y="0"/>
-                </a:moveTo>
-                <a:lnTo>
-                  <a:pt x="120000" y="0"/>
-                </a:lnTo>
-                <a:lnTo>
-                  <a:pt x="120000" y="120000"/>
-                </a:lnTo>
-                <a:lnTo>
-                  <a:pt x="0" y="120000"/>
-                </a:lnTo>
-                <a:close/>
-              </a:path>
-            </a:pathLst>
-          </a:custGeom>
-        </p:spPr>
-      </p:sp>
-      <p:sp>
-        <p:nvSpPr>
-          <p:cNvPr id="206" name="Google Shape;206;g6310cfd962_0_28:notes"/>
-          <p:cNvSpPr txBox="1">
-            <a:spLocks noGrp="1"/>
-          </p:cNvSpPr>
-          <p:nvPr>
-            <p:ph type="body" idx="1"/>
-          </p:nvPr>
-        </p:nvSpPr>
-        <p:spPr>
-          <a:xfrm>
-            <a:off x="685800" y="4343400"/>
-            <a:ext cx="5486400" cy="4114800"/>
-          </a:xfrm>
-          <a:prstGeom prst="rect">
-            <a:avLst/>
-          </a:prstGeom>
-        </p:spPr>
-        <p:txBody>
-          <a:bodyPr spcFirstLastPara="1" wrap="square" lIns="91425" tIns="91425" rIns="91425" bIns="91425" anchor="t" anchorCtr="0">
-            <a:noAutofit/>
-          </a:bodyPr>
-          <a:lstStyle/>
-          <a:p>
-            <a:pPr marL="0" lvl="0" indent="0" algn="l" rtl="0">
-              <a:spcBef>
-                <a:spcPts val="0"/>
-              </a:spcBef>
-              <a:spcAft>
-                <a:spcPts val="0"/>
-              </a:spcAft>
-              <a:buNone/>
-            </a:pPr>
-            <a:endParaRPr/>
-          </a:p>
-        </p:txBody>
-      </p:sp>
-    </p:spTree>
-    <p:extLst>
-      <p:ext uri="{BB962C8B-B14F-4D97-AF65-F5344CB8AC3E}">
-        <p14:creationId xmlns:p14="http://schemas.microsoft.com/office/powerpoint/2010/main" val="3945632040"/>
-      </p:ext>
-    </p:extLst>
-  </p:cSld>
-  <p:clrMapOvr>
-    <a:masterClrMapping/>
-  </p:clrMapOvr>
-</p:notes>
-</file>
-
-<file path=ppt/notesSlides/notesSlide13.xml><?xml version="1.0" encoding="utf-8"?>
-<p:notes xmlns:a="http://schemas.openxmlformats.org/drawingml/2006/main" xmlns:r="http://schemas.openxmlformats.org/officeDocument/2006/relationships" xmlns:p="http://schemas.openxmlformats.org/presentationml/2006/main" showMasterSp="0" showMasterPhAnim="0">
-  <p:cSld>
-    <p:spTree>
-      <p:nvGrpSpPr>
-        <p:cNvPr id="1" name="Shape 204"/>
-        <p:cNvGrpSpPr/>
-        <p:nvPr/>
-      </p:nvGrpSpPr>
-      <p:grpSpPr>
-        <a:xfrm>
-          <a:off x="0" y="0"/>
-          <a:ext cx="0" cy="0"/>
-          <a:chOff x="0" y="0"/>
-          <a:chExt cx="0" cy="0"/>
-        </a:xfrm>
-      </p:grpSpPr>
-      <p:sp>
-        <p:nvSpPr>
-          <p:cNvPr id="205" name="Google Shape;205;g6310cfd962_0_28:notes"/>
-          <p:cNvSpPr>
-            <a:spLocks noGrp="1" noRot="1" noChangeAspect="1"/>
-          </p:cNvSpPr>
-          <p:nvPr>
-            <p:ph type="sldImg" idx="2"/>
-          </p:nvPr>
-        </p:nvSpPr>
-        <p:spPr>
-          <a:xfrm>
-            <a:off x="381000" y="685800"/>
-            <a:ext cx="6096000" cy="3429000"/>
-          </a:xfrm>
-          <a:custGeom>
-            <a:avLst/>
-            <a:gdLst/>
-            <a:ahLst/>
-            <a:cxnLst/>
-            <a:rect l="l" t="t" r="r" b="b"/>
-            <a:pathLst>
-              <a:path w="120000" h="120000" extrusionOk="0">
-                <a:moveTo>
-                  <a:pt x="0" y="0"/>
-                </a:moveTo>
-                <a:lnTo>
-                  <a:pt x="120000" y="0"/>
-                </a:lnTo>
-                <a:lnTo>
-                  <a:pt x="120000" y="120000"/>
-                </a:lnTo>
-                <a:lnTo>
-                  <a:pt x="0" y="120000"/>
-                </a:lnTo>
-                <a:close/>
-              </a:path>
-            </a:pathLst>
-          </a:custGeom>
-        </p:spPr>
-      </p:sp>
-      <p:sp>
-        <p:nvSpPr>
-          <p:cNvPr id="206" name="Google Shape;206;g6310cfd962_0_28:notes"/>
-          <p:cNvSpPr txBox="1">
-            <a:spLocks noGrp="1"/>
-          </p:cNvSpPr>
-          <p:nvPr>
-            <p:ph type="body" idx="1"/>
-          </p:nvPr>
-        </p:nvSpPr>
-        <p:spPr>
-          <a:xfrm>
-            <a:off x="685800" y="4343400"/>
-            <a:ext cx="5486400" cy="4114800"/>
-          </a:xfrm>
-          <a:prstGeom prst="rect">
-            <a:avLst/>
-          </a:prstGeom>
-        </p:spPr>
-        <p:txBody>
-          <a:bodyPr spcFirstLastPara="1" wrap="square" lIns="91425" tIns="91425" rIns="91425" bIns="91425" anchor="t" anchorCtr="0">
-            <a:noAutofit/>
-          </a:bodyPr>
-          <a:lstStyle/>
-          <a:p>
-            <a:pPr marL="0" lvl="0" indent="0" algn="l" rtl="0">
-              <a:spcBef>
-                <a:spcPts val="0"/>
-              </a:spcBef>
-              <a:spcAft>
-                <a:spcPts val="0"/>
-              </a:spcAft>
-              <a:buNone/>
-            </a:pPr>
-            <a:endParaRPr/>
-          </a:p>
-        </p:txBody>
-      </p:sp>
-    </p:spTree>
-    <p:extLst>
-      <p:ext uri="{BB962C8B-B14F-4D97-AF65-F5344CB8AC3E}">
-        <p14:creationId xmlns:p14="http://schemas.microsoft.com/office/powerpoint/2010/main" val="1334560871"/>
-      </p:ext>
-    </p:extLst>
-  </p:cSld>
-  <p:clrMapOvr>
-    <a:masterClrMapping/>
-  </p:clrMapOvr>
-</p:notes>
-</file>
-
-<file path=ppt/notesSlides/notesSlide14.xml><?xml version="1.0" encoding="utf-8"?>
 <p:notes xmlns:a="http://schemas.openxmlformats.org/drawingml/2006/main" xmlns:r="http://schemas.openxmlformats.org/officeDocument/2006/relationships" xmlns:p="http://schemas.openxmlformats.org/presentationml/2006/main" showMasterSp="0" showMasterPhAnim="0">
   <p:cSld>
     <p:spTree>
@@ -2022,7 +1692,7 @@
     </p:spTree>
     <p:extLst>
       <p:ext uri="{BB962C8B-B14F-4D97-AF65-F5344CB8AC3E}">
-        <p14:creationId xmlns:p14="http://schemas.microsoft.com/office/powerpoint/2010/main" val="1624306369"/>
+        <p14:creationId xmlns:p14="http://schemas.microsoft.com/office/powerpoint/2010/main" val="159800330"/>
       </p:ext>
     </p:extLst>
   </p:cSld>
@@ -2131,7 +1801,7 @@
     </p:spTree>
     <p:extLst>
       <p:ext uri="{BB962C8B-B14F-4D97-AF65-F5344CB8AC3E}">
-        <p14:creationId xmlns:p14="http://schemas.microsoft.com/office/powerpoint/2010/main" val="2848917752"/>
+        <p14:creationId xmlns:p14="http://schemas.microsoft.com/office/powerpoint/2010/main" val="660060088"/>
       </p:ext>
     </p:extLst>
   </p:cSld>
@@ -2240,7 +1910,7 @@
     </p:spTree>
     <p:extLst>
       <p:ext uri="{BB962C8B-B14F-4D97-AF65-F5344CB8AC3E}">
-        <p14:creationId xmlns:p14="http://schemas.microsoft.com/office/powerpoint/2010/main" val="1490722589"/>
+        <p14:creationId xmlns:p14="http://schemas.microsoft.com/office/powerpoint/2010/main" val="3945632040"/>
       </p:ext>
     </p:extLst>
   </p:cSld>
@@ -4684,2241 +4354,6 @@
 <file path=ppt/slides/slide10.xml><?xml version="1.0" encoding="utf-8"?>
 <p:sld xmlns:a="http://schemas.openxmlformats.org/drawingml/2006/main" xmlns:r="http://schemas.openxmlformats.org/officeDocument/2006/relationships" xmlns:p="http://schemas.openxmlformats.org/presentationml/2006/main">
   <p:cSld>
-    <p:bg>
-      <p:bgPr>
-        <a:solidFill>
-          <a:srgbClr val="FFFFFF"/>
-        </a:solidFill>
-        <a:effectLst/>
-      </p:bgPr>
-    </p:bg>
-    <p:spTree>
-      <p:nvGrpSpPr>
-        <p:cNvPr id="1" name="Shape 207"/>
-        <p:cNvGrpSpPr/>
-        <p:nvPr/>
-      </p:nvGrpSpPr>
-      <p:grpSpPr>
-        <a:xfrm>
-          <a:off x="0" y="0"/>
-          <a:ext cx="0" cy="0"/>
-          <a:chOff x="0" y="0"/>
-          <a:chExt cx="0" cy="0"/>
-        </a:xfrm>
-      </p:grpSpPr>
-      <p:sp>
-        <p:nvSpPr>
-          <p:cNvPr id="7" name="Retângulo 6">
-            <a:extLst>
-              <a:ext uri="{FF2B5EF4-FFF2-40B4-BE49-F238E27FC236}">
-                <a16:creationId xmlns:a16="http://schemas.microsoft.com/office/drawing/2014/main" id="{D0786098-15A6-4175-AF04-66681EB27577}"/>
-              </a:ext>
-            </a:extLst>
-          </p:cNvPr>
-          <p:cNvSpPr/>
-          <p:nvPr/>
-        </p:nvSpPr>
-        <p:spPr>
-          <a:xfrm>
-            <a:off x="0" y="0"/>
-            <a:ext cx="9143999" cy="5143500"/>
-          </a:xfrm>
-          <a:prstGeom prst="rect">
-            <a:avLst/>
-          </a:prstGeom>
-          <a:solidFill>
-            <a:schemeClr val="bg1">
-              <a:lumMod val="95000"/>
-            </a:schemeClr>
-          </a:solidFill>
-          <a:ln>
-            <a:noFill/>
-          </a:ln>
-        </p:spPr>
-        <p:style>
-          <a:lnRef idx="2">
-            <a:schemeClr val="accent1">
-              <a:shade val="50000"/>
-            </a:schemeClr>
-          </a:lnRef>
-          <a:fillRef idx="1">
-            <a:schemeClr val="accent1"/>
-          </a:fillRef>
-          <a:effectRef idx="0">
-            <a:schemeClr val="accent1"/>
-          </a:effectRef>
-          <a:fontRef idx="minor">
-            <a:schemeClr val="lt1"/>
-          </a:fontRef>
-        </p:style>
-        <p:txBody>
-          <a:bodyPr rtlCol="0" anchor="ctr"/>
-          <a:lstStyle/>
-          <a:p>
-            <a:pPr algn="ctr"/>
-            <a:endParaRPr lang="pt-BR"/>
-          </a:p>
-        </p:txBody>
-      </p:sp>
-      <p:sp>
-        <p:nvSpPr>
-          <p:cNvPr id="209" name="Google Shape;209;p34"/>
-          <p:cNvSpPr txBox="1">
-            <a:spLocks noGrp="1"/>
-          </p:cNvSpPr>
-          <p:nvPr>
-            <p:ph type="ctrTitle"/>
-          </p:nvPr>
-        </p:nvSpPr>
-        <p:spPr>
-          <a:xfrm>
-            <a:off x="900845" y="2270717"/>
-            <a:ext cx="3099764" cy="602065"/>
-          </a:xfrm>
-          <a:prstGeom prst="rect">
-            <a:avLst/>
-          </a:prstGeom>
-        </p:spPr>
-        <p:txBody>
-          <a:bodyPr spcFirstLastPara="1" wrap="square" lIns="91425" tIns="91425" rIns="91425" bIns="91425" anchor="b" anchorCtr="0">
-            <a:noAutofit/>
-          </a:bodyPr>
-          <a:lstStyle/>
-          <a:p>
-            <a:pPr marL="0" lvl="0" indent="0" algn="ctr" rtl="0">
-              <a:spcBef>
-                <a:spcPts val="0"/>
-              </a:spcBef>
-              <a:spcAft>
-                <a:spcPts val="0"/>
-              </a:spcAft>
-              <a:buNone/>
-            </a:pPr>
-            <a:r>
-              <a:rPr lang="pt-BR" sz="3600" dirty="0">
-                <a:solidFill>
-                  <a:srgbClr val="316321"/>
-                </a:solidFill>
-              </a:rPr>
-              <a:t>Banco de Dados:</a:t>
-            </a:r>
-            <a:br>
-              <a:rPr lang="pt-BR" sz="3600" dirty="0">
-                <a:solidFill>
-                  <a:srgbClr val="316321"/>
-                </a:solidFill>
-              </a:rPr>
-            </a:br>
-            <a:endParaRPr sz="3600" dirty="0">
-              <a:solidFill>
-                <a:srgbClr val="316321"/>
-              </a:solidFill>
-            </a:endParaRPr>
-          </a:p>
-        </p:txBody>
-      </p:sp>
-      <p:sp>
-        <p:nvSpPr>
-          <p:cNvPr id="85" name="Google Shape;17724;p71">
-            <a:extLst>
-              <a:ext uri="{FF2B5EF4-FFF2-40B4-BE49-F238E27FC236}">
-                <a16:creationId xmlns:a16="http://schemas.microsoft.com/office/drawing/2014/main" id="{63AFEF52-466D-4F4A-AF26-31E4EC74411B}"/>
-              </a:ext>
-            </a:extLst>
-          </p:cNvPr>
-          <p:cNvSpPr/>
-          <p:nvPr/>
-        </p:nvSpPr>
-        <p:spPr>
-          <a:xfrm>
-            <a:off x="4250316" y="742641"/>
-            <a:ext cx="1302273" cy="1090236"/>
-          </a:xfrm>
-          <a:custGeom>
-            <a:avLst/>
-            <a:gdLst/>
-            <a:ahLst/>
-            <a:cxnLst/>
-            <a:rect l="l" t="t" r="r" b="b"/>
-            <a:pathLst>
-              <a:path w="2079" h="1827" extrusionOk="0">
-                <a:moveTo>
-                  <a:pt x="1037" y="0"/>
-                </a:moveTo>
-                <a:cubicBezTo>
-                  <a:pt x="780" y="0"/>
-                  <a:pt x="535" y="110"/>
-                  <a:pt x="326" y="298"/>
-                </a:cubicBezTo>
-                <a:cubicBezTo>
-                  <a:pt x="174" y="434"/>
-                  <a:pt x="0" y="590"/>
-                  <a:pt x="0" y="797"/>
-                </a:cubicBezTo>
-                <a:cubicBezTo>
-                  <a:pt x="0" y="1003"/>
-                  <a:pt x="136" y="1188"/>
-                  <a:pt x="277" y="1328"/>
-                </a:cubicBezTo>
-                <a:cubicBezTo>
-                  <a:pt x="525" y="1587"/>
-                  <a:pt x="915" y="1827"/>
-                  <a:pt x="1262" y="1827"/>
-                </a:cubicBezTo>
-                <a:cubicBezTo>
-                  <a:pt x="1491" y="1827"/>
-                  <a:pt x="1701" y="1722"/>
-                  <a:pt x="1839" y="1448"/>
-                </a:cubicBezTo>
-                <a:cubicBezTo>
-                  <a:pt x="2078" y="966"/>
-                  <a:pt x="1975" y="364"/>
-                  <a:pt x="1476" y="108"/>
-                </a:cubicBezTo>
-                <a:cubicBezTo>
-                  <a:pt x="1329" y="34"/>
-                  <a:pt x="1181" y="0"/>
-                  <a:pt x="1037" y="0"/>
-                </a:cubicBezTo>
-                <a:close/>
-              </a:path>
-            </a:pathLst>
-          </a:custGeom>
-          <a:solidFill>
-            <a:srgbClr val="E5D0C3"/>
-          </a:solidFill>
-          <a:ln>
-            <a:noFill/>
-          </a:ln>
-        </p:spPr>
-        <p:txBody>
-          <a:bodyPr spcFirstLastPara="1" wrap="square" lIns="91425" tIns="91425" rIns="91425" bIns="91425" anchor="ctr" anchorCtr="0">
-            <a:noAutofit/>
-          </a:bodyPr>
-          <a:lstStyle/>
-          <a:p>
-            <a:pPr marL="0" lvl="0" indent="0" algn="l" rtl="0">
-              <a:spcBef>
-                <a:spcPts val="0"/>
-              </a:spcBef>
-              <a:spcAft>
-                <a:spcPts val="0"/>
-              </a:spcAft>
-              <a:buNone/>
-            </a:pPr>
-            <a:endParaRPr/>
-          </a:p>
-        </p:txBody>
-      </p:sp>
-      <p:sp>
-        <p:nvSpPr>
-          <p:cNvPr id="2" name="Retângulo 1">
-            <a:extLst>
-              <a:ext uri="{FF2B5EF4-FFF2-40B4-BE49-F238E27FC236}">
-                <a16:creationId xmlns:a16="http://schemas.microsoft.com/office/drawing/2014/main" id="{6318A2B2-0BF5-4838-99EF-2E6A733A54D7}"/>
-              </a:ext>
-            </a:extLst>
-          </p:cNvPr>
-          <p:cNvSpPr/>
-          <p:nvPr/>
-        </p:nvSpPr>
-        <p:spPr>
-          <a:xfrm>
-            <a:off x="4901453" y="242047"/>
-            <a:ext cx="3771900" cy="4706471"/>
-          </a:xfrm>
-          <a:prstGeom prst="rect">
-            <a:avLst/>
-          </a:prstGeom>
-          <a:solidFill>
-            <a:schemeClr val="accent3">
-              <a:lumMod val="75000"/>
-            </a:schemeClr>
-          </a:solidFill>
-          <a:ln>
-            <a:noFill/>
-          </a:ln>
-        </p:spPr>
-        <p:style>
-          <a:lnRef idx="2">
-            <a:schemeClr val="accent1">
-              <a:shade val="50000"/>
-            </a:schemeClr>
-          </a:lnRef>
-          <a:fillRef idx="1">
-            <a:schemeClr val="accent1"/>
-          </a:fillRef>
-          <a:effectRef idx="0">
-            <a:schemeClr val="accent1"/>
-          </a:effectRef>
-          <a:fontRef idx="minor">
-            <a:schemeClr val="lt1"/>
-          </a:fontRef>
-        </p:style>
-        <p:txBody>
-          <a:bodyPr rtlCol="0" anchor="ctr"/>
-          <a:lstStyle/>
-          <a:p>
-            <a:pPr algn="ctr"/>
-            <a:endParaRPr lang="pt-BR"/>
-          </a:p>
-        </p:txBody>
-      </p:sp>
-      <p:pic>
-        <p:nvPicPr>
-          <p:cNvPr id="81" name="Google Shape;243;p37">
-            <a:extLst>
-              <a:ext uri="{FF2B5EF4-FFF2-40B4-BE49-F238E27FC236}">
-                <a16:creationId xmlns:a16="http://schemas.microsoft.com/office/drawing/2014/main" id="{C80A8E0A-7647-4276-A807-0D7310548A3E}"/>
-              </a:ext>
-            </a:extLst>
-          </p:cNvPr>
-          <p:cNvPicPr preferRelativeResize="0"/>
-          <p:nvPr/>
-        </p:nvPicPr>
-        <p:blipFill>
-          <a:blip r:embed="rId3">
-            <a:alphaModFix/>
-          </a:blip>
-          <a:stretch>
-            <a:fillRect/>
-          </a:stretch>
-        </p:blipFill>
-        <p:spPr>
-          <a:xfrm>
-            <a:off x="5161011" y="0"/>
-            <a:ext cx="3226413" cy="5143500"/>
-          </a:xfrm>
-          <a:prstGeom prst="rect">
-            <a:avLst/>
-          </a:prstGeom>
-          <a:noFill/>
-          <a:ln>
-            <a:noFill/>
-          </a:ln>
-        </p:spPr>
-      </p:pic>
-      <p:sp>
-        <p:nvSpPr>
-          <p:cNvPr id="82" name="Google Shape;1074;p62">
-            <a:extLst>
-              <a:ext uri="{FF2B5EF4-FFF2-40B4-BE49-F238E27FC236}">
-                <a16:creationId xmlns:a16="http://schemas.microsoft.com/office/drawing/2014/main" id="{12767E7B-3379-456F-890D-0FA3169E22E9}"/>
-              </a:ext>
-            </a:extLst>
-          </p:cNvPr>
-          <p:cNvSpPr/>
-          <p:nvPr/>
-        </p:nvSpPr>
-        <p:spPr>
-          <a:xfrm>
-            <a:off x="5161011" y="0"/>
-            <a:ext cx="3226413" cy="5143500"/>
-          </a:xfrm>
-          <a:prstGeom prst="rect">
-            <a:avLst/>
-          </a:prstGeom>
-          <a:solidFill>
-            <a:srgbClr val="5B0F00">
-              <a:alpha val="13330"/>
-            </a:srgbClr>
-          </a:solidFill>
-          <a:ln>
-            <a:noFill/>
-          </a:ln>
-        </p:spPr>
-        <p:txBody>
-          <a:bodyPr spcFirstLastPara="1" wrap="square" lIns="91425" tIns="91425" rIns="91425" bIns="91425" anchor="ctr" anchorCtr="0">
-            <a:noAutofit/>
-          </a:bodyPr>
-          <a:lstStyle/>
-          <a:p>
-            <a:pPr marL="0" lvl="0" indent="0" algn="l" rtl="0">
-              <a:spcBef>
-                <a:spcPts val="0"/>
-              </a:spcBef>
-              <a:spcAft>
-                <a:spcPts val="0"/>
-              </a:spcAft>
-              <a:buNone/>
-            </a:pPr>
-            <a:endParaRPr dirty="0"/>
-          </a:p>
-        </p:txBody>
-      </p:sp>
-      <p:sp>
-        <p:nvSpPr>
-          <p:cNvPr id="83" name="Google Shape;17724;p71">
-            <a:extLst>
-              <a:ext uri="{FF2B5EF4-FFF2-40B4-BE49-F238E27FC236}">
-                <a16:creationId xmlns:a16="http://schemas.microsoft.com/office/drawing/2014/main" id="{EA06A5E1-08DA-431F-981E-D787977D3226}"/>
-              </a:ext>
-            </a:extLst>
-          </p:cNvPr>
-          <p:cNvSpPr/>
-          <p:nvPr/>
-        </p:nvSpPr>
-        <p:spPr>
-          <a:xfrm>
-            <a:off x="987983" y="-608260"/>
-            <a:ext cx="1667810" cy="1374743"/>
-          </a:xfrm>
-          <a:custGeom>
-            <a:avLst/>
-            <a:gdLst/>
-            <a:ahLst/>
-            <a:cxnLst/>
-            <a:rect l="l" t="t" r="r" b="b"/>
-            <a:pathLst>
-              <a:path w="2079" h="1827" extrusionOk="0">
-                <a:moveTo>
-                  <a:pt x="1037" y="0"/>
-                </a:moveTo>
-                <a:cubicBezTo>
-                  <a:pt x="780" y="0"/>
-                  <a:pt x="535" y="110"/>
-                  <a:pt x="326" y="298"/>
-                </a:cubicBezTo>
-                <a:cubicBezTo>
-                  <a:pt x="174" y="434"/>
-                  <a:pt x="0" y="590"/>
-                  <a:pt x="0" y="797"/>
-                </a:cubicBezTo>
-                <a:cubicBezTo>
-                  <a:pt x="0" y="1003"/>
-                  <a:pt x="136" y="1188"/>
-                  <a:pt x="277" y="1328"/>
-                </a:cubicBezTo>
-                <a:cubicBezTo>
-                  <a:pt x="525" y="1587"/>
-                  <a:pt x="915" y="1827"/>
-                  <a:pt x="1262" y="1827"/>
-                </a:cubicBezTo>
-                <a:cubicBezTo>
-                  <a:pt x="1491" y="1827"/>
-                  <a:pt x="1701" y="1722"/>
-                  <a:pt x="1839" y="1448"/>
-                </a:cubicBezTo>
-                <a:cubicBezTo>
-                  <a:pt x="2078" y="966"/>
-                  <a:pt x="1975" y="364"/>
-                  <a:pt x="1476" y="108"/>
-                </a:cubicBezTo>
-                <a:cubicBezTo>
-                  <a:pt x="1329" y="34"/>
-                  <a:pt x="1181" y="0"/>
-                  <a:pt x="1037" y="0"/>
-                </a:cubicBezTo>
-                <a:close/>
-              </a:path>
-            </a:pathLst>
-          </a:custGeom>
-          <a:solidFill>
-            <a:srgbClr val="E5D0C3"/>
-          </a:solidFill>
-          <a:ln>
-            <a:noFill/>
-          </a:ln>
-        </p:spPr>
-        <p:txBody>
-          <a:bodyPr spcFirstLastPara="1" wrap="square" lIns="91425" tIns="91425" rIns="91425" bIns="91425" anchor="ctr" anchorCtr="0">
-            <a:noAutofit/>
-          </a:bodyPr>
-          <a:lstStyle/>
-          <a:p>
-            <a:pPr marL="0" lvl="0" indent="0" algn="l" rtl="0">
-              <a:spcBef>
-                <a:spcPts val="0"/>
-              </a:spcBef>
-              <a:spcAft>
-                <a:spcPts val="0"/>
-              </a:spcAft>
-              <a:buNone/>
-            </a:pPr>
-            <a:endParaRPr/>
-          </a:p>
-        </p:txBody>
-      </p:sp>
-      <p:sp>
-        <p:nvSpPr>
-          <p:cNvPr id="84" name="Google Shape;17724;p71">
-            <a:extLst>
-              <a:ext uri="{FF2B5EF4-FFF2-40B4-BE49-F238E27FC236}">
-                <a16:creationId xmlns:a16="http://schemas.microsoft.com/office/drawing/2014/main" id="{99B83021-AA2D-4BDD-B8DC-7DD693FB6029}"/>
-              </a:ext>
-            </a:extLst>
-          </p:cNvPr>
-          <p:cNvSpPr/>
-          <p:nvPr/>
-        </p:nvSpPr>
-        <p:spPr>
-          <a:xfrm>
-            <a:off x="604173" y="4039815"/>
-            <a:ext cx="767619" cy="674401"/>
-          </a:xfrm>
-          <a:custGeom>
-            <a:avLst/>
-            <a:gdLst/>
-            <a:ahLst/>
-            <a:cxnLst/>
-            <a:rect l="l" t="t" r="r" b="b"/>
-            <a:pathLst>
-              <a:path w="2079" h="1827" extrusionOk="0">
-                <a:moveTo>
-                  <a:pt x="1037" y="0"/>
-                </a:moveTo>
-                <a:cubicBezTo>
-                  <a:pt x="780" y="0"/>
-                  <a:pt x="535" y="110"/>
-                  <a:pt x="326" y="298"/>
-                </a:cubicBezTo>
-                <a:cubicBezTo>
-                  <a:pt x="174" y="434"/>
-                  <a:pt x="0" y="590"/>
-                  <a:pt x="0" y="797"/>
-                </a:cubicBezTo>
-                <a:cubicBezTo>
-                  <a:pt x="0" y="1003"/>
-                  <a:pt x="136" y="1188"/>
-                  <a:pt x="277" y="1328"/>
-                </a:cubicBezTo>
-                <a:cubicBezTo>
-                  <a:pt x="525" y="1587"/>
-                  <a:pt x="915" y="1827"/>
-                  <a:pt x="1262" y="1827"/>
-                </a:cubicBezTo>
-                <a:cubicBezTo>
-                  <a:pt x="1491" y="1827"/>
-                  <a:pt x="1701" y="1722"/>
-                  <a:pt x="1839" y="1448"/>
-                </a:cubicBezTo>
-                <a:cubicBezTo>
-                  <a:pt x="2078" y="966"/>
-                  <a:pt x="1975" y="364"/>
-                  <a:pt x="1476" y="108"/>
-                </a:cubicBezTo>
-                <a:cubicBezTo>
-                  <a:pt x="1329" y="34"/>
-                  <a:pt x="1181" y="0"/>
-                  <a:pt x="1037" y="0"/>
-                </a:cubicBezTo>
-                <a:close/>
-              </a:path>
-            </a:pathLst>
-          </a:custGeom>
-          <a:solidFill>
-            <a:srgbClr val="E5D0C3"/>
-          </a:solidFill>
-          <a:ln>
-            <a:noFill/>
-          </a:ln>
-        </p:spPr>
-        <p:txBody>
-          <a:bodyPr spcFirstLastPara="1" wrap="square" lIns="91425" tIns="91425" rIns="91425" bIns="91425" anchor="ctr" anchorCtr="0">
-            <a:noAutofit/>
-          </a:bodyPr>
-          <a:lstStyle/>
-          <a:p>
-            <a:pPr marL="0" lvl="0" indent="0" algn="l" rtl="0">
-              <a:spcBef>
-                <a:spcPts val="0"/>
-              </a:spcBef>
-              <a:spcAft>
-                <a:spcPts val="0"/>
-              </a:spcAft>
-              <a:buNone/>
-            </a:pPr>
-            <a:endParaRPr/>
-          </a:p>
-        </p:txBody>
-      </p:sp>
-      <p:sp>
-        <p:nvSpPr>
-          <p:cNvPr id="3" name="CaixaDeTexto 2">
-            <a:extLst>
-              <a:ext uri="{FF2B5EF4-FFF2-40B4-BE49-F238E27FC236}">
-                <a16:creationId xmlns:a16="http://schemas.microsoft.com/office/drawing/2014/main" id="{214BA358-FE56-4972-BF44-C477D72E159A}"/>
-              </a:ext>
-            </a:extLst>
-          </p:cNvPr>
-          <p:cNvSpPr txBox="1"/>
-          <p:nvPr/>
-        </p:nvSpPr>
-        <p:spPr>
-          <a:xfrm>
-            <a:off x="987984" y="2431473"/>
-            <a:ext cx="3012626" cy="861774"/>
-          </a:xfrm>
-          <a:prstGeom prst="rect">
-            <a:avLst/>
-          </a:prstGeom>
-          <a:noFill/>
-        </p:spPr>
-        <p:txBody>
-          <a:bodyPr wrap="square" rtlCol="0">
-            <a:spAutoFit/>
-          </a:bodyPr>
-          <a:lstStyle/>
-          <a:p>
-            <a:pPr marL="285750" indent="-285750">
-              <a:buFont typeface="Arial" panose="020B0604020202020204" pitchFamily="34" charset="0"/>
-              <a:buChar char="•"/>
-            </a:pPr>
-            <a:r>
-              <a:rPr lang="pt-BR" sz="2500" dirty="0">
-                <a:solidFill>
-                  <a:srgbClr val="316321"/>
-                </a:solidFill>
-                <a:latin typeface="Rochester" panose="020B0604020202020204" charset="0"/>
-              </a:rPr>
-              <a:t>Modelagem Lógica.</a:t>
-            </a:r>
-          </a:p>
-          <a:p>
-            <a:pPr marL="285750" indent="-285750">
-              <a:buFont typeface="Arial" panose="020B0604020202020204" pitchFamily="34" charset="0"/>
-              <a:buChar char="•"/>
-            </a:pPr>
-            <a:r>
-              <a:rPr lang="pt-BR" sz="2500" dirty="0">
-                <a:solidFill>
-                  <a:srgbClr val="316321"/>
-                </a:solidFill>
-                <a:latin typeface="Rochester" panose="020B0604020202020204" charset="0"/>
-              </a:rPr>
-              <a:t>Modelagem física.</a:t>
-            </a:r>
-          </a:p>
-        </p:txBody>
-      </p:sp>
-    </p:spTree>
-    <p:extLst>
-      <p:ext uri="{BB962C8B-B14F-4D97-AF65-F5344CB8AC3E}">
-        <p14:creationId xmlns:p14="http://schemas.microsoft.com/office/powerpoint/2010/main" val="3659407221"/>
-      </p:ext>
-    </p:extLst>
-  </p:cSld>
-  <p:clrMapOvr>
-    <a:masterClrMapping/>
-  </p:clrMapOvr>
-</p:sld>
-</file>
-
-<file path=ppt/slides/slide11.xml><?xml version="1.0" encoding="utf-8"?>
-<p:sld xmlns:a="http://schemas.openxmlformats.org/drawingml/2006/main" xmlns:r="http://schemas.openxmlformats.org/officeDocument/2006/relationships" xmlns:p="http://schemas.openxmlformats.org/presentationml/2006/main">
-  <p:cSld>
-    <p:bg>
-      <p:bgPr>
-        <a:solidFill>
-          <a:srgbClr val="FFFFFF"/>
-        </a:solidFill>
-        <a:effectLst/>
-      </p:bgPr>
-    </p:bg>
-    <p:spTree>
-      <p:nvGrpSpPr>
-        <p:cNvPr id="1" name="Shape 207"/>
-        <p:cNvGrpSpPr/>
-        <p:nvPr/>
-      </p:nvGrpSpPr>
-      <p:grpSpPr>
-        <a:xfrm>
-          <a:off x="0" y="0"/>
-          <a:ext cx="0" cy="0"/>
-          <a:chOff x="0" y="0"/>
-          <a:chExt cx="0" cy="0"/>
-        </a:xfrm>
-      </p:grpSpPr>
-      <p:sp>
-        <p:nvSpPr>
-          <p:cNvPr id="7" name="Retângulo 6">
-            <a:extLst>
-              <a:ext uri="{FF2B5EF4-FFF2-40B4-BE49-F238E27FC236}">
-                <a16:creationId xmlns:a16="http://schemas.microsoft.com/office/drawing/2014/main" id="{D0786098-15A6-4175-AF04-66681EB27577}"/>
-              </a:ext>
-            </a:extLst>
-          </p:cNvPr>
-          <p:cNvSpPr/>
-          <p:nvPr/>
-        </p:nvSpPr>
-        <p:spPr>
-          <a:xfrm>
-            <a:off x="0" y="0"/>
-            <a:ext cx="9143999" cy="5143500"/>
-          </a:xfrm>
-          <a:prstGeom prst="rect">
-            <a:avLst/>
-          </a:prstGeom>
-          <a:solidFill>
-            <a:schemeClr val="bg1">
-              <a:lumMod val="95000"/>
-            </a:schemeClr>
-          </a:solidFill>
-          <a:ln>
-            <a:noFill/>
-          </a:ln>
-        </p:spPr>
-        <p:style>
-          <a:lnRef idx="2">
-            <a:schemeClr val="accent1">
-              <a:shade val="50000"/>
-            </a:schemeClr>
-          </a:lnRef>
-          <a:fillRef idx="1">
-            <a:schemeClr val="accent1"/>
-          </a:fillRef>
-          <a:effectRef idx="0">
-            <a:schemeClr val="accent1"/>
-          </a:effectRef>
-          <a:fontRef idx="minor">
-            <a:schemeClr val="lt1"/>
-          </a:fontRef>
-        </p:style>
-        <p:txBody>
-          <a:bodyPr rtlCol="0" anchor="ctr"/>
-          <a:lstStyle/>
-          <a:p>
-            <a:pPr algn="ctr"/>
-            <a:endParaRPr lang="pt-BR"/>
-          </a:p>
-        </p:txBody>
-      </p:sp>
-      <p:sp>
-        <p:nvSpPr>
-          <p:cNvPr id="209" name="Google Shape;209;p34"/>
-          <p:cNvSpPr txBox="1">
-            <a:spLocks noGrp="1"/>
-          </p:cNvSpPr>
-          <p:nvPr>
-            <p:ph type="ctrTitle"/>
-          </p:nvPr>
-        </p:nvSpPr>
-        <p:spPr>
-          <a:xfrm>
-            <a:off x="744126" y="1885032"/>
-            <a:ext cx="3099764" cy="1373435"/>
-          </a:xfrm>
-          <a:prstGeom prst="rect">
-            <a:avLst/>
-          </a:prstGeom>
-        </p:spPr>
-        <p:txBody>
-          <a:bodyPr spcFirstLastPara="1" wrap="square" lIns="91425" tIns="91425" rIns="91425" bIns="91425" anchor="b" anchorCtr="0">
-            <a:noAutofit/>
-          </a:bodyPr>
-          <a:lstStyle/>
-          <a:p>
-            <a:pPr marL="0" lvl="0" indent="0" algn="ctr" rtl="0">
-              <a:spcBef>
-                <a:spcPts val="0"/>
-              </a:spcBef>
-              <a:spcAft>
-                <a:spcPts val="0"/>
-              </a:spcAft>
-              <a:buNone/>
-            </a:pPr>
-            <a:r>
-              <a:rPr lang="pt-BR" sz="3600" dirty="0">
-                <a:solidFill>
-                  <a:srgbClr val="316321"/>
-                </a:solidFill>
-              </a:rPr>
-              <a:t>Simulador do Sensor</a:t>
-            </a:r>
-            <a:endParaRPr sz="3600" dirty="0">
-              <a:solidFill>
-                <a:srgbClr val="316321"/>
-              </a:solidFill>
-            </a:endParaRPr>
-          </a:p>
-        </p:txBody>
-      </p:sp>
-      <p:sp>
-        <p:nvSpPr>
-          <p:cNvPr id="10" name="Google Shape;17724;p71">
-            <a:extLst>
-              <a:ext uri="{FF2B5EF4-FFF2-40B4-BE49-F238E27FC236}">
-                <a16:creationId xmlns:a16="http://schemas.microsoft.com/office/drawing/2014/main" id="{3968ABCC-581F-4B5F-8FEC-290827F2EEE8}"/>
-              </a:ext>
-            </a:extLst>
-          </p:cNvPr>
-          <p:cNvSpPr/>
-          <p:nvPr/>
-        </p:nvSpPr>
-        <p:spPr>
-          <a:xfrm>
-            <a:off x="3929309" y="3797322"/>
-            <a:ext cx="1987300" cy="1652894"/>
-          </a:xfrm>
-          <a:custGeom>
-            <a:avLst/>
-            <a:gdLst/>
-            <a:ahLst/>
-            <a:cxnLst/>
-            <a:rect l="l" t="t" r="r" b="b"/>
-            <a:pathLst>
-              <a:path w="2079" h="1827" extrusionOk="0">
-                <a:moveTo>
-                  <a:pt x="1037" y="0"/>
-                </a:moveTo>
-                <a:cubicBezTo>
-                  <a:pt x="780" y="0"/>
-                  <a:pt x="535" y="110"/>
-                  <a:pt x="326" y="298"/>
-                </a:cubicBezTo>
-                <a:cubicBezTo>
-                  <a:pt x="174" y="434"/>
-                  <a:pt x="0" y="590"/>
-                  <a:pt x="0" y="797"/>
-                </a:cubicBezTo>
-                <a:cubicBezTo>
-                  <a:pt x="0" y="1003"/>
-                  <a:pt x="136" y="1188"/>
-                  <a:pt x="277" y="1328"/>
-                </a:cubicBezTo>
-                <a:cubicBezTo>
-                  <a:pt x="525" y="1587"/>
-                  <a:pt x="915" y="1827"/>
-                  <a:pt x="1262" y="1827"/>
-                </a:cubicBezTo>
-                <a:cubicBezTo>
-                  <a:pt x="1491" y="1827"/>
-                  <a:pt x="1701" y="1722"/>
-                  <a:pt x="1839" y="1448"/>
-                </a:cubicBezTo>
-                <a:cubicBezTo>
-                  <a:pt x="2078" y="966"/>
-                  <a:pt x="1975" y="364"/>
-                  <a:pt x="1476" y="108"/>
-                </a:cubicBezTo>
-                <a:cubicBezTo>
-                  <a:pt x="1329" y="34"/>
-                  <a:pt x="1181" y="0"/>
-                  <a:pt x="1037" y="0"/>
-                </a:cubicBezTo>
-                <a:close/>
-              </a:path>
-            </a:pathLst>
-          </a:custGeom>
-          <a:solidFill>
-            <a:srgbClr val="E5D0C3"/>
-          </a:solidFill>
-          <a:ln>
-            <a:noFill/>
-          </a:ln>
-        </p:spPr>
-        <p:txBody>
-          <a:bodyPr spcFirstLastPara="1" wrap="square" lIns="91425" tIns="91425" rIns="91425" bIns="91425" anchor="ctr" anchorCtr="0">
-            <a:noAutofit/>
-          </a:bodyPr>
-          <a:lstStyle/>
-          <a:p>
-            <a:pPr marL="0" lvl="0" indent="0" algn="l" rtl="0">
-              <a:spcBef>
-                <a:spcPts val="0"/>
-              </a:spcBef>
-              <a:spcAft>
-                <a:spcPts val="0"/>
-              </a:spcAft>
-              <a:buNone/>
-            </a:pPr>
-            <a:endParaRPr/>
-          </a:p>
-        </p:txBody>
-      </p:sp>
-      <p:sp>
-        <p:nvSpPr>
-          <p:cNvPr id="2" name="Retângulo 1">
-            <a:extLst>
-              <a:ext uri="{FF2B5EF4-FFF2-40B4-BE49-F238E27FC236}">
-                <a16:creationId xmlns:a16="http://schemas.microsoft.com/office/drawing/2014/main" id="{6318A2B2-0BF5-4838-99EF-2E6A733A54D7}"/>
-              </a:ext>
-            </a:extLst>
-          </p:cNvPr>
-          <p:cNvSpPr/>
-          <p:nvPr/>
-        </p:nvSpPr>
-        <p:spPr>
-          <a:xfrm>
-            <a:off x="5667085" y="141193"/>
-            <a:ext cx="3099764" cy="4861112"/>
-          </a:xfrm>
-          <a:prstGeom prst="rect">
-            <a:avLst/>
-          </a:prstGeom>
-          <a:solidFill>
-            <a:schemeClr val="accent3">
-              <a:lumMod val="50000"/>
-            </a:schemeClr>
-          </a:solidFill>
-          <a:ln>
-            <a:noFill/>
-          </a:ln>
-        </p:spPr>
-        <p:style>
-          <a:lnRef idx="2">
-            <a:schemeClr val="accent1">
-              <a:shade val="50000"/>
-            </a:schemeClr>
-          </a:lnRef>
-          <a:fillRef idx="1">
-            <a:schemeClr val="accent1"/>
-          </a:fillRef>
-          <a:effectRef idx="0">
-            <a:schemeClr val="accent1"/>
-          </a:effectRef>
-          <a:fontRef idx="minor">
-            <a:schemeClr val="lt1"/>
-          </a:fontRef>
-        </p:style>
-        <p:txBody>
-          <a:bodyPr rtlCol="0" anchor="ctr"/>
-          <a:lstStyle/>
-          <a:p>
-            <a:pPr algn="ctr"/>
-            <a:endParaRPr lang="pt-BR"/>
-          </a:p>
-        </p:txBody>
-      </p:sp>
-      <p:sp>
-        <p:nvSpPr>
-          <p:cNvPr id="11" name="Google Shape;17724;p71">
-            <a:extLst>
-              <a:ext uri="{FF2B5EF4-FFF2-40B4-BE49-F238E27FC236}">
-                <a16:creationId xmlns:a16="http://schemas.microsoft.com/office/drawing/2014/main" id="{625B5344-CCDC-4236-AB55-77811DDDC926}"/>
-              </a:ext>
-            </a:extLst>
-          </p:cNvPr>
-          <p:cNvSpPr/>
-          <p:nvPr/>
-        </p:nvSpPr>
-        <p:spPr>
-          <a:xfrm>
-            <a:off x="300564" y="213626"/>
-            <a:ext cx="767619" cy="674401"/>
-          </a:xfrm>
-          <a:custGeom>
-            <a:avLst/>
-            <a:gdLst/>
-            <a:ahLst/>
-            <a:cxnLst/>
-            <a:rect l="l" t="t" r="r" b="b"/>
-            <a:pathLst>
-              <a:path w="2079" h="1827" extrusionOk="0">
-                <a:moveTo>
-                  <a:pt x="1037" y="0"/>
-                </a:moveTo>
-                <a:cubicBezTo>
-                  <a:pt x="780" y="0"/>
-                  <a:pt x="535" y="110"/>
-                  <a:pt x="326" y="298"/>
-                </a:cubicBezTo>
-                <a:cubicBezTo>
-                  <a:pt x="174" y="434"/>
-                  <a:pt x="0" y="590"/>
-                  <a:pt x="0" y="797"/>
-                </a:cubicBezTo>
-                <a:cubicBezTo>
-                  <a:pt x="0" y="1003"/>
-                  <a:pt x="136" y="1188"/>
-                  <a:pt x="277" y="1328"/>
-                </a:cubicBezTo>
-                <a:cubicBezTo>
-                  <a:pt x="525" y="1587"/>
-                  <a:pt x="915" y="1827"/>
-                  <a:pt x="1262" y="1827"/>
-                </a:cubicBezTo>
-                <a:cubicBezTo>
-                  <a:pt x="1491" y="1827"/>
-                  <a:pt x="1701" y="1722"/>
-                  <a:pt x="1839" y="1448"/>
-                </a:cubicBezTo>
-                <a:cubicBezTo>
-                  <a:pt x="2078" y="966"/>
-                  <a:pt x="1975" y="364"/>
-                  <a:pt x="1476" y="108"/>
-                </a:cubicBezTo>
-                <a:cubicBezTo>
-                  <a:pt x="1329" y="34"/>
-                  <a:pt x="1181" y="0"/>
-                  <a:pt x="1037" y="0"/>
-                </a:cubicBezTo>
-                <a:close/>
-              </a:path>
-            </a:pathLst>
-          </a:custGeom>
-          <a:solidFill>
-            <a:srgbClr val="E5D0C3"/>
-          </a:solidFill>
-          <a:ln>
-            <a:noFill/>
-          </a:ln>
-        </p:spPr>
-        <p:txBody>
-          <a:bodyPr spcFirstLastPara="1" wrap="square" lIns="91425" tIns="91425" rIns="91425" bIns="91425" anchor="ctr" anchorCtr="0">
-            <a:noAutofit/>
-          </a:bodyPr>
-          <a:lstStyle/>
-          <a:p>
-            <a:pPr marL="0" lvl="0" indent="0" algn="l" rtl="0">
-              <a:spcBef>
-                <a:spcPts val="0"/>
-              </a:spcBef>
-              <a:spcAft>
-                <a:spcPts val="0"/>
-              </a:spcAft>
-              <a:buNone/>
-            </a:pPr>
-            <a:endParaRPr/>
-          </a:p>
-        </p:txBody>
-      </p:sp>
-      <p:sp>
-        <p:nvSpPr>
-          <p:cNvPr id="12" name="Google Shape;17724;p71">
-            <a:extLst>
-              <a:ext uri="{FF2B5EF4-FFF2-40B4-BE49-F238E27FC236}">
-                <a16:creationId xmlns:a16="http://schemas.microsoft.com/office/drawing/2014/main" id="{12FB5D59-F12B-4A5B-8C7E-DD9BAAAEE42B}"/>
-              </a:ext>
-            </a:extLst>
-          </p:cNvPr>
-          <p:cNvSpPr/>
-          <p:nvPr/>
-        </p:nvSpPr>
-        <p:spPr>
-          <a:xfrm>
-            <a:off x="668051" y="991173"/>
-            <a:ext cx="392550" cy="343994"/>
-          </a:xfrm>
-          <a:custGeom>
-            <a:avLst/>
-            <a:gdLst/>
-            <a:ahLst/>
-            <a:cxnLst/>
-            <a:rect l="l" t="t" r="r" b="b"/>
-            <a:pathLst>
-              <a:path w="2079" h="1827" extrusionOk="0">
-                <a:moveTo>
-                  <a:pt x="1037" y="0"/>
-                </a:moveTo>
-                <a:cubicBezTo>
-                  <a:pt x="780" y="0"/>
-                  <a:pt x="535" y="110"/>
-                  <a:pt x="326" y="298"/>
-                </a:cubicBezTo>
-                <a:cubicBezTo>
-                  <a:pt x="174" y="434"/>
-                  <a:pt x="0" y="590"/>
-                  <a:pt x="0" y="797"/>
-                </a:cubicBezTo>
-                <a:cubicBezTo>
-                  <a:pt x="0" y="1003"/>
-                  <a:pt x="136" y="1188"/>
-                  <a:pt x="277" y="1328"/>
-                </a:cubicBezTo>
-                <a:cubicBezTo>
-                  <a:pt x="525" y="1587"/>
-                  <a:pt x="915" y="1827"/>
-                  <a:pt x="1262" y="1827"/>
-                </a:cubicBezTo>
-                <a:cubicBezTo>
-                  <a:pt x="1491" y="1827"/>
-                  <a:pt x="1701" y="1722"/>
-                  <a:pt x="1839" y="1448"/>
-                </a:cubicBezTo>
-                <a:cubicBezTo>
-                  <a:pt x="2078" y="966"/>
-                  <a:pt x="1975" y="364"/>
-                  <a:pt x="1476" y="108"/>
-                </a:cubicBezTo>
-                <a:cubicBezTo>
-                  <a:pt x="1329" y="34"/>
-                  <a:pt x="1181" y="0"/>
-                  <a:pt x="1037" y="0"/>
-                </a:cubicBezTo>
-                <a:close/>
-              </a:path>
-            </a:pathLst>
-          </a:custGeom>
-          <a:solidFill>
-            <a:srgbClr val="E5D0C3"/>
-          </a:solidFill>
-          <a:ln>
-            <a:noFill/>
-          </a:ln>
-        </p:spPr>
-        <p:txBody>
-          <a:bodyPr spcFirstLastPara="1" wrap="square" lIns="91425" tIns="91425" rIns="91425" bIns="91425" anchor="ctr" anchorCtr="0">
-            <a:noAutofit/>
-          </a:bodyPr>
-          <a:lstStyle/>
-          <a:p>
-            <a:pPr marL="0" lvl="0" indent="0" algn="l" rtl="0">
-              <a:spcBef>
-                <a:spcPts val="0"/>
-              </a:spcBef>
-              <a:spcAft>
-                <a:spcPts val="0"/>
-              </a:spcAft>
-              <a:buNone/>
-            </a:pPr>
-            <a:endParaRPr/>
-          </a:p>
-        </p:txBody>
-      </p:sp>
-      <p:pic>
-        <p:nvPicPr>
-          <p:cNvPr id="13" name="Google Shape;17426;p71">
-            <a:extLst>
-              <a:ext uri="{FF2B5EF4-FFF2-40B4-BE49-F238E27FC236}">
-                <a16:creationId xmlns:a16="http://schemas.microsoft.com/office/drawing/2014/main" id="{4EFBF7CE-A97B-4E46-BB05-AB55D2B4BD8B}"/>
-              </a:ext>
-            </a:extLst>
-          </p:cNvPr>
-          <p:cNvPicPr preferRelativeResize="0"/>
-          <p:nvPr/>
-        </p:nvPicPr>
-        <p:blipFill>
-          <a:blip r:embed="rId3">
-            <a:alphaModFix/>
-          </a:blip>
-          <a:stretch>
-            <a:fillRect/>
-          </a:stretch>
-        </p:blipFill>
-        <p:spPr>
-          <a:xfrm>
-            <a:off x="4915377" y="450340"/>
-            <a:ext cx="4099224" cy="4099230"/>
-          </a:xfrm>
-          <a:prstGeom prst="rect">
-            <a:avLst/>
-          </a:prstGeom>
-          <a:noFill/>
-          <a:ln>
-            <a:noFill/>
-          </a:ln>
-        </p:spPr>
-      </p:pic>
-      <p:sp>
-        <p:nvSpPr>
-          <p:cNvPr id="9" name="Google Shape;1074;p62">
-            <a:extLst>
-              <a:ext uri="{FF2B5EF4-FFF2-40B4-BE49-F238E27FC236}">
-                <a16:creationId xmlns:a16="http://schemas.microsoft.com/office/drawing/2014/main" id="{3FB49217-D5B9-486A-A75A-1D662ADA8617}"/>
-              </a:ext>
-            </a:extLst>
-          </p:cNvPr>
-          <p:cNvSpPr/>
-          <p:nvPr/>
-        </p:nvSpPr>
-        <p:spPr>
-          <a:xfrm>
-            <a:off x="4922959" y="450340"/>
-            <a:ext cx="4099224" cy="4099230"/>
-          </a:xfrm>
-          <a:prstGeom prst="rect">
-            <a:avLst/>
-          </a:prstGeom>
-          <a:solidFill>
-            <a:srgbClr val="5B0F00">
-              <a:alpha val="13330"/>
-            </a:srgbClr>
-          </a:solidFill>
-          <a:ln>
-            <a:noFill/>
-          </a:ln>
-        </p:spPr>
-        <p:txBody>
-          <a:bodyPr spcFirstLastPara="1" wrap="square" lIns="91425" tIns="91425" rIns="91425" bIns="91425" anchor="ctr" anchorCtr="0">
-            <a:noAutofit/>
-          </a:bodyPr>
-          <a:lstStyle/>
-          <a:p>
-            <a:pPr marL="0" lvl="0" indent="0" algn="l" rtl="0">
-              <a:spcBef>
-                <a:spcPts val="0"/>
-              </a:spcBef>
-              <a:spcAft>
-                <a:spcPts val="0"/>
-              </a:spcAft>
-              <a:buNone/>
-            </a:pPr>
-            <a:endParaRPr dirty="0"/>
-          </a:p>
-        </p:txBody>
-      </p:sp>
-    </p:spTree>
-    <p:extLst>
-      <p:ext uri="{BB962C8B-B14F-4D97-AF65-F5344CB8AC3E}">
-        <p14:creationId xmlns:p14="http://schemas.microsoft.com/office/powerpoint/2010/main" val="2010653608"/>
-      </p:ext>
-    </p:extLst>
-  </p:cSld>
-  <p:clrMapOvr>
-    <a:masterClrMapping/>
-  </p:clrMapOvr>
-</p:sld>
-</file>
-
-<file path=ppt/slides/slide12.xml><?xml version="1.0" encoding="utf-8"?>
-<p:sld xmlns:a="http://schemas.openxmlformats.org/drawingml/2006/main" xmlns:r="http://schemas.openxmlformats.org/officeDocument/2006/relationships" xmlns:p="http://schemas.openxmlformats.org/presentationml/2006/main">
-  <p:cSld>
-    <p:bg>
-      <p:bgPr>
-        <a:solidFill>
-          <a:srgbClr val="FFFFFF"/>
-        </a:solidFill>
-        <a:effectLst/>
-      </p:bgPr>
-    </p:bg>
-    <p:spTree>
-      <p:nvGrpSpPr>
-        <p:cNvPr id="1" name="Shape 207"/>
-        <p:cNvGrpSpPr/>
-        <p:nvPr/>
-      </p:nvGrpSpPr>
-      <p:grpSpPr>
-        <a:xfrm>
-          <a:off x="0" y="0"/>
-          <a:ext cx="0" cy="0"/>
-          <a:chOff x="0" y="0"/>
-          <a:chExt cx="0" cy="0"/>
-        </a:xfrm>
-      </p:grpSpPr>
-      <p:sp>
-        <p:nvSpPr>
-          <p:cNvPr id="7" name="Retângulo 6">
-            <a:extLst>
-              <a:ext uri="{FF2B5EF4-FFF2-40B4-BE49-F238E27FC236}">
-                <a16:creationId xmlns:a16="http://schemas.microsoft.com/office/drawing/2014/main" id="{D0786098-15A6-4175-AF04-66681EB27577}"/>
-              </a:ext>
-            </a:extLst>
-          </p:cNvPr>
-          <p:cNvSpPr/>
-          <p:nvPr/>
-        </p:nvSpPr>
-        <p:spPr>
-          <a:xfrm>
-            <a:off x="0" y="0"/>
-            <a:ext cx="9144000" cy="5143500"/>
-          </a:xfrm>
-          <a:prstGeom prst="rect">
-            <a:avLst/>
-          </a:prstGeom>
-          <a:solidFill>
-            <a:schemeClr val="bg1">
-              <a:lumMod val="95000"/>
-            </a:schemeClr>
-          </a:solidFill>
-          <a:ln>
-            <a:noFill/>
-          </a:ln>
-        </p:spPr>
-        <p:style>
-          <a:lnRef idx="2">
-            <a:schemeClr val="accent1">
-              <a:shade val="50000"/>
-            </a:schemeClr>
-          </a:lnRef>
-          <a:fillRef idx="1">
-            <a:schemeClr val="accent1"/>
-          </a:fillRef>
-          <a:effectRef idx="0">
-            <a:schemeClr val="accent1"/>
-          </a:effectRef>
-          <a:fontRef idx="minor">
-            <a:schemeClr val="lt1"/>
-          </a:fontRef>
-        </p:style>
-        <p:txBody>
-          <a:bodyPr rtlCol="0" anchor="ctr"/>
-          <a:lstStyle/>
-          <a:p>
-            <a:pPr algn="ctr"/>
-            <a:endParaRPr lang="pt-BR" dirty="0"/>
-          </a:p>
-        </p:txBody>
-      </p:sp>
-      <p:sp>
-        <p:nvSpPr>
-          <p:cNvPr id="209" name="Google Shape;209;p34"/>
-          <p:cNvSpPr txBox="1">
-            <a:spLocks noGrp="1"/>
-          </p:cNvSpPr>
-          <p:nvPr>
-            <p:ph type="ctrTitle"/>
-          </p:nvPr>
-        </p:nvSpPr>
-        <p:spPr>
-          <a:xfrm>
-            <a:off x="3839134" y="188042"/>
-            <a:ext cx="1237130" cy="602065"/>
-          </a:xfrm>
-          <a:prstGeom prst="rect">
-            <a:avLst/>
-          </a:prstGeom>
-        </p:spPr>
-        <p:txBody>
-          <a:bodyPr spcFirstLastPara="1" wrap="square" lIns="91425" tIns="91425" rIns="91425" bIns="91425" anchor="b" anchorCtr="0">
-            <a:noAutofit/>
-          </a:bodyPr>
-          <a:lstStyle/>
-          <a:p>
-            <a:pPr marL="0" lvl="0" indent="0" algn="ctr" rtl="0">
-              <a:spcBef>
-                <a:spcPts val="0"/>
-              </a:spcBef>
-              <a:spcAft>
-                <a:spcPts val="0"/>
-              </a:spcAft>
-              <a:buNone/>
-            </a:pPr>
-            <a:r>
-              <a:rPr lang="pt-BR" sz="2800" dirty="0">
-                <a:solidFill>
-                  <a:srgbClr val="316321"/>
-                </a:solidFill>
-              </a:rPr>
-              <a:t>GitHub</a:t>
-            </a:r>
-            <a:endParaRPr sz="2800" dirty="0">
-              <a:solidFill>
-                <a:srgbClr val="316321"/>
-              </a:solidFill>
-            </a:endParaRPr>
-          </a:p>
-        </p:txBody>
-      </p:sp>
-      <p:sp>
-        <p:nvSpPr>
-          <p:cNvPr id="13" name="Retângulo 12">
-            <a:extLst>
-              <a:ext uri="{FF2B5EF4-FFF2-40B4-BE49-F238E27FC236}">
-                <a16:creationId xmlns:a16="http://schemas.microsoft.com/office/drawing/2014/main" id="{B6D28B32-B53D-4FA4-B8EA-7409C5341FC0}"/>
-              </a:ext>
-            </a:extLst>
-          </p:cNvPr>
-          <p:cNvSpPr/>
-          <p:nvPr/>
-        </p:nvSpPr>
-        <p:spPr>
-          <a:xfrm>
-            <a:off x="7395624" y="0"/>
-            <a:ext cx="90357" cy="921124"/>
-          </a:xfrm>
-          <a:prstGeom prst="rect">
-            <a:avLst/>
-          </a:prstGeom>
-          <a:solidFill>
-            <a:srgbClr val="316321"/>
-          </a:solidFill>
-          <a:ln>
-            <a:noFill/>
-          </a:ln>
-        </p:spPr>
-        <p:style>
-          <a:lnRef idx="2">
-            <a:schemeClr val="accent1">
-              <a:shade val="50000"/>
-            </a:schemeClr>
-          </a:lnRef>
-          <a:fillRef idx="1">
-            <a:schemeClr val="accent1"/>
-          </a:fillRef>
-          <a:effectRef idx="0">
-            <a:schemeClr val="accent1"/>
-          </a:effectRef>
-          <a:fontRef idx="minor">
-            <a:schemeClr val="lt1"/>
-          </a:fontRef>
-        </p:style>
-        <p:txBody>
-          <a:bodyPr rtlCol="0" anchor="ctr"/>
-          <a:lstStyle/>
-          <a:p>
-            <a:pPr algn="ctr"/>
-            <a:endParaRPr lang="pt-BR"/>
-          </a:p>
-        </p:txBody>
-      </p:sp>
-      <p:grpSp>
-        <p:nvGrpSpPr>
-          <p:cNvPr id="5" name="Google Shape;1016;p59">
-            <a:extLst>
-              <a:ext uri="{FF2B5EF4-FFF2-40B4-BE49-F238E27FC236}">
-                <a16:creationId xmlns:a16="http://schemas.microsoft.com/office/drawing/2014/main" id="{AB00CCB5-30C5-446A-BEB7-5C3EE91A2AE4}"/>
-              </a:ext>
-            </a:extLst>
-          </p:cNvPr>
-          <p:cNvGrpSpPr/>
-          <p:nvPr/>
-        </p:nvGrpSpPr>
-        <p:grpSpPr>
-          <a:xfrm>
-            <a:off x="1539688" y="945447"/>
-            <a:ext cx="6158753" cy="4006737"/>
-            <a:chOff x="238125" y="1973675"/>
-            <a:chExt cx="2558775" cy="1951825"/>
-          </a:xfrm>
-        </p:grpSpPr>
-        <p:sp>
-          <p:nvSpPr>
-            <p:cNvPr id="6" name="Google Shape;1017;p59">
-              <a:extLst>
-                <a:ext uri="{FF2B5EF4-FFF2-40B4-BE49-F238E27FC236}">
-                  <a16:creationId xmlns:a16="http://schemas.microsoft.com/office/drawing/2014/main" id="{5E9B9A51-DD4B-4567-9024-7488825927E1}"/>
-                </a:ext>
-              </a:extLst>
-            </p:cNvPr>
-            <p:cNvSpPr/>
-            <p:nvPr/>
-          </p:nvSpPr>
-          <p:spPr>
-            <a:xfrm>
-              <a:off x="325550" y="2055000"/>
-              <a:ext cx="2386075" cy="1459975"/>
-            </a:xfrm>
-            <a:custGeom>
-              <a:avLst/>
-              <a:gdLst/>
-              <a:ahLst/>
-              <a:cxnLst/>
-              <a:rect l="l" t="t" r="r" b="b"/>
-              <a:pathLst>
-                <a:path w="95443" h="58399" extrusionOk="0">
-                  <a:moveTo>
-                    <a:pt x="94925" y="516"/>
-                  </a:moveTo>
-                  <a:lnTo>
-                    <a:pt x="94925" y="57881"/>
-                  </a:lnTo>
-                  <a:lnTo>
-                    <a:pt x="518" y="57881"/>
-                  </a:lnTo>
-                  <a:lnTo>
-                    <a:pt x="518" y="516"/>
-                  </a:lnTo>
-                  <a:close/>
-                  <a:moveTo>
-                    <a:pt x="260" y="0"/>
-                  </a:moveTo>
-                  <a:cubicBezTo>
-                    <a:pt x="118" y="0"/>
-                    <a:pt x="1" y="115"/>
-                    <a:pt x="1" y="259"/>
-                  </a:cubicBezTo>
-                  <a:lnTo>
-                    <a:pt x="1" y="58140"/>
-                  </a:lnTo>
-                  <a:cubicBezTo>
-                    <a:pt x="1" y="58282"/>
-                    <a:pt x="118" y="58399"/>
-                    <a:pt x="260" y="58399"/>
-                  </a:cubicBezTo>
-                  <a:lnTo>
-                    <a:pt x="95184" y="58399"/>
-                  </a:lnTo>
-                  <a:cubicBezTo>
-                    <a:pt x="95326" y="58399"/>
-                    <a:pt x="95441" y="58282"/>
-                    <a:pt x="95441" y="58140"/>
-                  </a:cubicBezTo>
-                  <a:lnTo>
-                    <a:pt x="95441" y="259"/>
-                  </a:lnTo>
-                  <a:cubicBezTo>
-                    <a:pt x="95442" y="115"/>
-                    <a:pt x="95326" y="0"/>
-                    <a:pt x="95184" y="0"/>
-                  </a:cubicBezTo>
-                  <a:close/>
-                </a:path>
-              </a:pathLst>
-            </a:custGeom>
-            <a:solidFill>
-              <a:schemeClr val="accent1"/>
-            </a:solidFill>
-            <a:ln>
-              <a:noFill/>
-            </a:ln>
-          </p:spPr>
-          <p:txBody>
-            <a:bodyPr spcFirstLastPara="1" wrap="square" lIns="91425" tIns="91425" rIns="91425" bIns="91425" anchor="ctr" anchorCtr="0">
-              <a:noAutofit/>
-            </a:bodyPr>
-            <a:lstStyle/>
-            <a:p>
-              <a:pPr marL="0" lvl="0" indent="0" algn="l" rtl="0">
-                <a:spcBef>
-                  <a:spcPts val="0"/>
-                </a:spcBef>
-                <a:spcAft>
-                  <a:spcPts val="0"/>
-                </a:spcAft>
-                <a:buNone/>
-              </a:pPr>
-              <a:endParaRPr/>
-            </a:p>
-          </p:txBody>
-        </p:sp>
-        <p:sp>
-          <p:nvSpPr>
-            <p:cNvPr id="8" name="Google Shape;1018;p59">
-              <a:extLst>
-                <a:ext uri="{FF2B5EF4-FFF2-40B4-BE49-F238E27FC236}">
-                  <a16:creationId xmlns:a16="http://schemas.microsoft.com/office/drawing/2014/main" id="{A25E48F1-5B7F-45C6-A28A-1AF06C424227}"/>
-                </a:ext>
-              </a:extLst>
-            </p:cNvPr>
-            <p:cNvSpPr/>
-            <p:nvPr/>
-          </p:nvSpPr>
-          <p:spPr>
-            <a:xfrm>
-              <a:off x="1075325" y="3589700"/>
-              <a:ext cx="884075" cy="335800"/>
-            </a:xfrm>
-            <a:custGeom>
-              <a:avLst/>
-              <a:gdLst/>
-              <a:ahLst/>
-              <a:cxnLst/>
-              <a:rect l="l" t="t" r="r" b="b"/>
-              <a:pathLst>
-                <a:path w="35363" h="13432" extrusionOk="0">
-                  <a:moveTo>
-                    <a:pt x="28176" y="0"/>
-                  </a:moveTo>
-                  <a:cubicBezTo>
-                    <a:pt x="28078" y="0"/>
-                    <a:pt x="27996" y="34"/>
-                    <a:pt x="27932" y="102"/>
-                  </a:cubicBezTo>
-                  <a:cubicBezTo>
-                    <a:pt x="27790" y="253"/>
-                    <a:pt x="27790" y="509"/>
-                    <a:pt x="27932" y="1118"/>
-                  </a:cubicBezTo>
-                  <a:cubicBezTo>
-                    <a:pt x="27985" y="1344"/>
-                    <a:pt x="28047" y="1651"/>
-                    <a:pt x="28119" y="2009"/>
-                  </a:cubicBezTo>
-                  <a:cubicBezTo>
-                    <a:pt x="28420" y="3516"/>
-                    <a:pt x="28876" y="5791"/>
-                    <a:pt x="29651" y="7179"/>
-                  </a:cubicBezTo>
-                  <a:cubicBezTo>
-                    <a:pt x="30394" y="8514"/>
-                    <a:pt x="31835" y="9775"/>
-                    <a:pt x="32886" y="10698"/>
-                  </a:cubicBezTo>
-                  <a:cubicBezTo>
-                    <a:pt x="33194" y="10968"/>
-                    <a:pt x="33463" y="11203"/>
-                    <a:pt x="33660" y="11396"/>
-                  </a:cubicBezTo>
-                  <a:cubicBezTo>
-                    <a:pt x="34197" y="11917"/>
-                    <a:pt x="34530" y="12027"/>
-                    <a:pt x="34711" y="12085"/>
-                  </a:cubicBezTo>
-                  <a:cubicBezTo>
-                    <a:pt x="34724" y="12089"/>
-                    <a:pt x="34738" y="12094"/>
-                    <a:pt x="34750" y="12098"/>
-                  </a:cubicBezTo>
-                  <a:cubicBezTo>
-                    <a:pt x="34781" y="12255"/>
-                    <a:pt x="34798" y="12433"/>
-                    <a:pt x="34708" y="12569"/>
-                  </a:cubicBezTo>
-                  <a:cubicBezTo>
-                    <a:pt x="34621" y="12698"/>
-                    <a:pt x="34443" y="12789"/>
-                    <a:pt x="34176" y="12841"/>
-                  </a:cubicBezTo>
-                  <a:cubicBezTo>
-                    <a:pt x="33894" y="12897"/>
-                    <a:pt x="33576" y="12915"/>
-                    <a:pt x="33188" y="12915"/>
-                  </a:cubicBezTo>
-                  <a:cubicBezTo>
-                    <a:pt x="32866" y="12915"/>
-                    <a:pt x="32496" y="12902"/>
-                    <a:pt x="32057" y="12888"/>
-                  </a:cubicBezTo>
-                  <a:cubicBezTo>
-                    <a:pt x="31412" y="12865"/>
-                    <a:pt x="30607" y="12837"/>
-                    <a:pt x="29586" y="12837"/>
-                  </a:cubicBezTo>
-                  <a:lnTo>
-                    <a:pt x="8800" y="12837"/>
-                  </a:lnTo>
-                  <a:cubicBezTo>
-                    <a:pt x="7800" y="12837"/>
-                    <a:pt x="6833" y="12841"/>
-                    <a:pt x="5939" y="12847"/>
-                  </a:cubicBezTo>
-                  <a:cubicBezTo>
-                    <a:pt x="5199" y="12851"/>
-                    <a:pt x="4507" y="12855"/>
-                    <a:pt x="3887" y="12855"/>
-                  </a:cubicBezTo>
-                  <a:cubicBezTo>
-                    <a:pt x="3179" y="12855"/>
-                    <a:pt x="2567" y="12850"/>
-                    <a:pt x="2090" y="12837"/>
-                  </a:cubicBezTo>
-                  <a:lnTo>
-                    <a:pt x="1783" y="12828"/>
-                  </a:lnTo>
-                  <a:cubicBezTo>
-                    <a:pt x="706" y="12798"/>
-                    <a:pt x="700" y="12793"/>
-                    <a:pt x="570" y="12668"/>
-                  </a:cubicBezTo>
-                  <a:cubicBezTo>
-                    <a:pt x="526" y="12627"/>
-                    <a:pt x="520" y="12598"/>
-                    <a:pt x="520" y="12571"/>
-                  </a:cubicBezTo>
-                  <a:cubicBezTo>
-                    <a:pt x="520" y="12511"/>
-                    <a:pt x="556" y="12333"/>
-                    <a:pt x="912" y="11971"/>
-                  </a:cubicBezTo>
-                  <a:cubicBezTo>
-                    <a:pt x="1108" y="11772"/>
-                    <a:pt x="1452" y="11550"/>
-                    <a:pt x="1848" y="11293"/>
-                  </a:cubicBezTo>
-                  <a:cubicBezTo>
-                    <a:pt x="2410" y="10928"/>
-                    <a:pt x="3111" y="10473"/>
-                    <a:pt x="3670" y="9890"/>
-                  </a:cubicBezTo>
-                  <a:lnTo>
-                    <a:pt x="4006" y="9544"/>
-                  </a:lnTo>
-                  <a:cubicBezTo>
-                    <a:pt x="4870" y="8657"/>
-                    <a:pt x="5947" y="7555"/>
-                    <a:pt x="6528" y="6084"/>
-                  </a:cubicBezTo>
-                  <a:cubicBezTo>
-                    <a:pt x="7009" y="4866"/>
-                    <a:pt x="7250" y="2705"/>
-                    <a:pt x="7410" y="1274"/>
-                  </a:cubicBezTo>
-                  <a:cubicBezTo>
-                    <a:pt x="7465" y="775"/>
-                    <a:pt x="7515" y="343"/>
-                    <a:pt x="7558" y="87"/>
-                  </a:cubicBezTo>
-                  <a:lnTo>
-                    <a:pt x="7048" y="0"/>
-                  </a:lnTo>
-                  <a:cubicBezTo>
-                    <a:pt x="7002" y="269"/>
-                    <a:pt x="6956" y="688"/>
-                    <a:pt x="6896" y="1217"/>
-                  </a:cubicBezTo>
-                  <a:cubicBezTo>
-                    <a:pt x="6739" y="2621"/>
-                    <a:pt x="6503" y="4741"/>
-                    <a:pt x="6047" y="5895"/>
-                  </a:cubicBezTo>
-                  <a:cubicBezTo>
-                    <a:pt x="5506" y="7268"/>
-                    <a:pt x="4512" y="8286"/>
-                    <a:pt x="3637" y="9183"/>
-                  </a:cubicBezTo>
-                  <a:lnTo>
-                    <a:pt x="3298" y="9533"/>
-                  </a:lnTo>
-                  <a:cubicBezTo>
-                    <a:pt x="2779" y="10073"/>
-                    <a:pt x="2136" y="10490"/>
-                    <a:pt x="1568" y="10859"/>
-                  </a:cubicBezTo>
-                  <a:cubicBezTo>
-                    <a:pt x="1145" y="11133"/>
-                    <a:pt x="780" y="11369"/>
-                    <a:pt x="546" y="11608"/>
-                  </a:cubicBezTo>
-                  <a:cubicBezTo>
-                    <a:pt x="172" y="11988"/>
-                    <a:pt x="0" y="12296"/>
-                    <a:pt x="5" y="12578"/>
-                  </a:cubicBezTo>
-                  <a:cubicBezTo>
-                    <a:pt x="6" y="12752"/>
-                    <a:pt x="78" y="12911"/>
-                    <a:pt x="211" y="13040"/>
-                  </a:cubicBezTo>
-                  <a:cubicBezTo>
-                    <a:pt x="492" y="13309"/>
-                    <a:pt x="611" y="13312"/>
-                    <a:pt x="1770" y="13345"/>
-                  </a:cubicBezTo>
-                  <a:lnTo>
-                    <a:pt x="2075" y="13354"/>
-                  </a:lnTo>
-                  <a:cubicBezTo>
-                    <a:pt x="2547" y="13367"/>
-                    <a:pt x="3149" y="13372"/>
-                    <a:pt x="3843" y="13372"/>
-                  </a:cubicBezTo>
-                  <a:cubicBezTo>
-                    <a:pt x="4476" y="13372"/>
-                    <a:pt x="5185" y="13368"/>
-                    <a:pt x="5944" y="13364"/>
-                  </a:cubicBezTo>
-                  <a:cubicBezTo>
-                    <a:pt x="6836" y="13358"/>
-                    <a:pt x="7802" y="13354"/>
-                    <a:pt x="8802" y="13354"/>
-                  </a:cubicBezTo>
-                  <a:lnTo>
-                    <a:pt x="29586" y="13354"/>
-                  </a:lnTo>
-                  <a:cubicBezTo>
-                    <a:pt x="30598" y="13354"/>
-                    <a:pt x="31397" y="13381"/>
-                    <a:pt x="32040" y="13403"/>
-                  </a:cubicBezTo>
-                  <a:cubicBezTo>
-                    <a:pt x="32484" y="13420"/>
-                    <a:pt x="32860" y="13432"/>
-                    <a:pt x="33192" y="13432"/>
-                  </a:cubicBezTo>
-                  <a:cubicBezTo>
-                    <a:pt x="33609" y="13432"/>
-                    <a:pt x="33956" y="13412"/>
-                    <a:pt x="34274" y="13348"/>
-                  </a:cubicBezTo>
-                  <a:cubicBezTo>
-                    <a:pt x="34682" y="13269"/>
-                    <a:pt x="34972" y="13103"/>
-                    <a:pt x="35137" y="12856"/>
-                  </a:cubicBezTo>
-                  <a:cubicBezTo>
-                    <a:pt x="35363" y="12517"/>
-                    <a:pt x="35282" y="12127"/>
-                    <a:pt x="35252" y="11980"/>
-                  </a:cubicBezTo>
-                  <a:cubicBezTo>
-                    <a:pt x="35195" y="11701"/>
-                    <a:pt x="35007" y="11639"/>
-                    <a:pt x="34871" y="11593"/>
-                  </a:cubicBezTo>
-                  <a:cubicBezTo>
-                    <a:pt x="34721" y="11545"/>
-                    <a:pt x="34470" y="11463"/>
-                    <a:pt x="34019" y="11025"/>
-                  </a:cubicBezTo>
-                  <a:cubicBezTo>
-                    <a:pt x="33815" y="10828"/>
-                    <a:pt x="33540" y="10585"/>
-                    <a:pt x="33225" y="10309"/>
-                  </a:cubicBezTo>
-                  <a:cubicBezTo>
-                    <a:pt x="32202" y="9412"/>
-                    <a:pt x="30800" y="8183"/>
-                    <a:pt x="30101" y="6928"/>
-                  </a:cubicBezTo>
-                  <a:cubicBezTo>
-                    <a:pt x="29367" y="5611"/>
-                    <a:pt x="28902" y="3294"/>
-                    <a:pt x="28625" y="1909"/>
-                  </a:cubicBezTo>
-                  <a:cubicBezTo>
-                    <a:pt x="28552" y="1542"/>
-                    <a:pt x="28489" y="1231"/>
-                    <a:pt x="28435" y="1000"/>
-                  </a:cubicBezTo>
-                  <a:cubicBezTo>
-                    <a:pt x="28376" y="749"/>
-                    <a:pt x="28353" y="598"/>
-                    <a:pt x="28346" y="510"/>
-                  </a:cubicBezTo>
-                  <a:cubicBezTo>
-                    <a:pt x="28373" y="500"/>
-                    <a:pt x="28400" y="486"/>
-                    <a:pt x="28422" y="468"/>
-                  </a:cubicBezTo>
-                  <a:lnTo>
-                    <a:pt x="28537" y="268"/>
-                  </a:lnTo>
-                  <a:lnTo>
-                    <a:pt x="28247" y="234"/>
-                  </a:lnTo>
-                  <a:lnTo>
-                    <a:pt x="28111" y="56"/>
-                  </a:lnTo>
-                  <a:cubicBezTo>
-                    <a:pt x="28153" y="24"/>
-                    <a:pt x="28202" y="8"/>
-                    <a:pt x="28254" y="8"/>
-                  </a:cubicBezTo>
-                  <a:cubicBezTo>
-                    <a:pt x="28256" y="8"/>
-                    <a:pt x="28258" y="8"/>
-                    <a:pt x="28261" y="8"/>
-                  </a:cubicBezTo>
-                  <a:cubicBezTo>
-                    <a:pt x="28231" y="3"/>
-                    <a:pt x="28203" y="0"/>
-                    <a:pt x="28176" y="0"/>
-                  </a:cubicBezTo>
-                  <a:close/>
-                </a:path>
-              </a:pathLst>
-            </a:custGeom>
-            <a:solidFill>
-              <a:schemeClr val="accent1"/>
-            </a:solidFill>
-            <a:ln>
-              <a:noFill/>
-            </a:ln>
-          </p:spPr>
-          <p:txBody>
-            <a:bodyPr spcFirstLastPara="1" wrap="square" lIns="91425" tIns="91425" rIns="91425" bIns="91425" anchor="ctr" anchorCtr="0">
-              <a:noAutofit/>
-            </a:bodyPr>
-            <a:lstStyle/>
-            <a:p>
-              <a:pPr marL="0" lvl="0" indent="0" algn="l" rtl="0">
-                <a:spcBef>
-                  <a:spcPts val="0"/>
-                </a:spcBef>
-                <a:spcAft>
-                  <a:spcPts val="0"/>
-                </a:spcAft>
-                <a:buNone/>
-              </a:pPr>
-              <a:endParaRPr/>
-            </a:p>
-          </p:txBody>
-        </p:sp>
-        <p:sp>
-          <p:nvSpPr>
-            <p:cNvPr id="9" name="Google Shape;1019;p59">
-              <a:extLst>
-                <a:ext uri="{FF2B5EF4-FFF2-40B4-BE49-F238E27FC236}">
-                  <a16:creationId xmlns:a16="http://schemas.microsoft.com/office/drawing/2014/main" id="{2BF5DAA0-C46E-40D0-BCA4-D3E3FF1B6BCF}"/>
-                </a:ext>
-              </a:extLst>
-            </p:cNvPr>
-            <p:cNvSpPr/>
-            <p:nvPr/>
-          </p:nvSpPr>
-          <p:spPr>
-            <a:xfrm>
-              <a:off x="238125" y="1973675"/>
-              <a:ext cx="2558775" cy="1623600"/>
-            </a:xfrm>
-            <a:custGeom>
-              <a:avLst/>
-              <a:gdLst/>
-              <a:ahLst/>
-              <a:cxnLst/>
-              <a:rect l="l" t="t" r="r" b="b"/>
-              <a:pathLst>
-                <a:path w="102351" h="64944" extrusionOk="0">
-                  <a:moveTo>
-                    <a:pt x="99608" y="516"/>
-                  </a:moveTo>
-                  <a:cubicBezTo>
-                    <a:pt x="100838" y="516"/>
-                    <a:pt x="101835" y="1513"/>
-                    <a:pt x="101835" y="2744"/>
-                  </a:cubicBezTo>
-                  <a:lnTo>
-                    <a:pt x="101835" y="62200"/>
-                  </a:lnTo>
-                  <a:cubicBezTo>
-                    <a:pt x="101833" y="63429"/>
-                    <a:pt x="100836" y="64425"/>
-                    <a:pt x="99608" y="64426"/>
-                  </a:cubicBezTo>
-                  <a:lnTo>
-                    <a:pt x="2743" y="64426"/>
-                  </a:lnTo>
-                  <a:cubicBezTo>
-                    <a:pt x="1514" y="64425"/>
-                    <a:pt x="519" y="63429"/>
-                    <a:pt x="517" y="62200"/>
-                  </a:cubicBezTo>
-                  <a:lnTo>
-                    <a:pt x="517" y="2744"/>
-                  </a:lnTo>
-                  <a:cubicBezTo>
-                    <a:pt x="519" y="1515"/>
-                    <a:pt x="1514" y="518"/>
-                    <a:pt x="2743" y="516"/>
-                  </a:cubicBezTo>
-                  <a:close/>
-                  <a:moveTo>
-                    <a:pt x="2743" y="1"/>
-                  </a:moveTo>
-                  <a:cubicBezTo>
-                    <a:pt x="1230" y="1"/>
-                    <a:pt x="0" y="1229"/>
-                    <a:pt x="0" y="2744"/>
-                  </a:cubicBezTo>
-                  <a:lnTo>
-                    <a:pt x="0" y="62200"/>
-                  </a:lnTo>
-                  <a:cubicBezTo>
-                    <a:pt x="0" y="63713"/>
-                    <a:pt x="1230" y="64943"/>
-                    <a:pt x="2743" y="64943"/>
-                  </a:cubicBezTo>
-                  <a:lnTo>
-                    <a:pt x="99608" y="64943"/>
-                  </a:lnTo>
-                  <a:cubicBezTo>
-                    <a:pt x="101120" y="64943"/>
-                    <a:pt x="102351" y="63713"/>
-                    <a:pt x="102351" y="62200"/>
-                  </a:cubicBezTo>
-                  <a:lnTo>
-                    <a:pt x="102351" y="2744"/>
-                  </a:lnTo>
-                  <a:cubicBezTo>
-                    <a:pt x="102351" y="1228"/>
-                    <a:pt x="101123" y="1"/>
-                    <a:pt x="99608" y="1"/>
-                  </a:cubicBezTo>
-                  <a:close/>
-                </a:path>
-              </a:pathLst>
-            </a:custGeom>
-            <a:solidFill>
-              <a:schemeClr val="accent1"/>
-            </a:solidFill>
-            <a:ln>
-              <a:noFill/>
-            </a:ln>
-          </p:spPr>
-          <p:txBody>
-            <a:bodyPr spcFirstLastPara="1" wrap="square" lIns="91425" tIns="91425" rIns="91425" bIns="91425" anchor="ctr" anchorCtr="0">
-              <a:noAutofit/>
-            </a:bodyPr>
-            <a:lstStyle/>
-            <a:p>
-              <a:pPr marL="0" lvl="0" indent="0" algn="l" rtl="0">
-                <a:spcBef>
-                  <a:spcPts val="0"/>
-                </a:spcBef>
-                <a:spcAft>
-                  <a:spcPts val="0"/>
-                </a:spcAft>
-                <a:buNone/>
-              </a:pPr>
-              <a:endParaRPr/>
-            </a:p>
-          </p:txBody>
-        </p:sp>
-        <p:sp>
-          <p:nvSpPr>
-            <p:cNvPr id="10" name="Google Shape;1020;p59">
-              <a:extLst>
-                <a:ext uri="{FF2B5EF4-FFF2-40B4-BE49-F238E27FC236}">
-                  <a16:creationId xmlns:a16="http://schemas.microsoft.com/office/drawing/2014/main" id="{592A3EE7-00CE-4C18-8C0F-07A0AD3D9970}"/>
-                </a:ext>
-              </a:extLst>
-            </p:cNvPr>
-            <p:cNvSpPr/>
-            <p:nvPr/>
-          </p:nvSpPr>
-          <p:spPr>
-            <a:xfrm>
-              <a:off x="255425" y="1991200"/>
-              <a:ext cx="2524175" cy="1588500"/>
-            </a:xfrm>
-            <a:custGeom>
-              <a:avLst/>
-              <a:gdLst/>
-              <a:ahLst/>
-              <a:cxnLst/>
-              <a:rect l="l" t="t" r="r" b="b"/>
-              <a:pathLst>
-                <a:path w="100967" h="63540" extrusionOk="0">
-                  <a:moveTo>
-                    <a:pt x="98640" y="518"/>
-                  </a:moveTo>
-                  <a:cubicBezTo>
-                    <a:pt x="99639" y="518"/>
-                    <a:pt x="100449" y="1328"/>
-                    <a:pt x="100449" y="2328"/>
-                  </a:cubicBezTo>
-                  <a:lnTo>
-                    <a:pt x="100449" y="61214"/>
-                  </a:lnTo>
-                  <a:cubicBezTo>
-                    <a:pt x="100448" y="62212"/>
-                    <a:pt x="99639" y="63022"/>
-                    <a:pt x="98640" y="63024"/>
-                  </a:cubicBezTo>
-                  <a:lnTo>
-                    <a:pt x="2328" y="63024"/>
-                  </a:lnTo>
-                  <a:cubicBezTo>
-                    <a:pt x="1328" y="63022"/>
-                    <a:pt x="519" y="62212"/>
-                    <a:pt x="517" y="61214"/>
-                  </a:cubicBezTo>
-                  <a:lnTo>
-                    <a:pt x="517" y="2328"/>
-                  </a:lnTo>
-                  <a:cubicBezTo>
-                    <a:pt x="519" y="1328"/>
-                    <a:pt x="1328" y="519"/>
-                    <a:pt x="2328" y="518"/>
-                  </a:cubicBezTo>
-                  <a:close/>
-                  <a:moveTo>
-                    <a:pt x="2328" y="1"/>
-                  </a:moveTo>
-                  <a:cubicBezTo>
-                    <a:pt x="1042" y="2"/>
-                    <a:pt x="2" y="1043"/>
-                    <a:pt x="0" y="2328"/>
-                  </a:cubicBezTo>
-                  <a:lnTo>
-                    <a:pt x="0" y="61214"/>
-                  </a:lnTo>
-                  <a:cubicBezTo>
-                    <a:pt x="2" y="62498"/>
-                    <a:pt x="1042" y="63538"/>
-                    <a:pt x="2328" y="63540"/>
-                  </a:cubicBezTo>
-                  <a:lnTo>
-                    <a:pt x="98640" y="63540"/>
-                  </a:lnTo>
-                  <a:cubicBezTo>
-                    <a:pt x="99925" y="63538"/>
-                    <a:pt x="100965" y="62498"/>
-                    <a:pt x="100967" y="61214"/>
-                  </a:cubicBezTo>
-                  <a:lnTo>
-                    <a:pt x="100967" y="2328"/>
-                  </a:lnTo>
-                  <a:cubicBezTo>
-                    <a:pt x="100967" y="1043"/>
-                    <a:pt x="99925" y="1"/>
-                    <a:pt x="98640" y="1"/>
-                  </a:cubicBezTo>
-                  <a:close/>
-                </a:path>
-              </a:pathLst>
-            </a:custGeom>
-            <a:solidFill>
-              <a:schemeClr val="accent1"/>
-            </a:solidFill>
-            <a:ln>
-              <a:noFill/>
-            </a:ln>
-          </p:spPr>
-          <p:txBody>
-            <a:bodyPr spcFirstLastPara="1" wrap="square" lIns="91425" tIns="91425" rIns="91425" bIns="91425" anchor="ctr" anchorCtr="0">
-              <a:noAutofit/>
-            </a:bodyPr>
-            <a:lstStyle/>
-            <a:p>
-              <a:pPr marL="0" lvl="0" indent="0" algn="l" rtl="0">
-                <a:spcBef>
-                  <a:spcPts val="0"/>
-                </a:spcBef>
-                <a:spcAft>
-                  <a:spcPts val="0"/>
-                </a:spcAft>
-                <a:buNone/>
-              </a:pPr>
-              <a:endParaRPr/>
-            </a:p>
-          </p:txBody>
-        </p:sp>
-        <p:sp>
-          <p:nvSpPr>
-            <p:cNvPr id="11" name="Google Shape;1021;p59">
-              <a:extLst>
-                <a:ext uri="{FF2B5EF4-FFF2-40B4-BE49-F238E27FC236}">
-                  <a16:creationId xmlns:a16="http://schemas.microsoft.com/office/drawing/2014/main" id="{EA987B7D-C4C5-4C6F-B686-4A8EB5AEB147}"/>
-                </a:ext>
-              </a:extLst>
-            </p:cNvPr>
-            <p:cNvSpPr/>
-            <p:nvPr/>
-          </p:nvSpPr>
-          <p:spPr>
-            <a:xfrm>
-              <a:off x="1091150" y="3888075"/>
-              <a:ext cx="856825" cy="25"/>
-            </a:xfrm>
-            <a:custGeom>
-              <a:avLst/>
-              <a:gdLst/>
-              <a:ahLst/>
-              <a:cxnLst/>
-              <a:rect l="l" t="t" r="r" b="b"/>
-              <a:pathLst>
-                <a:path w="34273" h="1" extrusionOk="0">
-                  <a:moveTo>
-                    <a:pt x="1" y="0"/>
-                  </a:moveTo>
-                  <a:lnTo>
-                    <a:pt x="34272" y="0"/>
-                  </a:lnTo>
-                </a:path>
-              </a:pathLst>
-            </a:custGeom>
-            <a:solidFill>
-              <a:schemeClr val="accent1"/>
-            </a:solidFill>
-            <a:ln>
-              <a:noFill/>
-            </a:ln>
-          </p:spPr>
-          <p:txBody>
-            <a:bodyPr spcFirstLastPara="1" wrap="square" lIns="91425" tIns="91425" rIns="91425" bIns="91425" anchor="ctr" anchorCtr="0">
-              <a:noAutofit/>
-            </a:bodyPr>
-            <a:lstStyle/>
-            <a:p>
-              <a:pPr marL="0" lvl="0" indent="0" algn="l" rtl="0">
-                <a:spcBef>
-                  <a:spcPts val="0"/>
-                </a:spcBef>
-                <a:spcAft>
-                  <a:spcPts val="0"/>
-                </a:spcAft>
-                <a:buNone/>
-              </a:pPr>
-              <a:endParaRPr/>
-            </a:p>
-          </p:txBody>
-        </p:sp>
-        <p:sp>
-          <p:nvSpPr>
-            <p:cNvPr id="12" name="Google Shape;1022;p59">
-              <a:extLst>
-                <a:ext uri="{FF2B5EF4-FFF2-40B4-BE49-F238E27FC236}">
-                  <a16:creationId xmlns:a16="http://schemas.microsoft.com/office/drawing/2014/main" id="{7635353D-9A55-46B5-9CE1-CF7CF57F19EE}"/>
-                </a:ext>
-              </a:extLst>
-            </p:cNvPr>
-            <p:cNvSpPr/>
-            <p:nvPr/>
-          </p:nvSpPr>
-          <p:spPr>
-            <a:xfrm>
-              <a:off x="1091125" y="3881600"/>
-              <a:ext cx="856850" cy="12925"/>
-            </a:xfrm>
-            <a:custGeom>
-              <a:avLst/>
-              <a:gdLst/>
-              <a:ahLst/>
-              <a:cxnLst/>
-              <a:rect l="l" t="t" r="r" b="b"/>
-              <a:pathLst>
-                <a:path w="34274" h="517" extrusionOk="0">
-                  <a:moveTo>
-                    <a:pt x="0" y="1"/>
-                  </a:moveTo>
-                  <a:lnTo>
-                    <a:pt x="0" y="516"/>
-                  </a:lnTo>
-                  <a:lnTo>
-                    <a:pt x="34273" y="516"/>
-                  </a:lnTo>
-                  <a:lnTo>
-                    <a:pt x="34273" y="1"/>
-                  </a:lnTo>
-                  <a:close/>
-                </a:path>
-              </a:pathLst>
-            </a:custGeom>
-            <a:solidFill>
-              <a:schemeClr val="accent1"/>
-            </a:solidFill>
-            <a:ln>
-              <a:noFill/>
-            </a:ln>
-          </p:spPr>
-          <p:txBody>
-            <a:bodyPr spcFirstLastPara="1" wrap="square" lIns="91425" tIns="91425" rIns="91425" bIns="91425" anchor="ctr" anchorCtr="0">
-              <a:noAutofit/>
-            </a:bodyPr>
-            <a:lstStyle/>
-            <a:p>
-              <a:pPr marL="0" lvl="0" indent="0" algn="l" rtl="0">
-                <a:spcBef>
-                  <a:spcPts val="0"/>
-                </a:spcBef>
-                <a:spcAft>
-                  <a:spcPts val="0"/>
-                </a:spcAft>
-                <a:buNone/>
-              </a:pPr>
-              <a:endParaRPr/>
-            </a:p>
-          </p:txBody>
-        </p:sp>
-      </p:grpSp>
-      <p:pic>
-        <p:nvPicPr>
-          <p:cNvPr id="3" name="Imagem 2">
-            <a:extLst>
-              <a:ext uri="{FF2B5EF4-FFF2-40B4-BE49-F238E27FC236}">
-                <a16:creationId xmlns:a16="http://schemas.microsoft.com/office/drawing/2014/main" id="{A6DBD1E7-6EB9-424B-8136-38CED5B899EE}"/>
-              </a:ext>
-            </a:extLst>
-          </p:cNvPr>
-          <p:cNvPicPr>
-            <a:picLocks noChangeAspect="1"/>
-          </p:cNvPicPr>
-          <p:nvPr/>
-        </p:nvPicPr>
-        <p:blipFill>
-          <a:blip r:embed="rId3"/>
-          <a:stretch>
-            <a:fillRect/>
-          </a:stretch>
-        </p:blipFill>
-        <p:spPr>
-          <a:xfrm>
-            <a:off x="1750112" y="1109166"/>
-            <a:ext cx="5735869" cy="2921943"/>
-          </a:xfrm>
-          <a:prstGeom prst="rect">
-            <a:avLst/>
-          </a:prstGeom>
-        </p:spPr>
-      </p:pic>
-    </p:spTree>
-    <p:extLst>
-      <p:ext uri="{BB962C8B-B14F-4D97-AF65-F5344CB8AC3E}">
-        <p14:creationId xmlns:p14="http://schemas.microsoft.com/office/powerpoint/2010/main" val="1477715276"/>
-      </p:ext>
-    </p:extLst>
-  </p:cSld>
-  <p:clrMapOvr>
-    <a:masterClrMapping/>
-  </p:clrMapOvr>
-</p:sld>
-</file>
-
-<file path=ppt/slides/slide13.xml><?xml version="1.0" encoding="utf-8"?>
-<p:sld xmlns:a="http://schemas.openxmlformats.org/drawingml/2006/main" xmlns:r="http://schemas.openxmlformats.org/officeDocument/2006/relationships" xmlns:p="http://schemas.openxmlformats.org/presentationml/2006/main">
-  <p:cSld>
     <p:spTree>
       <p:nvGrpSpPr>
         <p:cNvPr id="1" name="Shape 207"/>
@@ -10702,32 +8137,49 @@
       </p:grpSp>
       <p:pic>
         <p:nvPicPr>
-          <p:cNvPr id="3" name="Imagem 2">
+          <p:cNvPr id="2050" name="Picture 2" descr="O que é o Google Analytics e Porque é importante para o meu negócio |  Websites Angola">
             <a:extLst>
               <a:ext uri="{FF2B5EF4-FFF2-40B4-BE49-F238E27FC236}">
-                <a16:creationId xmlns:a16="http://schemas.microsoft.com/office/drawing/2014/main" id="{5BD17B76-7E1A-43E8-AFF2-06754054A26E}"/>
+                <a16:creationId xmlns:a16="http://schemas.microsoft.com/office/drawing/2014/main" id="{F6609771-6A63-4428-83EA-85FFEFB55DCA}"/>
               </a:ext>
             </a:extLst>
           </p:cNvPr>
           <p:cNvPicPr>
-            <a:picLocks noChangeAspect="1"/>
+            <a:picLocks noChangeAspect="1" noChangeArrowheads="1"/>
           </p:cNvPicPr>
           <p:nvPr/>
         </p:nvPicPr>
         <p:blipFill>
-          <a:blip r:embed="rId3"/>
+          <a:blip r:embed="rId3">
+            <a:extLst>
+              <a:ext uri="{28A0092B-C50C-407E-A947-70E740481C1C}">
+                <a14:useLocalDpi xmlns:a14="http://schemas.microsoft.com/office/drawing/2010/main" val="0"/>
+              </a:ext>
+            </a:extLst>
+          </a:blip>
+          <a:srcRect/>
           <a:stretch>
             <a:fillRect/>
           </a:stretch>
         </p:blipFill>
-        <p:spPr>
+        <p:spPr bwMode="auto">
           <a:xfrm>
-            <a:off x="1750112" y="1099202"/>
-            <a:ext cx="5743079" cy="2972330"/>
+            <a:off x="1839191" y="1194955"/>
+            <a:ext cx="5554696" cy="2836154"/>
           </a:xfrm>
           <a:prstGeom prst="rect">
             <a:avLst/>
           </a:prstGeom>
+          <a:noFill/>
+          <a:extLst>
+            <a:ext uri="{909E8E84-426E-40DD-AFC4-6F175D3DCCD1}">
+              <a14:hiddenFill xmlns:a14="http://schemas.microsoft.com/office/drawing/2010/main">
+                <a:solidFill>
+                  <a:srgbClr val="FFFFFF"/>
+                </a:solidFill>
+              </a14:hiddenFill>
+            </a:ext>
+          </a:extLst>
         </p:spPr>
       </p:pic>
     </p:spTree>
@@ -10743,7 +8195,7 @@
 </p:sld>
 </file>
 
-<file path=ppt/slides/slide14.xml><?xml version="1.0" encoding="utf-8"?>
+<file path=ppt/slides/slide11.xml><?xml version="1.0" encoding="utf-8"?>
 <p:sld xmlns:a="http://schemas.openxmlformats.org/drawingml/2006/main" xmlns:r="http://schemas.openxmlformats.org/officeDocument/2006/relationships" xmlns:p="http://schemas.openxmlformats.org/presentationml/2006/main">
   <p:cSld>
     <p:bg>
@@ -15857,7 +13309,47 @@
           <a:lstStyle/>
           <a:p>
             <a:pPr algn="ctr"/>
-            <a:endParaRPr lang="pt-BR" dirty="0"/>
+            <a:r>
+              <a:rPr lang="pt-BR" dirty="0">
+                <a:solidFill>
+                  <a:schemeClr val="tx1"/>
+                </a:solidFill>
+              </a:rPr>
+              <a:t>         </a:t>
+            </a:r>
+          </a:p>
+          <a:p>
+            <a:pPr algn="ctr"/>
+            <a:r>
+              <a:rPr lang="pt-BR" sz="2500" b="1" dirty="0">
+                <a:solidFill>
+                  <a:schemeClr val="tx1"/>
+                </a:solidFill>
+                <a:latin typeface="+mj-lt"/>
+              </a:rPr>
+              <a:t> </a:t>
+            </a:r>
+          </a:p>
+          <a:p>
+            <a:pPr algn="ctr"/>
+            <a:r>
+              <a:rPr lang="pt-BR" sz="2500" b="1" dirty="0">
+                <a:solidFill>
+                  <a:schemeClr val="tx1"/>
+                </a:solidFill>
+                <a:latin typeface="+mj-lt"/>
+              </a:rPr>
+              <a:t> </a:t>
+            </a:r>
+          </a:p>
+          <a:p>
+            <a:pPr algn="ctr"/>
+            <a:endParaRPr lang="pt-BR" sz="2500" b="1" dirty="0">
+              <a:solidFill>
+                <a:schemeClr val="tx1"/>
+              </a:solidFill>
+              <a:latin typeface="+mj-lt"/>
+            </a:endParaRPr>
           </a:p>
         </p:txBody>
       </p:sp>
@@ -18735,6 +16227,53 @@
           </p:txBody>
         </p:sp>
       </p:grpSp>
+      <p:pic>
+        <p:nvPicPr>
+          <p:cNvPr id="1028" name="Picture 4" descr="Notion Icon of Flat style - Available in SVG, PNG, EPS, AI &amp; Icon fonts">
+            <a:extLst>
+              <a:ext uri="{FF2B5EF4-FFF2-40B4-BE49-F238E27FC236}">
+                <a16:creationId xmlns:a16="http://schemas.microsoft.com/office/drawing/2014/main" id="{0CD97274-AB17-4D1F-846D-7DACE776CC3D}"/>
+              </a:ext>
+            </a:extLst>
+          </p:cNvPr>
+          <p:cNvPicPr>
+            <a:picLocks noChangeAspect="1" noChangeArrowheads="1"/>
+          </p:cNvPicPr>
+          <p:nvPr/>
+        </p:nvPicPr>
+        <p:blipFill>
+          <a:blip r:embed="rId3">
+            <a:extLst>
+              <a:ext uri="{28A0092B-C50C-407E-A947-70E740481C1C}">
+                <a14:useLocalDpi xmlns:a14="http://schemas.microsoft.com/office/drawing/2010/main" val="0"/>
+              </a:ext>
+            </a:extLst>
+          </a:blip>
+          <a:srcRect/>
+          <a:stretch>
+            <a:fillRect/>
+          </a:stretch>
+        </p:blipFill>
+        <p:spPr bwMode="auto">
+          <a:xfrm>
+            <a:off x="3311236" y="1340428"/>
+            <a:ext cx="2521527" cy="2732809"/>
+          </a:xfrm>
+          <a:prstGeom prst="rect">
+            <a:avLst/>
+          </a:prstGeom>
+          <a:noFill/>
+          <a:extLst>
+            <a:ext uri="{909E8E84-426E-40DD-AFC4-6F175D3DCCD1}">
+              <a14:hiddenFill xmlns:a14="http://schemas.microsoft.com/office/drawing/2010/main">
+                <a:solidFill>
+                  <a:srgbClr val="FFFFFF"/>
+                </a:solidFill>
+              </a14:hiddenFill>
+            </a:ext>
+          </a:extLst>
+        </p:spPr>
+      </p:pic>
     </p:spTree>
     <p:extLst>
       <p:ext uri="{BB962C8B-B14F-4D97-AF65-F5344CB8AC3E}">
@@ -18823,7 +16362,7 @@
           <a:lstStyle/>
           <a:p>
             <a:pPr algn="ctr"/>
-            <a:endParaRPr lang="pt-BR"/>
+            <a:endParaRPr lang="pt-BR" dirty="0"/>
           </a:p>
         </p:txBody>
       </p:sp>
@@ -18839,8 +16378,8 @@
         </p:nvSpPr>
         <p:spPr>
           <a:xfrm>
-            <a:off x="0" y="131563"/>
-            <a:ext cx="3843892" cy="602065"/>
+            <a:off x="506312" y="207043"/>
+            <a:ext cx="4065688" cy="602065"/>
           </a:xfrm>
           <a:prstGeom prst="rect">
             <a:avLst/>
@@ -18867,7 +16406,7 @@
                   <a:srgbClr val="316321"/>
                 </a:solidFill>
               </a:rPr>
-              <a:t>Site Institucional</a:t>
+              <a:t>Site Institucional &amp; Dashboard</a:t>
             </a:r>
             <a:endParaRPr sz="2800" dirty="0">
               <a:solidFill>
@@ -18891,7 +16430,7 @@
         </p:nvSpPr>
         <p:spPr>
           <a:xfrm flipH="1">
-            <a:off x="3662305" y="-4956"/>
+            <a:off x="4888432" y="-4956"/>
             <a:ext cx="45719" cy="738584"/>
           </a:xfrm>
           <a:prstGeom prst="rect">
@@ -19806,6 +17345,1194 @@
 <file path=ppt/slides/slide7.xml><?xml version="1.0" encoding="utf-8"?>
 <p:sld xmlns:a="http://schemas.openxmlformats.org/drawingml/2006/main" xmlns:r="http://schemas.openxmlformats.org/officeDocument/2006/relationships" xmlns:p="http://schemas.openxmlformats.org/presentationml/2006/main">
   <p:cSld>
+    <p:bg>
+      <p:bgPr>
+        <a:solidFill>
+          <a:srgbClr val="FFFFFF"/>
+        </a:solidFill>
+        <a:effectLst/>
+      </p:bgPr>
+    </p:bg>
+    <p:spTree>
+      <p:nvGrpSpPr>
+        <p:cNvPr id="1" name="Shape 207"/>
+        <p:cNvGrpSpPr/>
+        <p:nvPr/>
+      </p:nvGrpSpPr>
+      <p:grpSpPr>
+        <a:xfrm>
+          <a:off x="0" y="0"/>
+          <a:ext cx="0" cy="0"/>
+          <a:chOff x="0" y="0"/>
+          <a:chExt cx="0" cy="0"/>
+        </a:xfrm>
+      </p:grpSpPr>
+      <p:sp>
+        <p:nvSpPr>
+          <p:cNvPr id="7" name="Retângulo 6">
+            <a:extLst>
+              <a:ext uri="{FF2B5EF4-FFF2-40B4-BE49-F238E27FC236}">
+                <a16:creationId xmlns:a16="http://schemas.microsoft.com/office/drawing/2014/main" id="{D0786098-15A6-4175-AF04-66681EB27577}"/>
+              </a:ext>
+            </a:extLst>
+          </p:cNvPr>
+          <p:cNvSpPr/>
+          <p:nvPr/>
+        </p:nvSpPr>
+        <p:spPr>
+          <a:xfrm>
+            <a:off x="0" y="0"/>
+            <a:ext cx="9143999" cy="5143500"/>
+          </a:xfrm>
+          <a:prstGeom prst="rect">
+            <a:avLst/>
+          </a:prstGeom>
+          <a:solidFill>
+            <a:schemeClr val="bg1">
+              <a:lumMod val="95000"/>
+            </a:schemeClr>
+          </a:solidFill>
+          <a:ln>
+            <a:noFill/>
+          </a:ln>
+        </p:spPr>
+        <p:style>
+          <a:lnRef idx="2">
+            <a:schemeClr val="accent1">
+              <a:shade val="50000"/>
+            </a:schemeClr>
+          </a:lnRef>
+          <a:fillRef idx="1">
+            <a:schemeClr val="accent1"/>
+          </a:fillRef>
+          <a:effectRef idx="0">
+            <a:schemeClr val="accent1"/>
+          </a:effectRef>
+          <a:fontRef idx="minor">
+            <a:schemeClr val="lt1"/>
+          </a:fontRef>
+        </p:style>
+        <p:txBody>
+          <a:bodyPr rtlCol="0" anchor="ctr"/>
+          <a:lstStyle/>
+          <a:p>
+            <a:pPr algn="ctr"/>
+            <a:endParaRPr lang="pt-BR"/>
+          </a:p>
+        </p:txBody>
+      </p:sp>
+      <p:sp>
+        <p:nvSpPr>
+          <p:cNvPr id="209" name="Google Shape;209;p34"/>
+          <p:cNvSpPr txBox="1">
+            <a:spLocks noGrp="1"/>
+          </p:cNvSpPr>
+          <p:nvPr>
+            <p:ph type="ctrTitle"/>
+          </p:nvPr>
+        </p:nvSpPr>
+        <p:spPr>
+          <a:xfrm>
+            <a:off x="900845" y="2270717"/>
+            <a:ext cx="3099764" cy="602065"/>
+          </a:xfrm>
+          <a:prstGeom prst="rect">
+            <a:avLst/>
+          </a:prstGeom>
+        </p:spPr>
+        <p:txBody>
+          <a:bodyPr spcFirstLastPara="1" wrap="square" lIns="91425" tIns="91425" rIns="91425" bIns="91425" anchor="b" anchorCtr="0">
+            <a:noAutofit/>
+          </a:bodyPr>
+          <a:lstStyle/>
+          <a:p>
+            <a:pPr marL="0" lvl="0" indent="0" algn="ctr" rtl="0">
+              <a:spcBef>
+                <a:spcPts val="0"/>
+              </a:spcBef>
+              <a:spcAft>
+                <a:spcPts val="0"/>
+              </a:spcAft>
+              <a:buNone/>
+            </a:pPr>
+            <a:r>
+              <a:rPr lang="pt-BR" sz="3600" dirty="0">
+                <a:solidFill>
+                  <a:srgbClr val="316321"/>
+                </a:solidFill>
+              </a:rPr>
+              <a:t>Banco de Dados:</a:t>
+            </a:r>
+            <a:br>
+              <a:rPr lang="pt-BR" sz="3600" dirty="0">
+                <a:solidFill>
+                  <a:srgbClr val="316321"/>
+                </a:solidFill>
+              </a:rPr>
+            </a:br>
+            <a:endParaRPr sz="3600" dirty="0">
+              <a:solidFill>
+                <a:srgbClr val="316321"/>
+              </a:solidFill>
+            </a:endParaRPr>
+          </a:p>
+        </p:txBody>
+      </p:sp>
+      <p:sp>
+        <p:nvSpPr>
+          <p:cNvPr id="85" name="Google Shape;17724;p71">
+            <a:extLst>
+              <a:ext uri="{FF2B5EF4-FFF2-40B4-BE49-F238E27FC236}">
+                <a16:creationId xmlns:a16="http://schemas.microsoft.com/office/drawing/2014/main" id="{63AFEF52-466D-4F4A-AF26-31E4EC74411B}"/>
+              </a:ext>
+            </a:extLst>
+          </p:cNvPr>
+          <p:cNvSpPr/>
+          <p:nvPr/>
+        </p:nvSpPr>
+        <p:spPr>
+          <a:xfrm>
+            <a:off x="4250316" y="742641"/>
+            <a:ext cx="1302273" cy="1090236"/>
+          </a:xfrm>
+          <a:custGeom>
+            <a:avLst/>
+            <a:gdLst/>
+            <a:ahLst/>
+            <a:cxnLst/>
+            <a:rect l="l" t="t" r="r" b="b"/>
+            <a:pathLst>
+              <a:path w="2079" h="1827" extrusionOk="0">
+                <a:moveTo>
+                  <a:pt x="1037" y="0"/>
+                </a:moveTo>
+                <a:cubicBezTo>
+                  <a:pt x="780" y="0"/>
+                  <a:pt x="535" y="110"/>
+                  <a:pt x="326" y="298"/>
+                </a:cubicBezTo>
+                <a:cubicBezTo>
+                  <a:pt x="174" y="434"/>
+                  <a:pt x="0" y="590"/>
+                  <a:pt x="0" y="797"/>
+                </a:cubicBezTo>
+                <a:cubicBezTo>
+                  <a:pt x="0" y="1003"/>
+                  <a:pt x="136" y="1188"/>
+                  <a:pt x="277" y="1328"/>
+                </a:cubicBezTo>
+                <a:cubicBezTo>
+                  <a:pt x="525" y="1587"/>
+                  <a:pt x="915" y="1827"/>
+                  <a:pt x="1262" y="1827"/>
+                </a:cubicBezTo>
+                <a:cubicBezTo>
+                  <a:pt x="1491" y="1827"/>
+                  <a:pt x="1701" y="1722"/>
+                  <a:pt x="1839" y="1448"/>
+                </a:cubicBezTo>
+                <a:cubicBezTo>
+                  <a:pt x="2078" y="966"/>
+                  <a:pt x="1975" y="364"/>
+                  <a:pt x="1476" y="108"/>
+                </a:cubicBezTo>
+                <a:cubicBezTo>
+                  <a:pt x="1329" y="34"/>
+                  <a:pt x="1181" y="0"/>
+                  <a:pt x="1037" y="0"/>
+                </a:cubicBezTo>
+                <a:close/>
+              </a:path>
+            </a:pathLst>
+          </a:custGeom>
+          <a:solidFill>
+            <a:srgbClr val="E5D0C3"/>
+          </a:solidFill>
+          <a:ln>
+            <a:noFill/>
+          </a:ln>
+        </p:spPr>
+        <p:txBody>
+          <a:bodyPr spcFirstLastPara="1" wrap="square" lIns="91425" tIns="91425" rIns="91425" bIns="91425" anchor="ctr" anchorCtr="0">
+            <a:noAutofit/>
+          </a:bodyPr>
+          <a:lstStyle/>
+          <a:p>
+            <a:pPr marL="0" lvl="0" indent="0" algn="l" rtl="0">
+              <a:spcBef>
+                <a:spcPts val="0"/>
+              </a:spcBef>
+              <a:spcAft>
+                <a:spcPts val="0"/>
+              </a:spcAft>
+              <a:buNone/>
+            </a:pPr>
+            <a:endParaRPr/>
+          </a:p>
+        </p:txBody>
+      </p:sp>
+      <p:sp>
+        <p:nvSpPr>
+          <p:cNvPr id="2" name="Retângulo 1">
+            <a:extLst>
+              <a:ext uri="{FF2B5EF4-FFF2-40B4-BE49-F238E27FC236}">
+                <a16:creationId xmlns:a16="http://schemas.microsoft.com/office/drawing/2014/main" id="{6318A2B2-0BF5-4838-99EF-2E6A733A54D7}"/>
+              </a:ext>
+            </a:extLst>
+          </p:cNvPr>
+          <p:cNvSpPr/>
+          <p:nvPr/>
+        </p:nvSpPr>
+        <p:spPr>
+          <a:xfrm>
+            <a:off x="4901453" y="242047"/>
+            <a:ext cx="3771900" cy="4706471"/>
+          </a:xfrm>
+          <a:prstGeom prst="rect">
+            <a:avLst/>
+          </a:prstGeom>
+          <a:solidFill>
+            <a:schemeClr val="accent3">
+              <a:lumMod val="75000"/>
+            </a:schemeClr>
+          </a:solidFill>
+          <a:ln>
+            <a:noFill/>
+          </a:ln>
+        </p:spPr>
+        <p:style>
+          <a:lnRef idx="2">
+            <a:schemeClr val="accent1">
+              <a:shade val="50000"/>
+            </a:schemeClr>
+          </a:lnRef>
+          <a:fillRef idx="1">
+            <a:schemeClr val="accent1"/>
+          </a:fillRef>
+          <a:effectRef idx="0">
+            <a:schemeClr val="accent1"/>
+          </a:effectRef>
+          <a:fontRef idx="minor">
+            <a:schemeClr val="lt1"/>
+          </a:fontRef>
+        </p:style>
+        <p:txBody>
+          <a:bodyPr rtlCol="0" anchor="ctr"/>
+          <a:lstStyle/>
+          <a:p>
+            <a:pPr algn="ctr"/>
+            <a:endParaRPr lang="pt-BR"/>
+          </a:p>
+        </p:txBody>
+      </p:sp>
+      <p:pic>
+        <p:nvPicPr>
+          <p:cNvPr id="81" name="Google Shape;243;p37">
+            <a:extLst>
+              <a:ext uri="{FF2B5EF4-FFF2-40B4-BE49-F238E27FC236}">
+                <a16:creationId xmlns:a16="http://schemas.microsoft.com/office/drawing/2014/main" id="{C80A8E0A-7647-4276-A807-0D7310548A3E}"/>
+              </a:ext>
+            </a:extLst>
+          </p:cNvPr>
+          <p:cNvPicPr preferRelativeResize="0"/>
+          <p:nvPr/>
+        </p:nvPicPr>
+        <p:blipFill>
+          <a:blip r:embed="rId3">
+            <a:alphaModFix/>
+          </a:blip>
+          <a:stretch>
+            <a:fillRect/>
+          </a:stretch>
+        </p:blipFill>
+        <p:spPr>
+          <a:xfrm>
+            <a:off x="5161011" y="0"/>
+            <a:ext cx="3226413" cy="5143500"/>
+          </a:xfrm>
+          <a:prstGeom prst="rect">
+            <a:avLst/>
+          </a:prstGeom>
+          <a:noFill/>
+          <a:ln>
+            <a:noFill/>
+          </a:ln>
+        </p:spPr>
+      </p:pic>
+      <p:sp>
+        <p:nvSpPr>
+          <p:cNvPr id="82" name="Google Shape;1074;p62">
+            <a:extLst>
+              <a:ext uri="{FF2B5EF4-FFF2-40B4-BE49-F238E27FC236}">
+                <a16:creationId xmlns:a16="http://schemas.microsoft.com/office/drawing/2014/main" id="{12767E7B-3379-456F-890D-0FA3169E22E9}"/>
+              </a:ext>
+            </a:extLst>
+          </p:cNvPr>
+          <p:cNvSpPr/>
+          <p:nvPr/>
+        </p:nvSpPr>
+        <p:spPr>
+          <a:xfrm>
+            <a:off x="5161011" y="0"/>
+            <a:ext cx="3226413" cy="5143500"/>
+          </a:xfrm>
+          <a:prstGeom prst="rect">
+            <a:avLst/>
+          </a:prstGeom>
+          <a:solidFill>
+            <a:srgbClr val="5B0F00">
+              <a:alpha val="13330"/>
+            </a:srgbClr>
+          </a:solidFill>
+          <a:ln>
+            <a:noFill/>
+          </a:ln>
+        </p:spPr>
+        <p:txBody>
+          <a:bodyPr spcFirstLastPara="1" wrap="square" lIns="91425" tIns="91425" rIns="91425" bIns="91425" anchor="ctr" anchorCtr="0">
+            <a:noAutofit/>
+          </a:bodyPr>
+          <a:lstStyle/>
+          <a:p>
+            <a:pPr marL="0" lvl="0" indent="0" algn="l" rtl="0">
+              <a:spcBef>
+                <a:spcPts val="0"/>
+              </a:spcBef>
+              <a:spcAft>
+                <a:spcPts val="0"/>
+              </a:spcAft>
+              <a:buNone/>
+            </a:pPr>
+            <a:endParaRPr dirty="0"/>
+          </a:p>
+        </p:txBody>
+      </p:sp>
+      <p:sp>
+        <p:nvSpPr>
+          <p:cNvPr id="83" name="Google Shape;17724;p71">
+            <a:extLst>
+              <a:ext uri="{FF2B5EF4-FFF2-40B4-BE49-F238E27FC236}">
+                <a16:creationId xmlns:a16="http://schemas.microsoft.com/office/drawing/2014/main" id="{EA06A5E1-08DA-431F-981E-D787977D3226}"/>
+              </a:ext>
+            </a:extLst>
+          </p:cNvPr>
+          <p:cNvSpPr/>
+          <p:nvPr/>
+        </p:nvSpPr>
+        <p:spPr>
+          <a:xfrm>
+            <a:off x="987983" y="-608260"/>
+            <a:ext cx="1667810" cy="1374743"/>
+          </a:xfrm>
+          <a:custGeom>
+            <a:avLst/>
+            <a:gdLst/>
+            <a:ahLst/>
+            <a:cxnLst/>
+            <a:rect l="l" t="t" r="r" b="b"/>
+            <a:pathLst>
+              <a:path w="2079" h="1827" extrusionOk="0">
+                <a:moveTo>
+                  <a:pt x="1037" y="0"/>
+                </a:moveTo>
+                <a:cubicBezTo>
+                  <a:pt x="780" y="0"/>
+                  <a:pt x="535" y="110"/>
+                  <a:pt x="326" y="298"/>
+                </a:cubicBezTo>
+                <a:cubicBezTo>
+                  <a:pt x="174" y="434"/>
+                  <a:pt x="0" y="590"/>
+                  <a:pt x="0" y="797"/>
+                </a:cubicBezTo>
+                <a:cubicBezTo>
+                  <a:pt x="0" y="1003"/>
+                  <a:pt x="136" y="1188"/>
+                  <a:pt x="277" y="1328"/>
+                </a:cubicBezTo>
+                <a:cubicBezTo>
+                  <a:pt x="525" y="1587"/>
+                  <a:pt x="915" y="1827"/>
+                  <a:pt x="1262" y="1827"/>
+                </a:cubicBezTo>
+                <a:cubicBezTo>
+                  <a:pt x="1491" y="1827"/>
+                  <a:pt x="1701" y="1722"/>
+                  <a:pt x="1839" y="1448"/>
+                </a:cubicBezTo>
+                <a:cubicBezTo>
+                  <a:pt x="2078" y="966"/>
+                  <a:pt x="1975" y="364"/>
+                  <a:pt x="1476" y="108"/>
+                </a:cubicBezTo>
+                <a:cubicBezTo>
+                  <a:pt x="1329" y="34"/>
+                  <a:pt x="1181" y="0"/>
+                  <a:pt x="1037" y="0"/>
+                </a:cubicBezTo>
+                <a:close/>
+              </a:path>
+            </a:pathLst>
+          </a:custGeom>
+          <a:solidFill>
+            <a:srgbClr val="E5D0C3"/>
+          </a:solidFill>
+          <a:ln>
+            <a:noFill/>
+          </a:ln>
+        </p:spPr>
+        <p:txBody>
+          <a:bodyPr spcFirstLastPara="1" wrap="square" lIns="91425" tIns="91425" rIns="91425" bIns="91425" anchor="ctr" anchorCtr="0">
+            <a:noAutofit/>
+          </a:bodyPr>
+          <a:lstStyle/>
+          <a:p>
+            <a:pPr marL="0" lvl="0" indent="0" algn="l" rtl="0">
+              <a:spcBef>
+                <a:spcPts val="0"/>
+              </a:spcBef>
+              <a:spcAft>
+                <a:spcPts val="0"/>
+              </a:spcAft>
+              <a:buNone/>
+            </a:pPr>
+            <a:endParaRPr/>
+          </a:p>
+        </p:txBody>
+      </p:sp>
+      <p:sp>
+        <p:nvSpPr>
+          <p:cNvPr id="84" name="Google Shape;17724;p71">
+            <a:extLst>
+              <a:ext uri="{FF2B5EF4-FFF2-40B4-BE49-F238E27FC236}">
+                <a16:creationId xmlns:a16="http://schemas.microsoft.com/office/drawing/2014/main" id="{99B83021-AA2D-4BDD-B8DC-7DD693FB6029}"/>
+              </a:ext>
+            </a:extLst>
+          </p:cNvPr>
+          <p:cNvSpPr/>
+          <p:nvPr/>
+        </p:nvSpPr>
+        <p:spPr>
+          <a:xfrm>
+            <a:off x="604173" y="4039815"/>
+            <a:ext cx="767619" cy="674401"/>
+          </a:xfrm>
+          <a:custGeom>
+            <a:avLst/>
+            <a:gdLst/>
+            <a:ahLst/>
+            <a:cxnLst/>
+            <a:rect l="l" t="t" r="r" b="b"/>
+            <a:pathLst>
+              <a:path w="2079" h="1827" extrusionOk="0">
+                <a:moveTo>
+                  <a:pt x="1037" y="0"/>
+                </a:moveTo>
+                <a:cubicBezTo>
+                  <a:pt x="780" y="0"/>
+                  <a:pt x="535" y="110"/>
+                  <a:pt x="326" y="298"/>
+                </a:cubicBezTo>
+                <a:cubicBezTo>
+                  <a:pt x="174" y="434"/>
+                  <a:pt x="0" y="590"/>
+                  <a:pt x="0" y="797"/>
+                </a:cubicBezTo>
+                <a:cubicBezTo>
+                  <a:pt x="0" y="1003"/>
+                  <a:pt x="136" y="1188"/>
+                  <a:pt x="277" y="1328"/>
+                </a:cubicBezTo>
+                <a:cubicBezTo>
+                  <a:pt x="525" y="1587"/>
+                  <a:pt x="915" y="1827"/>
+                  <a:pt x="1262" y="1827"/>
+                </a:cubicBezTo>
+                <a:cubicBezTo>
+                  <a:pt x="1491" y="1827"/>
+                  <a:pt x="1701" y="1722"/>
+                  <a:pt x="1839" y="1448"/>
+                </a:cubicBezTo>
+                <a:cubicBezTo>
+                  <a:pt x="2078" y="966"/>
+                  <a:pt x="1975" y="364"/>
+                  <a:pt x="1476" y="108"/>
+                </a:cubicBezTo>
+                <a:cubicBezTo>
+                  <a:pt x="1329" y="34"/>
+                  <a:pt x="1181" y="0"/>
+                  <a:pt x="1037" y="0"/>
+                </a:cubicBezTo>
+                <a:close/>
+              </a:path>
+            </a:pathLst>
+          </a:custGeom>
+          <a:solidFill>
+            <a:srgbClr val="E5D0C3"/>
+          </a:solidFill>
+          <a:ln>
+            <a:noFill/>
+          </a:ln>
+        </p:spPr>
+        <p:txBody>
+          <a:bodyPr spcFirstLastPara="1" wrap="square" lIns="91425" tIns="91425" rIns="91425" bIns="91425" anchor="ctr" anchorCtr="0">
+            <a:noAutofit/>
+          </a:bodyPr>
+          <a:lstStyle/>
+          <a:p>
+            <a:pPr marL="0" lvl="0" indent="0" algn="l" rtl="0">
+              <a:spcBef>
+                <a:spcPts val="0"/>
+              </a:spcBef>
+              <a:spcAft>
+                <a:spcPts val="0"/>
+              </a:spcAft>
+              <a:buNone/>
+            </a:pPr>
+            <a:endParaRPr/>
+          </a:p>
+        </p:txBody>
+      </p:sp>
+      <p:sp>
+        <p:nvSpPr>
+          <p:cNvPr id="3" name="CaixaDeTexto 2">
+            <a:extLst>
+              <a:ext uri="{FF2B5EF4-FFF2-40B4-BE49-F238E27FC236}">
+                <a16:creationId xmlns:a16="http://schemas.microsoft.com/office/drawing/2014/main" id="{214BA358-FE56-4972-BF44-C477D72E159A}"/>
+              </a:ext>
+            </a:extLst>
+          </p:cNvPr>
+          <p:cNvSpPr txBox="1"/>
+          <p:nvPr/>
+        </p:nvSpPr>
+        <p:spPr>
+          <a:xfrm>
+            <a:off x="987984" y="2431473"/>
+            <a:ext cx="3012626" cy="861774"/>
+          </a:xfrm>
+          <a:prstGeom prst="rect">
+            <a:avLst/>
+          </a:prstGeom>
+          <a:noFill/>
+        </p:spPr>
+        <p:txBody>
+          <a:bodyPr wrap="square" rtlCol="0">
+            <a:spAutoFit/>
+          </a:bodyPr>
+          <a:lstStyle/>
+          <a:p>
+            <a:pPr marL="285750" indent="-285750">
+              <a:buFont typeface="Arial" panose="020B0604020202020204" pitchFamily="34" charset="0"/>
+              <a:buChar char="•"/>
+            </a:pPr>
+            <a:r>
+              <a:rPr lang="pt-BR" sz="2500" dirty="0">
+                <a:solidFill>
+                  <a:srgbClr val="316321"/>
+                </a:solidFill>
+                <a:latin typeface="Rochester" panose="020B0604020202020204" charset="0"/>
+              </a:rPr>
+              <a:t>Modelagem Lógica.</a:t>
+            </a:r>
+          </a:p>
+          <a:p>
+            <a:pPr marL="285750" indent="-285750">
+              <a:buFont typeface="Arial" panose="020B0604020202020204" pitchFamily="34" charset="0"/>
+              <a:buChar char="•"/>
+            </a:pPr>
+            <a:r>
+              <a:rPr lang="pt-BR" sz="2500" dirty="0">
+                <a:solidFill>
+                  <a:srgbClr val="316321"/>
+                </a:solidFill>
+                <a:latin typeface="Rochester" panose="020B0604020202020204" charset="0"/>
+              </a:rPr>
+              <a:t>Modelagem física.</a:t>
+            </a:r>
+          </a:p>
+        </p:txBody>
+      </p:sp>
+    </p:spTree>
+    <p:extLst>
+      <p:ext uri="{BB962C8B-B14F-4D97-AF65-F5344CB8AC3E}">
+        <p14:creationId xmlns:p14="http://schemas.microsoft.com/office/powerpoint/2010/main" val="3659407221"/>
+      </p:ext>
+    </p:extLst>
+  </p:cSld>
+  <p:clrMapOvr>
+    <a:masterClrMapping/>
+  </p:clrMapOvr>
+</p:sld>
+</file>
+
+<file path=ppt/slides/slide8.xml><?xml version="1.0" encoding="utf-8"?>
+<p:sld xmlns:a="http://schemas.openxmlformats.org/drawingml/2006/main" xmlns:r="http://schemas.openxmlformats.org/officeDocument/2006/relationships" xmlns:p="http://schemas.openxmlformats.org/presentationml/2006/main">
+  <p:cSld>
+    <p:bg>
+      <p:bgPr>
+        <a:solidFill>
+          <a:srgbClr val="FFFFFF"/>
+        </a:solidFill>
+        <a:effectLst/>
+      </p:bgPr>
+    </p:bg>
+    <p:spTree>
+      <p:nvGrpSpPr>
+        <p:cNvPr id="1" name="Shape 207"/>
+        <p:cNvGrpSpPr/>
+        <p:nvPr/>
+      </p:nvGrpSpPr>
+      <p:grpSpPr>
+        <a:xfrm>
+          <a:off x="0" y="0"/>
+          <a:ext cx="0" cy="0"/>
+          <a:chOff x="0" y="0"/>
+          <a:chExt cx="0" cy="0"/>
+        </a:xfrm>
+      </p:grpSpPr>
+      <p:sp>
+        <p:nvSpPr>
+          <p:cNvPr id="7" name="Retângulo 6">
+            <a:extLst>
+              <a:ext uri="{FF2B5EF4-FFF2-40B4-BE49-F238E27FC236}">
+                <a16:creationId xmlns:a16="http://schemas.microsoft.com/office/drawing/2014/main" id="{D0786098-15A6-4175-AF04-66681EB27577}"/>
+              </a:ext>
+            </a:extLst>
+          </p:cNvPr>
+          <p:cNvSpPr/>
+          <p:nvPr/>
+        </p:nvSpPr>
+        <p:spPr>
+          <a:xfrm>
+            <a:off x="0" y="0"/>
+            <a:ext cx="9143999" cy="5143500"/>
+          </a:xfrm>
+          <a:prstGeom prst="rect">
+            <a:avLst/>
+          </a:prstGeom>
+          <a:solidFill>
+            <a:schemeClr val="bg1">
+              <a:lumMod val="95000"/>
+            </a:schemeClr>
+          </a:solidFill>
+          <a:ln>
+            <a:noFill/>
+          </a:ln>
+        </p:spPr>
+        <p:style>
+          <a:lnRef idx="2">
+            <a:schemeClr val="accent1">
+              <a:shade val="50000"/>
+            </a:schemeClr>
+          </a:lnRef>
+          <a:fillRef idx="1">
+            <a:schemeClr val="accent1"/>
+          </a:fillRef>
+          <a:effectRef idx="0">
+            <a:schemeClr val="accent1"/>
+          </a:effectRef>
+          <a:fontRef idx="minor">
+            <a:schemeClr val="lt1"/>
+          </a:fontRef>
+        </p:style>
+        <p:txBody>
+          <a:bodyPr rtlCol="0" anchor="ctr"/>
+          <a:lstStyle/>
+          <a:p>
+            <a:pPr algn="ctr"/>
+            <a:endParaRPr lang="pt-BR"/>
+          </a:p>
+        </p:txBody>
+      </p:sp>
+      <p:sp>
+        <p:nvSpPr>
+          <p:cNvPr id="209" name="Google Shape;209;p34"/>
+          <p:cNvSpPr txBox="1">
+            <a:spLocks noGrp="1"/>
+          </p:cNvSpPr>
+          <p:nvPr>
+            <p:ph type="ctrTitle"/>
+          </p:nvPr>
+        </p:nvSpPr>
+        <p:spPr>
+          <a:xfrm>
+            <a:off x="744126" y="1885032"/>
+            <a:ext cx="3099764" cy="1373435"/>
+          </a:xfrm>
+          <a:prstGeom prst="rect">
+            <a:avLst/>
+          </a:prstGeom>
+        </p:spPr>
+        <p:txBody>
+          <a:bodyPr spcFirstLastPara="1" wrap="square" lIns="91425" tIns="91425" rIns="91425" bIns="91425" anchor="b" anchorCtr="0">
+            <a:noAutofit/>
+          </a:bodyPr>
+          <a:lstStyle/>
+          <a:p>
+            <a:pPr marL="0" lvl="0" indent="0" algn="ctr" rtl="0">
+              <a:spcBef>
+                <a:spcPts val="0"/>
+              </a:spcBef>
+              <a:spcAft>
+                <a:spcPts val="0"/>
+              </a:spcAft>
+              <a:buNone/>
+            </a:pPr>
+            <a:r>
+              <a:rPr lang="pt-BR" sz="3600" dirty="0">
+                <a:solidFill>
+                  <a:srgbClr val="316321"/>
+                </a:solidFill>
+              </a:rPr>
+              <a:t>Simulador do Sensor</a:t>
+            </a:r>
+            <a:endParaRPr sz="3600" dirty="0">
+              <a:solidFill>
+                <a:srgbClr val="316321"/>
+              </a:solidFill>
+            </a:endParaRPr>
+          </a:p>
+        </p:txBody>
+      </p:sp>
+      <p:sp>
+        <p:nvSpPr>
+          <p:cNvPr id="10" name="Google Shape;17724;p71">
+            <a:extLst>
+              <a:ext uri="{FF2B5EF4-FFF2-40B4-BE49-F238E27FC236}">
+                <a16:creationId xmlns:a16="http://schemas.microsoft.com/office/drawing/2014/main" id="{3968ABCC-581F-4B5F-8FEC-290827F2EEE8}"/>
+              </a:ext>
+            </a:extLst>
+          </p:cNvPr>
+          <p:cNvSpPr/>
+          <p:nvPr/>
+        </p:nvSpPr>
+        <p:spPr>
+          <a:xfrm>
+            <a:off x="3929309" y="3797322"/>
+            <a:ext cx="1987300" cy="1652894"/>
+          </a:xfrm>
+          <a:custGeom>
+            <a:avLst/>
+            <a:gdLst/>
+            <a:ahLst/>
+            <a:cxnLst/>
+            <a:rect l="l" t="t" r="r" b="b"/>
+            <a:pathLst>
+              <a:path w="2079" h="1827" extrusionOk="0">
+                <a:moveTo>
+                  <a:pt x="1037" y="0"/>
+                </a:moveTo>
+                <a:cubicBezTo>
+                  <a:pt x="780" y="0"/>
+                  <a:pt x="535" y="110"/>
+                  <a:pt x="326" y="298"/>
+                </a:cubicBezTo>
+                <a:cubicBezTo>
+                  <a:pt x="174" y="434"/>
+                  <a:pt x="0" y="590"/>
+                  <a:pt x="0" y="797"/>
+                </a:cubicBezTo>
+                <a:cubicBezTo>
+                  <a:pt x="0" y="1003"/>
+                  <a:pt x="136" y="1188"/>
+                  <a:pt x="277" y="1328"/>
+                </a:cubicBezTo>
+                <a:cubicBezTo>
+                  <a:pt x="525" y="1587"/>
+                  <a:pt x="915" y="1827"/>
+                  <a:pt x="1262" y="1827"/>
+                </a:cubicBezTo>
+                <a:cubicBezTo>
+                  <a:pt x="1491" y="1827"/>
+                  <a:pt x="1701" y="1722"/>
+                  <a:pt x="1839" y="1448"/>
+                </a:cubicBezTo>
+                <a:cubicBezTo>
+                  <a:pt x="2078" y="966"/>
+                  <a:pt x="1975" y="364"/>
+                  <a:pt x="1476" y="108"/>
+                </a:cubicBezTo>
+                <a:cubicBezTo>
+                  <a:pt x="1329" y="34"/>
+                  <a:pt x="1181" y="0"/>
+                  <a:pt x="1037" y="0"/>
+                </a:cubicBezTo>
+                <a:close/>
+              </a:path>
+            </a:pathLst>
+          </a:custGeom>
+          <a:solidFill>
+            <a:srgbClr val="E5D0C3"/>
+          </a:solidFill>
+          <a:ln>
+            <a:noFill/>
+          </a:ln>
+        </p:spPr>
+        <p:txBody>
+          <a:bodyPr spcFirstLastPara="1" wrap="square" lIns="91425" tIns="91425" rIns="91425" bIns="91425" anchor="ctr" anchorCtr="0">
+            <a:noAutofit/>
+          </a:bodyPr>
+          <a:lstStyle/>
+          <a:p>
+            <a:pPr marL="0" lvl="0" indent="0" algn="l" rtl="0">
+              <a:spcBef>
+                <a:spcPts val="0"/>
+              </a:spcBef>
+              <a:spcAft>
+                <a:spcPts val="0"/>
+              </a:spcAft>
+              <a:buNone/>
+            </a:pPr>
+            <a:endParaRPr/>
+          </a:p>
+        </p:txBody>
+      </p:sp>
+      <p:sp>
+        <p:nvSpPr>
+          <p:cNvPr id="2" name="Retângulo 1">
+            <a:extLst>
+              <a:ext uri="{FF2B5EF4-FFF2-40B4-BE49-F238E27FC236}">
+                <a16:creationId xmlns:a16="http://schemas.microsoft.com/office/drawing/2014/main" id="{6318A2B2-0BF5-4838-99EF-2E6A733A54D7}"/>
+              </a:ext>
+            </a:extLst>
+          </p:cNvPr>
+          <p:cNvSpPr/>
+          <p:nvPr/>
+        </p:nvSpPr>
+        <p:spPr>
+          <a:xfrm>
+            <a:off x="5667085" y="141193"/>
+            <a:ext cx="3099764" cy="4861112"/>
+          </a:xfrm>
+          <a:prstGeom prst="rect">
+            <a:avLst/>
+          </a:prstGeom>
+          <a:solidFill>
+            <a:schemeClr val="accent3">
+              <a:lumMod val="50000"/>
+            </a:schemeClr>
+          </a:solidFill>
+          <a:ln>
+            <a:noFill/>
+          </a:ln>
+        </p:spPr>
+        <p:style>
+          <a:lnRef idx="2">
+            <a:schemeClr val="accent1">
+              <a:shade val="50000"/>
+            </a:schemeClr>
+          </a:lnRef>
+          <a:fillRef idx="1">
+            <a:schemeClr val="accent1"/>
+          </a:fillRef>
+          <a:effectRef idx="0">
+            <a:schemeClr val="accent1"/>
+          </a:effectRef>
+          <a:fontRef idx="minor">
+            <a:schemeClr val="lt1"/>
+          </a:fontRef>
+        </p:style>
+        <p:txBody>
+          <a:bodyPr rtlCol="0" anchor="ctr"/>
+          <a:lstStyle/>
+          <a:p>
+            <a:pPr algn="ctr"/>
+            <a:endParaRPr lang="pt-BR"/>
+          </a:p>
+        </p:txBody>
+      </p:sp>
+      <p:sp>
+        <p:nvSpPr>
+          <p:cNvPr id="11" name="Google Shape;17724;p71">
+            <a:extLst>
+              <a:ext uri="{FF2B5EF4-FFF2-40B4-BE49-F238E27FC236}">
+                <a16:creationId xmlns:a16="http://schemas.microsoft.com/office/drawing/2014/main" id="{625B5344-CCDC-4236-AB55-77811DDDC926}"/>
+              </a:ext>
+            </a:extLst>
+          </p:cNvPr>
+          <p:cNvSpPr/>
+          <p:nvPr/>
+        </p:nvSpPr>
+        <p:spPr>
+          <a:xfrm>
+            <a:off x="300564" y="213626"/>
+            <a:ext cx="767619" cy="674401"/>
+          </a:xfrm>
+          <a:custGeom>
+            <a:avLst/>
+            <a:gdLst/>
+            <a:ahLst/>
+            <a:cxnLst/>
+            <a:rect l="l" t="t" r="r" b="b"/>
+            <a:pathLst>
+              <a:path w="2079" h="1827" extrusionOk="0">
+                <a:moveTo>
+                  <a:pt x="1037" y="0"/>
+                </a:moveTo>
+                <a:cubicBezTo>
+                  <a:pt x="780" y="0"/>
+                  <a:pt x="535" y="110"/>
+                  <a:pt x="326" y="298"/>
+                </a:cubicBezTo>
+                <a:cubicBezTo>
+                  <a:pt x="174" y="434"/>
+                  <a:pt x="0" y="590"/>
+                  <a:pt x="0" y="797"/>
+                </a:cubicBezTo>
+                <a:cubicBezTo>
+                  <a:pt x="0" y="1003"/>
+                  <a:pt x="136" y="1188"/>
+                  <a:pt x="277" y="1328"/>
+                </a:cubicBezTo>
+                <a:cubicBezTo>
+                  <a:pt x="525" y="1587"/>
+                  <a:pt x="915" y="1827"/>
+                  <a:pt x="1262" y="1827"/>
+                </a:cubicBezTo>
+                <a:cubicBezTo>
+                  <a:pt x="1491" y="1827"/>
+                  <a:pt x="1701" y="1722"/>
+                  <a:pt x="1839" y="1448"/>
+                </a:cubicBezTo>
+                <a:cubicBezTo>
+                  <a:pt x="2078" y="966"/>
+                  <a:pt x="1975" y="364"/>
+                  <a:pt x="1476" y="108"/>
+                </a:cubicBezTo>
+                <a:cubicBezTo>
+                  <a:pt x="1329" y="34"/>
+                  <a:pt x="1181" y="0"/>
+                  <a:pt x="1037" y="0"/>
+                </a:cubicBezTo>
+                <a:close/>
+              </a:path>
+            </a:pathLst>
+          </a:custGeom>
+          <a:solidFill>
+            <a:srgbClr val="E5D0C3"/>
+          </a:solidFill>
+          <a:ln>
+            <a:noFill/>
+          </a:ln>
+        </p:spPr>
+        <p:txBody>
+          <a:bodyPr spcFirstLastPara="1" wrap="square" lIns="91425" tIns="91425" rIns="91425" bIns="91425" anchor="ctr" anchorCtr="0">
+            <a:noAutofit/>
+          </a:bodyPr>
+          <a:lstStyle/>
+          <a:p>
+            <a:pPr marL="0" lvl="0" indent="0" algn="l" rtl="0">
+              <a:spcBef>
+                <a:spcPts val="0"/>
+              </a:spcBef>
+              <a:spcAft>
+                <a:spcPts val="0"/>
+              </a:spcAft>
+              <a:buNone/>
+            </a:pPr>
+            <a:endParaRPr/>
+          </a:p>
+        </p:txBody>
+      </p:sp>
+      <p:sp>
+        <p:nvSpPr>
+          <p:cNvPr id="12" name="Google Shape;17724;p71">
+            <a:extLst>
+              <a:ext uri="{FF2B5EF4-FFF2-40B4-BE49-F238E27FC236}">
+                <a16:creationId xmlns:a16="http://schemas.microsoft.com/office/drawing/2014/main" id="{12FB5D59-F12B-4A5B-8C7E-DD9BAAAEE42B}"/>
+              </a:ext>
+            </a:extLst>
+          </p:cNvPr>
+          <p:cNvSpPr/>
+          <p:nvPr/>
+        </p:nvSpPr>
+        <p:spPr>
+          <a:xfrm>
+            <a:off x="668051" y="991173"/>
+            <a:ext cx="392550" cy="343994"/>
+          </a:xfrm>
+          <a:custGeom>
+            <a:avLst/>
+            <a:gdLst/>
+            <a:ahLst/>
+            <a:cxnLst/>
+            <a:rect l="l" t="t" r="r" b="b"/>
+            <a:pathLst>
+              <a:path w="2079" h="1827" extrusionOk="0">
+                <a:moveTo>
+                  <a:pt x="1037" y="0"/>
+                </a:moveTo>
+                <a:cubicBezTo>
+                  <a:pt x="780" y="0"/>
+                  <a:pt x="535" y="110"/>
+                  <a:pt x="326" y="298"/>
+                </a:cubicBezTo>
+                <a:cubicBezTo>
+                  <a:pt x="174" y="434"/>
+                  <a:pt x="0" y="590"/>
+                  <a:pt x="0" y="797"/>
+                </a:cubicBezTo>
+                <a:cubicBezTo>
+                  <a:pt x="0" y="1003"/>
+                  <a:pt x="136" y="1188"/>
+                  <a:pt x="277" y="1328"/>
+                </a:cubicBezTo>
+                <a:cubicBezTo>
+                  <a:pt x="525" y="1587"/>
+                  <a:pt x="915" y="1827"/>
+                  <a:pt x="1262" y="1827"/>
+                </a:cubicBezTo>
+                <a:cubicBezTo>
+                  <a:pt x="1491" y="1827"/>
+                  <a:pt x="1701" y="1722"/>
+                  <a:pt x="1839" y="1448"/>
+                </a:cubicBezTo>
+                <a:cubicBezTo>
+                  <a:pt x="2078" y="966"/>
+                  <a:pt x="1975" y="364"/>
+                  <a:pt x="1476" y="108"/>
+                </a:cubicBezTo>
+                <a:cubicBezTo>
+                  <a:pt x="1329" y="34"/>
+                  <a:pt x="1181" y="0"/>
+                  <a:pt x="1037" y="0"/>
+                </a:cubicBezTo>
+                <a:close/>
+              </a:path>
+            </a:pathLst>
+          </a:custGeom>
+          <a:solidFill>
+            <a:srgbClr val="E5D0C3"/>
+          </a:solidFill>
+          <a:ln>
+            <a:noFill/>
+          </a:ln>
+        </p:spPr>
+        <p:txBody>
+          <a:bodyPr spcFirstLastPara="1" wrap="square" lIns="91425" tIns="91425" rIns="91425" bIns="91425" anchor="ctr" anchorCtr="0">
+            <a:noAutofit/>
+          </a:bodyPr>
+          <a:lstStyle/>
+          <a:p>
+            <a:pPr marL="0" lvl="0" indent="0" algn="l" rtl="0">
+              <a:spcBef>
+                <a:spcPts val="0"/>
+              </a:spcBef>
+              <a:spcAft>
+                <a:spcPts val="0"/>
+              </a:spcAft>
+              <a:buNone/>
+            </a:pPr>
+            <a:endParaRPr/>
+          </a:p>
+        </p:txBody>
+      </p:sp>
+      <p:pic>
+        <p:nvPicPr>
+          <p:cNvPr id="13" name="Google Shape;17426;p71">
+            <a:extLst>
+              <a:ext uri="{FF2B5EF4-FFF2-40B4-BE49-F238E27FC236}">
+                <a16:creationId xmlns:a16="http://schemas.microsoft.com/office/drawing/2014/main" id="{4EFBF7CE-A97B-4E46-BB05-AB55D2B4BD8B}"/>
+              </a:ext>
+            </a:extLst>
+          </p:cNvPr>
+          <p:cNvPicPr preferRelativeResize="0"/>
+          <p:nvPr/>
+        </p:nvPicPr>
+        <p:blipFill>
+          <a:blip r:embed="rId3">
+            <a:alphaModFix/>
+          </a:blip>
+          <a:stretch>
+            <a:fillRect/>
+          </a:stretch>
+        </p:blipFill>
+        <p:spPr>
+          <a:xfrm>
+            <a:off x="4915377" y="450340"/>
+            <a:ext cx="4099224" cy="4099230"/>
+          </a:xfrm>
+          <a:prstGeom prst="rect">
+            <a:avLst/>
+          </a:prstGeom>
+          <a:noFill/>
+          <a:ln>
+            <a:noFill/>
+          </a:ln>
+        </p:spPr>
+      </p:pic>
+      <p:sp>
+        <p:nvSpPr>
+          <p:cNvPr id="9" name="Google Shape;1074;p62">
+            <a:extLst>
+              <a:ext uri="{FF2B5EF4-FFF2-40B4-BE49-F238E27FC236}">
+                <a16:creationId xmlns:a16="http://schemas.microsoft.com/office/drawing/2014/main" id="{3FB49217-D5B9-486A-A75A-1D662ADA8617}"/>
+              </a:ext>
+            </a:extLst>
+          </p:cNvPr>
+          <p:cNvSpPr/>
+          <p:nvPr/>
+        </p:nvSpPr>
+        <p:spPr>
+          <a:xfrm>
+            <a:off x="4922959" y="450340"/>
+            <a:ext cx="4099224" cy="4099230"/>
+          </a:xfrm>
+          <a:prstGeom prst="rect">
+            <a:avLst/>
+          </a:prstGeom>
+          <a:solidFill>
+            <a:srgbClr val="5B0F00">
+              <a:alpha val="13330"/>
+            </a:srgbClr>
+          </a:solidFill>
+          <a:ln>
+            <a:noFill/>
+          </a:ln>
+        </p:spPr>
+        <p:txBody>
+          <a:bodyPr spcFirstLastPara="1" wrap="square" lIns="91425" tIns="91425" rIns="91425" bIns="91425" anchor="ctr" anchorCtr="0">
+            <a:noAutofit/>
+          </a:bodyPr>
+          <a:lstStyle/>
+          <a:p>
+            <a:pPr marL="0" lvl="0" indent="0" algn="l" rtl="0">
+              <a:spcBef>
+                <a:spcPts val="0"/>
+              </a:spcBef>
+              <a:spcAft>
+                <a:spcPts val="0"/>
+              </a:spcAft>
+              <a:buNone/>
+            </a:pPr>
+            <a:endParaRPr dirty="0"/>
+          </a:p>
+        </p:txBody>
+      </p:sp>
+    </p:spTree>
+    <p:extLst>
+      <p:ext uri="{BB962C8B-B14F-4D97-AF65-F5344CB8AC3E}">
+        <p14:creationId xmlns:p14="http://schemas.microsoft.com/office/powerpoint/2010/main" val="2010653608"/>
+      </p:ext>
+    </p:extLst>
+  </p:cSld>
+  <p:clrMapOvr>
+    <a:masterClrMapping/>
+  </p:clrMapOvr>
+</p:sld>
+</file>
+
+<file path=ppt/slides/slide9.xml><?xml version="1.0" encoding="utf-8"?>
+<p:sld xmlns:a="http://schemas.openxmlformats.org/drawingml/2006/main" xmlns:r="http://schemas.openxmlformats.org/officeDocument/2006/relationships" xmlns:p="http://schemas.openxmlformats.org/presentationml/2006/main">
+  <p:cSld>
+    <p:bg>
+      <p:bgPr>
+        <a:solidFill>
+          <a:srgbClr val="FFFFFF"/>
+        </a:solidFill>
+        <a:effectLst/>
+      </p:bgPr>
+    </p:bg>
     <p:spTree>
       <p:nvGrpSpPr>
         <p:cNvPr id="1" name="Shape 207"/>
@@ -19870,7 +18597,7 @@
           <a:lstStyle/>
           <a:p>
             <a:pPr algn="ctr"/>
-            <a:endParaRPr lang="pt-BR"/>
+            <a:endParaRPr lang="pt-BR" dirty="0"/>
           </a:p>
         </p:txBody>
       </p:sp>
@@ -19886,8 +18613,8 @@
         </p:nvSpPr>
         <p:spPr>
           <a:xfrm>
-            <a:off x="0" y="131563"/>
-            <a:ext cx="3843892" cy="602065"/>
+            <a:off x="3839134" y="188042"/>
+            <a:ext cx="1237130" cy="602065"/>
           </a:xfrm>
           <a:prstGeom prst="rect">
             <a:avLst/>
@@ -19914,15 +18641,7 @@
                   <a:srgbClr val="316321"/>
                 </a:solidFill>
               </a:rPr>
-              <a:t>Dashboard com </a:t>
-            </a:r>
-            <a:r>
-              <a:rPr lang="pt-BR" sz="2800" dirty="0" err="1">
-                <a:solidFill>
-                  <a:srgbClr val="316321"/>
-                </a:solidFill>
-              </a:rPr>
-              <a:t>ChartJS</a:t>
+              <a:t>GitHub</a:t>
             </a:r>
             <a:endParaRPr sz="2800" dirty="0">
               <a:solidFill>
@@ -19945,9 +18664,9 @@
           <p:nvPr/>
         </p:nvSpPr>
         <p:spPr>
-          <a:xfrm flipH="1">
-            <a:off x="3662305" y="-4956"/>
-            <a:ext cx="45719" cy="738584"/>
+          <a:xfrm>
+            <a:off x="7395624" y="0"/>
+            <a:ext cx="90357" cy="921124"/>
           </a:xfrm>
           <a:prstGeom prst="rect">
             <a:avLst/>
@@ -19986,10 +18705,10 @@
       </p:sp>
       <p:grpSp>
         <p:nvGrpSpPr>
-          <p:cNvPr id="40" name="Google Shape;1016;p59">
+          <p:cNvPr id="5" name="Google Shape;1016;p59">
             <a:extLst>
               <a:ext uri="{FF2B5EF4-FFF2-40B4-BE49-F238E27FC236}">
-                <a16:creationId xmlns:a16="http://schemas.microsoft.com/office/drawing/2014/main" id="{9EDA7C21-0B8C-425F-A230-B15E64F4E31B}"/>
+                <a16:creationId xmlns:a16="http://schemas.microsoft.com/office/drawing/2014/main" id="{AB00CCB5-30C5-446A-BEB7-5C3EE91A2AE4}"/>
               </a:ext>
             </a:extLst>
           </p:cNvPr>
@@ -19998,7 +18717,7 @@
         </p:nvGrpSpPr>
         <p:grpSpPr>
           <a:xfrm>
-            <a:off x="1539688" y="1049357"/>
+            <a:off x="1539688" y="945447"/>
             <a:ext cx="6158753" cy="4006737"/>
             <a:chOff x="238125" y="1973675"/>
             <a:chExt cx="2558775" cy="1951825"/>
@@ -20006,10 +18725,10 @@
         </p:grpSpPr>
         <p:sp>
           <p:nvSpPr>
-            <p:cNvPr id="41" name="Google Shape;1017;p59">
+            <p:cNvPr id="6" name="Google Shape;1017;p59">
               <a:extLst>
                 <a:ext uri="{FF2B5EF4-FFF2-40B4-BE49-F238E27FC236}">
-                  <a16:creationId xmlns:a16="http://schemas.microsoft.com/office/drawing/2014/main" id="{58C9EC2C-BA67-40AE-B463-378EAE522429}"/>
+                  <a16:creationId xmlns:a16="http://schemas.microsoft.com/office/drawing/2014/main" id="{5E9B9A51-DD4B-4567-9024-7488825927E1}"/>
                 </a:ext>
               </a:extLst>
             </p:cNvPr>
@@ -20106,10 +18825,10 @@
         </p:sp>
         <p:sp>
           <p:nvSpPr>
-            <p:cNvPr id="42" name="Google Shape;1018;p59">
+            <p:cNvPr id="8" name="Google Shape;1018;p59">
               <a:extLst>
                 <a:ext uri="{FF2B5EF4-FFF2-40B4-BE49-F238E27FC236}">
-                  <a16:creationId xmlns:a16="http://schemas.microsoft.com/office/drawing/2014/main" id="{1A9D8B76-E5AC-40F8-A281-28455B6C8E4F}"/>
+                  <a16:creationId xmlns:a16="http://schemas.microsoft.com/office/drawing/2014/main" id="{A25E48F1-5B7F-45C6-A28A-1AF06C424227}"/>
                 </a:ext>
               </a:extLst>
             </p:cNvPr>
@@ -20449,10 +19168,10 @@
         </p:sp>
         <p:sp>
           <p:nvSpPr>
-            <p:cNvPr id="43" name="Google Shape;1019;p59">
+            <p:cNvPr id="9" name="Google Shape;1019;p59">
               <a:extLst>
                 <a:ext uri="{FF2B5EF4-FFF2-40B4-BE49-F238E27FC236}">
-                  <a16:creationId xmlns:a16="http://schemas.microsoft.com/office/drawing/2014/main" id="{BC97BAEC-834E-427A-A378-F80D2B0679E4}"/>
+                  <a16:creationId xmlns:a16="http://schemas.microsoft.com/office/drawing/2014/main" id="{2BF5DAA0-C46E-40D0-BCA4-D3E3FF1B6BCF}"/>
                 </a:ext>
               </a:extLst>
             </p:cNvPr>
@@ -20569,10 +19288,10 @@
         </p:sp>
         <p:sp>
           <p:nvSpPr>
-            <p:cNvPr id="44" name="Google Shape;1020;p59">
+            <p:cNvPr id="10" name="Google Shape;1020;p59">
               <a:extLst>
                 <a:ext uri="{FF2B5EF4-FFF2-40B4-BE49-F238E27FC236}">
-                  <a16:creationId xmlns:a16="http://schemas.microsoft.com/office/drawing/2014/main" id="{01B78130-B470-4244-BF32-0ABB8F93F1E9}"/>
+                  <a16:creationId xmlns:a16="http://schemas.microsoft.com/office/drawing/2014/main" id="{592A3EE7-00CE-4C18-8C0F-07A0AD3D9970}"/>
                 </a:ext>
               </a:extLst>
             </p:cNvPr>
@@ -20689,10 +19408,10 @@
         </p:sp>
         <p:sp>
           <p:nvSpPr>
-            <p:cNvPr id="45" name="Google Shape;1021;p59">
+            <p:cNvPr id="11" name="Google Shape;1021;p59">
               <a:extLst>
                 <a:ext uri="{FF2B5EF4-FFF2-40B4-BE49-F238E27FC236}">
-                  <a16:creationId xmlns:a16="http://schemas.microsoft.com/office/drawing/2014/main" id="{5BC6858F-1598-4F86-A5AE-8DAFA505A878}"/>
+                  <a16:creationId xmlns:a16="http://schemas.microsoft.com/office/drawing/2014/main" id="{EA987B7D-C4C5-4C6F-B686-4A8EB5AEB147}"/>
                 </a:ext>
               </a:extLst>
             </p:cNvPr>
@@ -20749,10 +19468,10 @@
         </p:sp>
         <p:sp>
           <p:nvSpPr>
-            <p:cNvPr id="46" name="Google Shape;1022;p59">
+            <p:cNvPr id="12" name="Google Shape;1022;p59">
               <a:extLst>
                 <a:ext uri="{FF2B5EF4-FFF2-40B4-BE49-F238E27FC236}">
-                  <a16:creationId xmlns:a16="http://schemas.microsoft.com/office/drawing/2014/main" id="{CA100B27-D958-4C41-96EC-B54B4DDB4B6E}"/>
+                  <a16:creationId xmlns:a16="http://schemas.microsoft.com/office/drawing/2014/main" id="{7635353D-9A55-46B5-9CE1-CF7CF57F19EE}"/>
                 </a:ext>
               </a:extLst>
             </p:cNvPr>
@@ -20815,1029 +19534,12 @@
           </p:txBody>
         </p:sp>
       </p:grpSp>
-    </p:spTree>
-    <p:extLst>
-      <p:ext uri="{BB962C8B-B14F-4D97-AF65-F5344CB8AC3E}">
-        <p14:creationId xmlns:p14="http://schemas.microsoft.com/office/powerpoint/2010/main" val="2910018379"/>
-      </p:ext>
-    </p:extLst>
-  </p:cSld>
-  <p:clrMapOvr>
-    <a:masterClrMapping/>
-  </p:clrMapOvr>
-</p:sld>
-</file>
-
-<file path=ppt/slides/slide8.xml><?xml version="1.0" encoding="utf-8"?>
-<p:sld xmlns:a="http://schemas.openxmlformats.org/drawingml/2006/main" xmlns:r="http://schemas.openxmlformats.org/officeDocument/2006/relationships" xmlns:p="http://schemas.openxmlformats.org/presentationml/2006/main">
-  <p:cSld>
-    <p:spTree>
-      <p:nvGrpSpPr>
-        <p:cNvPr id="1" name="Shape 207"/>
-        <p:cNvGrpSpPr/>
-        <p:nvPr/>
-      </p:nvGrpSpPr>
-      <p:grpSpPr>
-        <a:xfrm>
-          <a:off x="0" y="0"/>
-          <a:ext cx="0" cy="0"/>
-          <a:chOff x="0" y="0"/>
-          <a:chExt cx="0" cy="0"/>
-        </a:xfrm>
-      </p:grpSpPr>
-      <p:sp>
-        <p:nvSpPr>
-          <p:cNvPr id="7" name="Retângulo 6">
+      <p:pic>
+        <p:nvPicPr>
+          <p:cNvPr id="4" name="Imagem 3">
             <a:extLst>
               <a:ext uri="{FF2B5EF4-FFF2-40B4-BE49-F238E27FC236}">
-                <a16:creationId xmlns:a16="http://schemas.microsoft.com/office/drawing/2014/main" id="{D0786098-15A6-4175-AF04-66681EB27577}"/>
-              </a:ext>
-            </a:extLst>
-          </p:cNvPr>
-          <p:cNvSpPr/>
-          <p:nvPr/>
-        </p:nvSpPr>
-        <p:spPr>
-          <a:xfrm>
-            <a:off x="0" y="0"/>
-            <a:ext cx="9144000" cy="5143500"/>
-          </a:xfrm>
-          <a:prstGeom prst="rect">
-            <a:avLst/>
-          </a:prstGeom>
-          <a:solidFill>
-            <a:schemeClr val="bg1">
-              <a:lumMod val="95000"/>
-            </a:schemeClr>
-          </a:solidFill>
-          <a:ln>
-            <a:noFill/>
-          </a:ln>
-        </p:spPr>
-        <p:style>
-          <a:lnRef idx="2">
-            <a:schemeClr val="accent1">
-              <a:shade val="50000"/>
-            </a:schemeClr>
-          </a:lnRef>
-          <a:fillRef idx="1">
-            <a:schemeClr val="accent1"/>
-          </a:fillRef>
-          <a:effectRef idx="0">
-            <a:schemeClr val="accent1"/>
-          </a:effectRef>
-          <a:fontRef idx="minor">
-            <a:schemeClr val="lt1"/>
-          </a:fontRef>
-        </p:style>
-        <p:txBody>
-          <a:bodyPr rtlCol="0" anchor="ctr"/>
-          <a:lstStyle/>
-          <a:p>
-            <a:pPr algn="ctr"/>
-            <a:endParaRPr lang="pt-BR"/>
-          </a:p>
-        </p:txBody>
-      </p:sp>
-      <p:sp>
-        <p:nvSpPr>
-          <p:cNvPr id="209" name="Google Shape;209;p34"/>
-          <p:cNvSpPr txBox="1">
-            <a:spLocks noGrp="1"/>
-          </p:cNvSpPr>
-          <p:nvPr>
-            <p:ph type="ctrTitle"/>
-          </p:nvPr>
-        </p:nvSpPr>
-        <p:spPr>
-          <a:xfrm>
-            <a:off x="0" y="131563"/>
-            <a:ext cx="3843892" cy="602065"/>
-          </a:xfrm>
-          <a:prstGeom prst="rect">
-            <a:avLst/>
-          </a:prstGeom>
-        </p:spPr>
-        <p:txBody>
-          <a:bodyPr spcFirstLastPara="1" wrap="square" lIns="91425" tIns="91425" rIns="91425" bIns="91425" anchor="b" anchorCtr="0">
-            <a:noAutofit/>
-          </a:bodyPr>
-          <a:lstStyle/>
-          <a:p>
-            <a:pPr marL="0" lvl="0" indent="0" algn="ctr" rtl="0">
-              <a:spcBef>
-                <a:spcPts val="0"/>
-              </a:spcBef>
-              <a:spcAft>
-                <a:spcPts val="0"/>
-              </a:spcAft>
-              <a:buNone/>
-            </a:pPr>
-            <a:r>
-              <a:rPr lang="pt-BR" sz="2800" dirty="0">
-                <a:solidFill>
-                  <a:srgbClr val="316321"/>
-                </a:solidFill>
-              </a:rPr>
-              <a:t>Tela de Cadastro</a:t>
-            </a:r>
-            <a:endParaRPr sz="2800" dirty="0">
-              <a:solidFill>
-                <a:srgbClr val="316321"/>
-              </a:solidFill>
-            </a:endParaRPr>
-          </a:p>
-        </p:txBody>
-      </p:sp>
-      <p:sp>
-        <p:nvSpPr>
-          <p:cNvPr id="13" name="Retângulo 12">
-            <a:extLst>
-              <a:ext uri="{FF2B5EF4-FFF2-40B4-BE49-F238E27FC236}">
-                <a16:creationId xmlns:a16="http://schemas.microsoft.com/office/drawing/2014/main" id="{B6D28B32-B53D-4FA4-B8EA-7409C5341FC0}"/>
-              </a:ext>
-            </a:extLst>
-          </p:cNvPr>
-          <p:cNvSpPr/>
-          <p:nvPr/>
-        </p:nvSpPr>
-        <p:spPr>
-          <a:xfrm flipH="1">
-            <a:off x="3662305" y="-4956"/>
-            <a:ext cx="45719" cy="738584"/>
-          </a:xfrm>
-          <a:prstGeom prst="rect">
-            <a:avLst/>
-          </a:prstGeom>
-          <a:solidFill>
-            <a:srgbClr val="316321"/>
-          </a:solidFill>
-          <a:ln>
-            <a:noFill/>
-          </a:ln>
-        </p:spPr>
-        <p:style>
-          <a:lnRef idx="2">
-            <a:schemeClr val="accent1">
-              <a:shade val="50000"/>
-            </a:schemeClr>
-          </a:lnRef>
-          <a:fillRef idx="1">
-            <a:schemeClr val="accent1"/>
-          </a:fillRef>
-          <a:effectRef idx="0">
-            <a:schemeClr val="accent1"/>
-          </a:effectRef>
-          <a:fontRef idx="minor">
-            <a:schemeClr val="lt1"/>
-          </a:fontRef>
-        </p:style>
-        <p:txBody>
-          <a:bodyPr rtlCol="0" anchor="ctr"/>
-          <a:lstStyle/>
-          <a:p>
-            <a:pPr algn="ctr"/>
-            <a:endParaRPr lang="pt-BR"/>
-          </a:p>
-        </p:txBody>
-      </p:sp>
-      <p:grpSp>
-        <p:nvGrpSpPr>
-          <p:cNvPr id="40" name="Google Shape;1016;p59">
-            <a:extLst>
-              <a:ext uri="{FF2B5EF4-FFF2-40B4-BE49-F238E27FC236}">
-                <a16:creationId xmlns:a16="http://schemas.microsoft.com/office/drawing/2014/main" id="{9EDA7C21-0B8C-425F-A230-B15E64F4E31B}"/>
-              </a:ext>
-            </a:extLst>
-          </p:cNvPr>
-          <p:cNvGrpSpPr/>
-          <p:nvPr/>
-        </p:nvGrpSpPr>
-        <p:grpSpPr>
-          <a:xfrm>
-            <a:off x="1539688" y="1049357"/>
-            <a:ext cx="6158753" cy="4006737"/>
-            <a:chOff x="238125" y="1973675"/>
-            <a:chExt cx="2558775" cy="1951825"/>
-          </a:xfrm>
-        </p:grpSpPr>
-        <p:sp>
-          <p:nvSpPr>
-            <p:cNvPr id="41" name="Google Shape;1017;p59">
-              <a:extLst>
-                <a:ext uri="{FF2B5EF4-FFF2-40B4-BE49-F238E27FC236}">
-                  <a16:creationId xmlns:a16="http://schemas.microsoft.com/office/drawing/2014/main" id="{58C9EC2C-BA67-40AE-B463-378EAE522429}"/>
-                </a:ext>
-              </a:extLst>
-            </p:cNvPr>
-            <p:cNvSpPr/>
-            <p:nvPr/>
-          </p:nvSpPr>
-          <p:spPr>
-            <a:xfrm>
-              <a:off x="325550" y="2055000"/>
-              <a:ext cx="2386075" cy="1459975"/>
-            </a:xfrm>
-            <a:custGeom>
-              <a:avLst/>
-              <a:gdLst/>
-              <a:ahLst/>
-              <a:cxnLst/>
-              <a:rect l="l" t="t" r="r" b="b"/>
-              <a:pathLst>
-                <a:path w="95443" h="58399" extrusionOk="0">
-                  <a:moveTo>
-                    <a:pt x="94925" y="516"/>
-                  </a:moveTo>
-                  <a:lnTo>
-                    <a:pt x="94925" y="57881"/>
-                  </a:lnTo>
-                  <a:lnTo>
-                    <a:pt x="518" y="57881"/>
-                  </a:lnTo>
-                  <a:lnTo>
-                    <a:pt x="518" y="516"/>
-                  </a:lnTo>
-                  <a:close/>
-                  <a:moveTo>
-                    <a:pt x="260" y="0"/>
-                  </a:moveTo>
-                  <a:cubicBezTo>
-                    <a:pt x="118" y="0"/>
-                    <a:pt x="1" y="115"/>
-                    <a:pt x="1" y="259"/>
-                  </a:cubicBezTo>
-                  <a:lnTo>
-                    <a:pt x="1" y="58140"/>
-                  </a:lnTo>
-                  <a:cubicBezTo>
-                    <a:pt x="1" y="58282"/>
-                    <a:pt x="118" y="58399"/>
-                    <a:pt x="260" y="58399"/>
-                  </a:cubicBezTo>
-                  <a:lnTo>
-                    <a:pt x="95184" y="58399"/>
-                  </a:lnTo>
-                  <a:cubicBezTo>
-                    <a:pt x="95326" y="58399"/>
-                    <a:pt x="95441" y="58282"/>
-                    <a:pt x="95441" y="58140"/>
-                  </a:cubicBezTo>
-                  <a:lnTo>
-                    <a:pt x="95441" y="259"/>
-                  </a:lnTo>
-                  <a:cubicBezTo>
-                    <a:pt x="95442" y="115"/>
-                    <a:pt x="95326" y="0"/>
-                    <a:pt x="95184" y="0"/>
-                  </a:cubicBezTo>
-                  <a:close/>
-                </a:path>
-              </a:pathLst>
-            </a:custGeom>
-            <a:solidFill>
-              <a:schemeClr val="accent1"/>
-            </a:solidFill>
-            <a:ln>
-              <a:noFill/>
-            </a:ln>
-          </p:spPr>
-          <p:txBody>
-            <a:bodyPr spcFirstLastPara="1" wrap="square" lIns="91425" tIns="91425" rIns="91425" bIns="91425" anchor="ctr" anchorCtr="0">
-              <a:noAutofit/>
-            </a:bodyPr>
-            <a:lstStyle/>
-            <a:p>
-              <a:pPr marL="0" lvl="0" indent="0" algn="l" rtl="0">
-                <a:spcBef>
-                  <a:spcPts val="0"/>
-                </a:spcBef>
-                <a:spcAft>
-                  <a:spcPts val="0"/>
-                </a:spcAft>
-                <a:buNone/>
-              </a:pPr>
-              <a:endParaRPr/>
-            </a:p>
-          </p:txBody>
-        </p:sp>
-        <p:sp>
-          <p:nvSpPr>
-            <p:cNvPr id="42" name="Google Shape;1018;p59">
-              <a:extLst>
-                <a:ext uri="{FF2B5EF4-FFF2-40B4-BE49-F238E27FC236}">
-                  <a16:creationId xmlns:a16="http://schemas.microsoft.com/office/drawing/2014/main" id="{1A9D8B76-E5AC-40F8-A281-28455B6C8E4F}"/>
-                </a:ext>
-              </a:extLst>
-            </p:cNvPr>
-            <p:cNvSpPr/>
-            <p:nvPr/>
-          </p:nvSpPr>
-          <p:spPr>
-            <a:xfrm>
-              <a:off x="1075325" y="3589700"/>
-              <a:ext cx="884075" cy="335800"/>
-            </a:xfrm>
-            <a:custGeom>
-              <a:avLst/>
-              <a:gdLst/>
-              <a:ahLst/>
-              <a:cxnLst/>
-              <a:rect l="l" t="t" r="r" b="b"/>
-              <a:pathLst>
-                <a:path w="35363" h="13432" extrusionOk="0">
-                  <a:moveTo>
-                    <a:pt x="28176" y="0"/>
-                  </a:moveTo>
-                  <a:cubicBezTo>
-                    <a:pt x="28078" y="0"/>
-                    <a:pt x="27996" y="34"/>
-                    <a:pt x="27932" y="102"/>
-                  </a:cubicBezTo>
-                  <a:cubicBezTo>
-                    <a:pt x="27790" y="253"/>
-                    <a:pt x="27790" y="509"/>
-                    <a:pt x="27932" y="1118"/>
-                  </a:cubicBezTo>
-                  <a:cubicBezTo>
-                    <a:pt x="27985" y="1344"/>
-                    <a:pt x="28047" y="1651"/>
-                    <a:pt x="28119" y="2009"/>
-                  </a:cubicBezTo>
-                  <a:cubicBezTo>
-                    <a:pt x="28420" y="3516"/>
-                    <a:pt x="28876" y="5791"/>
-                    <a:pt x="29651" y="7179"/>
-                  </a:cubicBezTo>
-                  <a:cubicBezTo>
-                    <a:pt x="30394" y="8514"/>
-                    <a:pt x="31835" y="9775"/>
-                    <a:pt x="32886" y="10698"/>
-                  </a:cubicBezTo>
-                  <a:cubicBezTo>
-                    <a:pt x="33194" y="10968"/>
-                    <a:pt x="33463" y="11203"/>
-                    <a:pt x="33660" y="11396"/>
-                  </a:cubicBezTo>
-                  <a:cubicBezTo>
-                    <a:pt x="34197" y="11917"/>
-                    <a:pt x="34530" y="12027"/>
-                    <a:pt x="34711" y="12085"/>
-                  </a:cubicBezTo>
-                  <a:cubicBezTo>
-                    <a:pt x="34724" y="12089"/>
-                    <a:pt x="34738" y="12094"/>
-                    <a:pt x="34750" y="12098"/>
-                  </a:cubicBezTo>
-                  <a:cubicBezTo>
-                    <a:pt x="34781" y="12255"/>
-                    <a:pt x="34798" y="12433"/>
-                    <a:pt x="34708" y="12569"/>
-                  </a:cubicBezTo>
-                  <a:cubicBezTo>
-                    <a:pt x="34621" y="12698"/>
-                    <a:pt x="34443" y="12789"/>
-                    <a:pt x="34176" y="12841"/>
-                  </a:cubicBezTo>
-                  <a:cubicBezTo>
-                    <a:pt x="33894" y="12897"/>
-                    <a:pt x="33576" y="12915"/>
-                    <a:pt x="33188" y="12915"/>
-                  </a:cubicBezTo>
-                  <a:cubicBezTo>
-                    <a:pt x="32866" y="12915"/>
-                    <a:pt x="32496" y="12902"/>
-                    <a:pt x="32057" y="12888"/>
-                  </a:cubicBezTo>
-                  <a:cubicBezTo>
-                    <a:pt x="31412" y="12865"/>
-                    <a:pt x="30607" y="12837"/>
-                    <a:pt x="29586" y="12837"/>
-                  </a:cubicBezTo>
-                  <a:lnTo>
-                    <a:pt x="8800" y="12837"/>
-                  </a:lnTo>
-                  <a:cubicBezTo>
-                    <a:pt x="7800" y="12837"/>
-                    <a:pt x="6833" y="12841"/>
-                    <a:pt x="5939" y="12847"/>
-                  </a:cubicBezTo>
-                  <a:cubicBezTo>
-                    <a:pt x="5199" y="12851"/>
-                    <a:pt x="4507" y="12855"/>
-                    <a:pt x="3887" y="12855"/>
-                  </a:cubicBezTo>
-                  <a:cubicBezTo>
-                    <a:pt x="3179" y="12855"/>
-                    <a:pt x="2567" y="12850"/>
-                    <a:pt x="2090" y="12837"/>
-                  </a:cubicBezTo>
-                  <a:lnTo>
-                    <a:pt x="1783" y="12828"/>
-                  </a:lnTo>
-                  <a:cubicBezTo>
-                    <a:pt x="706" y="12798"/>
-                    <a:pt x="700" y="12793"/>
-                    <a:pt x="570" y="12668"/>
-                  </a:cubicBezTo>
-                  <a:cubicBezTo>
-                    <a:pt x="526" y="12627"/>
-                    <a:pt x="520" y="12598"/>
-                    <a:pt x="520" y="12571"/>
-                  </a:cubicBezTo>
-                  <a:cubicBezTo>
-                    <a:pt x="520" y="12511"/>
-                    <a:pt x="556" y="12333"/>
-                    <a:pt x="912" y="11971"/>
-                  </a:cubicBezTo>
-                  <a:cubicBezTo>
-                    <a:pt x="1108" y="11772"/>
-                    <a:pt x="1452" y="11550"/>
-                    <a:pt x="1848" y="11293"/>
-                  </a:cubicBezTo>
-                  <a:cubicBezTo>
-                    <a:pt x="2410" y="10928"/>
-                    <a:pt x="3111" y="10473"/>
-                    <a:pt x="3670" y="9890"/>
-                  </a:cubicBezTo>
-                  <a:lnTo>
-                    <a:pt x="4006" y="9544"/>
-                  </a:lnTo>
-                  <a:cubicBezTo>
-                    <a:pt x="4870" y="8657"/>
-                    <a:pt x="5947" y="7555"/>
-                    <a:pt x="6528" y="6084"/>
-                  </a:cubicBezTo>
-                  <a:cubicBezTo>
-                    <a:pt x="7009" y="4866"/>
-                    <a:pt x="7250" y="2705"/>
-                    <a:pt x="7410" y="1274"/>
-                  </a:cubicBezTo>
-                  <a:cubicBezTo>
-                    <a:pt x="7465" y="775"/>
-                    <a:pt x="7515" y="343"/>
-                    <a:pt x="7558" y="87"/>
-                  </a:cubicBezTo>
-                  <a:lnTo>
-                    <a:pt x="7048" y="0"/>
-                  </a:lnTo>
-                  <a:cubicBezTo>
-                    <a:pt x="7002" y="269"/>
-                    <a:pt x="6956" y="688"/>
-                    <a:pt x="6896" y="1217"/>
-                  </a:cubicBezTo>
-                  <a:cubicBezTo>
-                    <a:pt x="6739" y="2621"/>
-                    <a:pt x="6503" y="4741"/>
-                    <a:pt x="6047" y="5895"/>
-                  </a:cubicBezTo>
-                  <a:cubicBezTo>
-                    <a:pt x="5506" y="7268"/>
-                    <a:pt x="4512" y="8286"/>
-                    <a:pt x="3637" y="9183"/>
-                  </a:cubicBezTo>
-                  <a:lnTo>
-                    <a:pt x="3298" y="9533"/>
-                  </a:lnTo>
-                  <a:cubicBezTo>
-                    <a:pt x="2779" y="10073"/>
-                    <a:pt x="2136" y="10490"/>
-                    <a:pt x="1568" y="10859"/>
-                  </a:cubicBezTo>
-                  <a:cubicBezTo>
-                    <a:pt x="1145" y="11133"/>
-                    <a:pt x="780" y="11369"/>
-                    <a:pt x="546" y="11608"/>
-                  </a:cubicBezTo>
-                  <a:cubicBezTo>
-                    <a:pt x="172" y="11988"/>
-                    <a:pt x="0" y="12296"/>
-                    <a:pt x="5" y="12578"/>
-                  </a:cubicBezTo>
-                  <a:cubicBezTo>
-                    <a:pt x="6" y="12752"/>
-                    <a:pt x="78" y="12911"/>
-                    <a:pt x="211" y="13040"/>
-                  </a:cubicBezTo>
-                  <a:cubicBezTo>
-                    <a:pt x="492" y="13309"/>
-                    <a:pt x="611" y="13312"/>
-                    <a:pt x="1770" y="13345"/>
-                  </a:cubicBezTo>
-                  <a:lnTo>
-                    <a:pt x="2075" y="13354"/>
-                  </a:lnTo>
-                  <a:cubicBezTo>
-                    <a:pt x="2547" y="13367"/>
-                    <a:pt x="3149" y="13372"/>
-                    <a:pt x="3843" y="13372"/>
-                  </a:cubicBezTo>
-                  <a:cubicBezTo>
-                    <a:pt x="4476" y="13372"/>
-                    <a:pt x="5185" y="13368"/>
-                    <a:pt x="5944" y="13364"/>
-                  </a:cubicBezTo>
-                  <a:cubicBezTo>
-                    <a:pt x="6836" y="13358"/>
-                    <a:pt x="7802" y="13354"/>
-                    <a:pt x="8802" y="13354"/>
-                  </a:cubicBezTo>
-                  <a:lnTo>
-                    <a:pt x="29586" y="13354"/>
-                  </a:lnTo>
-                  <a:cubicBezTo>
-                    <a:pt x="30598" y="13354"/>
-                    <a:pt x="31397" y="13381"/>
-                    <a:pt x="32040" y="13403"/>
-                  </a:cubicBezTo>
-                  <a:cubicBezTo>
-                    <a:pt x="32484" y="13420"/>
-                    <a:pt x="32860" y="13432"/>
-                    <a:pt x="33192" y="13432"/>
-                  </a:cubicBezTo>
-                  <a:cubicBezTo>
-                    <a:pt x="33609" y="13432"/>
-                    <a:pt x="33956" y="13412"/>
-                    <a:pt x="34274" y="13348"/>
-                  </a:cubicBezTo>
-                  <a:cubicBezTo>
-                    <a:pt x="34682" y="13269"/>
-                    <a:pt x="34972" y="13103"/>
-                    <a:pt x="35137" y="12856"/>
-                  </a:cubicBezTo>
-                  <a:cubicBezTo>
-                    <a:pt x="35363" y="12517"/>
-                    <a:pt x="35282" y="12127"/>
-                    <a:pt x="35252" y="11980"/>
-                  </a:cubicBezTo>
-                  <a:cubicBezTo>
-                    <a:pt x="35195" y="11701"/>
-                    <a:pt x="35007" y="11639"/>
-                    <a:pt x="34871" y="11593"/>
-                  </a:cubicBezTo>
-                  <a:cubicBezTo>
-                    <a:pt x="34721" y="11545"/>
-                    <a:pt x="34470" y="11463"/>
-                    <a:pt x="34019" y="11025"/>
-                  </a:cubicBezTo>
-                  <a:cubicBezTo>
-                    <a:pt x="33815" y="10828"/>
-                    <a:pt x="33540" y="10585"/>
-                    <a:pt x="33225" y="10309"/>
-                  </a:cubicBezTo>
-                  <a:cubicBezTo>
-                    <a:pt x="32202" y="9412"/>
-                    <a:pt x="30800" y="8183"/>
-                    <a:pt x="30101" y="6928"/>
-                  </a:cubicBezTo>
-                  <a:cubicBezTo>
-                    <a:pt x="29367" y="5611"/>
-                    <a:pt x="28902" y="3294"/>
-                    <a:pt x="28625" y="1909"/>
-                  </a:cubicBezTo>
-                  <a:cubicBezTo>
-                    <a:pt x="28552" y="1542"/>
-                    <a:pt x="28489" y="1231"/>
-                    <a:pt x="28435" y="1000"/>
-                  </a:cubicBezTo>
-                  <a:cubicBezTo>
-                    <a:pt x="28376" y="749"/>
-                    <a:pt x="28353" y="598"/>
-                    <a:pt x="28346" y="510"/>
-                  </a:cubicBezTo>
-                  <a:cubicBezTo>
-                    <a:pt x="28373" y="500"/>
-                    <a:pt x="28400" y="486"/>
-                    <a:pt x="28422" y="468"/>
-                  </a:cubicBezTo>
-                  <a:lnTo>
-                    <a:pt x="28537" y="268"/>
-                  </a:lnTo>
-                  <a:lnTo>
-                    <a:pt x="28247" y="234"/>
-                  </a:lnTo>
-                  <a:lnTo>
-                    <a:pt x="28111" y="56"/>
-                  </a:lnTo>
-                  <a:cubicBezTo>
-                    <a:pt x="28153" y="24"/>
-                    <a:pt x="28202" y="8"/>
-                    <a:pt x="28254" y="8"/>
-                  </a:cubicBezTo>
-                  <a:cubicBezTo>
-                    <a:pt x="28256" y="8"/>
-                    <a:pt x="28258" y="8"/>
-                    <a:pt x="28261" y="8"/>
-                  </a:cubicBezTo>
-                  <a:cubicBezTo>
-                    <a:pt x="28231" y="3"/>
-                    <a:pt x="28203" y="0"/>
-                    <a:pt x="28176" y="0"/>
-                  </a:cubicBezTo>
-                  <a:close/>
-                </a:path>
-              </a:pathLst>
-            </a:custGeom>
-            <a:solidFill>
-              <a:schemeClr val="accent1"/>
-            </a:solidFill>
-            <a:ln>
-              <a:noFill/>
-            </a:ln>
-          </p:spPr>
-          <p:txBody>
-            <a:bodyPr spcFirstLastPara="1" wrap="square" lIns="91425" tIns="91425" rIns="91425" bIns="91425" anchor="ctr" anchorCtr="0">
-              <a:noAutofit/>
-            </a:bodyPr>
-            <a:lstStyle/>
-            <a:p>
-              <a:pPr marL="0" lvl="0" indent="0" algn="l" rtl="0">
-                <a:spcBef>
-                  <a:spcPts val="0"/>
-                </a:spcBef>
-                <a:spcAft>
-                  <a:spcPts val="0"/>
-                </a:spcAft>
-                <a:buNone/>
-              </a:pPr>
-              <a:endParaRPr/>
-            </a:p>
-          </p:txBody>
-        </p:sp>
-        <p:sp>
-          <p:nvSpPr>
-            <p:cNvPr id="43" name="Google Shape;1019;p59">
-              <a:extLst>
-                <a:ext uri="{FF2B5EF4-FFF2-40B4-BE49-F238E27FC236}">
-                  <a16:creationId xmlns:a16="http://schemas.microsoft.com/office/drawing/2014/main" id="{BC97BAEC-834E-427A-A378-F80D2B0679E4}"/>
-                </a:ext>
-              </a:extLst>
-            </p:cNvPr>
-            <p:cNvSpPr/>
-            <p:nvPr/>
-          </p:nvSpPr>
-          <p:spPr>
-            <a:xfrm>
-              <a:off x="238125" y="1973675"/>
-              <a:ext cx="2558775" cy="1623600"/>
-            </a:xfrm>
-            <a:custGeom>
-              <a:avLst/>
-              <a:gdLst/>
-              <a:ahLst/>
-              <a:cxnLst/>
-              <a:rect l="l" t="t" r="r" b="b"/>
-              <a:pathLst>
-                <a:path w="102351" h="64944" extrusionOk="0">
-                  <a:moveTo>
-                    <a:pt x="99608" y="516"/>
-                  </a:moveTo>
-                  <a:cubicBezTo>
-                    <a:pt x="100838" y="516"/>
-                    <a:pt x="101835" y="1513"/>
-                    <a:pt x="101835" y="2744"/>
-                  </a:cubicBezTo>
-                  <a:lnTo>
-                    <a:pt x="101835" y="62200"/>
-                  </a:lnTo>
-                  <a:cubicBezTo>
-                    <a:pt x="101833" y="63429"/>
-                    <a:pt x="100836" y="64425"/>
-                    <a:pt x="99608" y="64426"/>
-                  </a:cubicBezTo>
-                  <a:lnTo>
-                    <a:pt x="2743" y="64426"/>
-                  </a:lnTo>
-                  <a:cubicBezTo>
-                    <a:pt x="1514" y="64425"/>
-                    <a:pt x="519" y="63429"/>
-                    <a:pt x="517" y="62200"/>
-                  </a:cubicBezTo>
-                  <a:lnTo>
-                    <a:pt x="517" y="2744"/>
-                  </a:lnTo>
-                  <a:cubicBezTo>
-                    <a:pt x="519" y="1515"/>
-                    <a:pt x="1514" y="518"/>
-                    <a:pt x="2743" y="516"/>
-                  </a:cubicBezTo>
-                  <a:close/>
-                  <a:moveTo>
-                    <a:pt x="2743" y="1"/>
-                  </a:moveTo>
-                  <a:cubicBezTo>
-                    <a:pt x="1230" y="1"/>
-                    <a:pt x="0" y="1229"/>
-                    <a:pt x="0" y="2744"/>
-                  </a:cubicBezTo>
-                  <a:lnTo>
-                    <a:pt x="0" y="62200"/>
-                  </a:lnTo>
-                  <a:cubicBezTo>
-                    <a:pt x="0" y="63713"/>
-                    <a:pt x="1230" y="64943"/>
-                    <a:pt x="2743" y="64943"/>
-                  </a:cubicBezTo>
-                  <a:lnTo>
-                    <a:pt x="99608" y="64943"/>
-                  </a:lnTo>
-                  <a:cubicBezTo>
-                    <a:pt x="101120" y="64943"/>
-                    <a:pt x="102351" y="63713"/>
-                    <a:pt x="102351" y="62200"/>
-                  </a:cubicBezTo>
-                  <a:lnTo>
-                    <a:pt x="102351" y="2744"/>
-                  </a:lnTo>
-                  <a:cubicBezTo>
-                    <a:pt x="102351" y="1228"/>
-                    <a:pt x="101123" y="1"/>
-                    <a:pt x="99608" y="1"/>
-                  </a:cubicBezTo>
-                  <a:close/>
-                </a:path>
-              </a:pathLst>
-            </a:custGeom>
-            <a:solidFill>
-              <a:schemeClr val="accent1"/>
-            </a:solidFill>
-            <a:ln>
-              <a:noFill/>
-            </a:ln>
-          </p:spPr>
-          <p:txBody>
-            <a:bodyPr spcFirstLastPara="1" wrap="square" lIns="91425" tIns="91425" rIns="91425" bIns="91425" anchor="ctr" anchorCtr="0">
-              <a:noAutofit/>
-            </a:bodyPr>
-            <a:lstStyle/>
-            <a:p>
-              <a:pPr marL="0" lvl="0" indent="0" algn="l" rtl="0">
-                <a:spcBef>
-                  <a:spcPts val="0"/>
-                </a:spcBef>
-                <a:spcAft>
-                  <a:spcPts val="0"/>
-                </a:spcAft>
-                <a:buNone/>
-              </a:pPr>
-              <a:endParaRPr/>
-            </a:p>
-          </p:txBody>
-        </p:sp>
-        <p:sp>
-          <p:nvSpPr>
-            <p:cNvPr id="44" name="Google Shape;1020;p59">
-              <a:extLst>
-                <a:ext uri="{FF2B5EF4-FFF2-40B4-BE49-F238E27FC236}">
-                  <a16:creationId xmlns:a16="http://schemas.microsoft.com/office/drawing/2014/main" id="{01B78130-B470-4244-BF32-0ABB8F93F1E9}"/>
-                </a:ext>
-              </a:extLst>
-            </p:cNvPr>
-            <p:cNvSpPr/>
-            <p:nvPr/>
-          </p:nvSpPr>
-          <p:spPr>
-            <a:xfrm>
-              <a:off x="255425" y="1991200"/>
-              <a:ext cx="2524175" cy="1588500"/>
-            </a:xfrm>
-            <a:custGeom>
-              <a:avLst/>
-              <a:gdLst/>
-              <a:ahLst/>
-              <a:cxnLst/>
-              <a:rect l="l" t="t" r="r" b="b"/>
-              <a:pathLst>
-                <a:path w="100967" h="63540" extrusionOk="0">
-                  <a:moveTo>
-                    <a:pt x="98640" y="518"/>
-                  </a:moveTo>
-                  <a:cubicBezTo>
-                    <a:pt x="99639" y="518"/>
-                    <a:pt x="100449" y="1328"/>
-                    <a:pt x="100449" y="2328"/>
-                  </a:cubicBezTo>
-                  <a:lnTo>
-                    <a:pt x="100449" y="61214"/>
-                  </a:lnTo>
-                  <a:cubicBezTo>
-                    <a:pt x="100448" y="62212"/>
-                    <a:pt x="99639" y="63022"/>
-                    <a:pt x="98640" y="63024"/>
-                  </a:cubicBezTo>
-                  <a:lnTo>
-                    <a:pt x="2328" y="63024"/>
-                  </a:lnTo>
-                  <a:cubicBezTo>
-                    <a:pt x="1328" y="63022"/>
-                    <a:pt x="519" y="62212"/>
-                    <a:pt x="517" y="61214"/>
-                  </a:cubicBezTo>
-                  <a:lnTo>
-                    <a:pt x="517" y="2328"/>
-                  </a:lnTo>
-                  <a:cubicBezTo>
-                    <a:pt x="519" y="1328"/>
-                    <a:pt x="1328" y="519"/>
-                    <a:pt x="2328" y="518"/>
-                  </a:cubicBezTo>
-                  <a:close/>
-                  <a:moveTo>
-                    <a:pt x="2328" y="1"/>
-                  </a:moveTo>
-                  <a:cubicBezTo>
-                    <a:pt x="1042" y="2"/>
-                    <a:pt x="2" y="1043"/>
-                    <a:pt x="0" y="2328"/>
-                  </a:cubicBezTo>
-                  <a:lnTo>
-                    <a:pt x="0" y="61214"/>
-                  </a:lnTo>
-                  <a:cubicBezTo>
-                    <a:pt x="2" y="62498"/>
-                    <a:pt x="1042" y="63538"/>
-                    <a:pt x="2328" y="63540"/>
-                  </a:cubicBezTo>
-                  <a:lnTo>
-                    <a:pt x="98640" y="63540"/>
-                  </a:lnTo>
-                  <a:cubicBezTo>
-                    <a:pt x="99925" y="63538"/>
-                    <a:pt x="100965" y="62498"/>
-                    <a:pt x="100967" y="61214"/>
-                  </a:cubicBezTo>
-                  <a:lnTo>
-                    <a:pt x="100967" y="2328"/>
-                  </a:lnTo>
-                  <a:cubicBezTo>
-                    <a:pt x="100967" y="1043"/>
-                    <a:pt x="99925" y="1"/>
-                    <a:pt x="98640" y="1"/>
-                  </a:cubicBezTo>
-                  <a:close/>
-                </a:path>
-              </a:pathLst>
-            </a:custGeom>
-            <a:solidFill>
-              <a:schemeClr val="accent1"/>
-            </a:solidFill>
-            <a:ln>
-              <a:noFill/>
-            </a:ln>
-          </p:spPr>
-          <p:txBody>
-            <a:bodyPr spcFirstLastPara="1" wrap="square" lIns="91425" tIns="91425" rIns="91425" bIns="91425" anchor="ctr" anchorCtr="0">
-              <a:noAutofit/>
-            </a:bodyPr>
-            <a:lstStyle/>
-            <a:p>
-              <a:pPr marL="0" lvl="0" indent="0" algn="l" rtl="0">
-                <a:spcBef>
-                  <a:spcPts val="0"/>
-                </a:spcBef>
-                <a:spcAft>
-                  <a:spcPts val="0"/>
-                </a:spcAft>
-                <a:buNone/>
-              </a:pPr>
-              <a:endParaRPr/>
-            </a:p>
-          </p:txBody>
-        </p:sp>
-        <p:sp>
-          <p:nvSpPr>
-            <p:cNvPr id="45" name="Google Shape;1021;p59">
-              <a:extLst>
-                <a:ext uri="{FF2B5EF4-FFF2-40B4-BE49-F238E27FC236}">
-                  <a16:creationId xmlns:a16="http://schemas.microsoft.com/office/drawing/2014/main" id="{5BC6858F-1598-4F86-A5AE-8DAFA505A878}"/>
-                </a:ext>
-              </a:extLst>
-            </p:cNvPr>
-            <p:cNvSpPr/>
-            <p:nvPr/>
-          </p:nvSpPr>
-          <p:spPr>
-            <a:xfrm>
-              <a:off x="1091150" y="3888075"/>
-              <a:ext cx="856825" cy="25"/>
-            </a:xfrm>
-            <a:custGeom>
-              <a:avLst/>
-              <a:gdLst/>
-              <a:ahLst/>
-              <a:cxnLst/>
-              <a:rect l="l" t="t" r="r" b="b"/>
-              <a:pathLst>
-                <a:path w="34273" h="1" extrusionOk="0">
-                  <a:moveTo>
-                    <a:pt x="1" y="0"/>
-                  </a:moveTo>
-                  <a:lnTo>
-                    <a:pt x="34272" y="0"/>
-                  </a:lnTo>
-                </a:path>
-              </a:pathLst>
-            </a:custGeom>
-            <a:solidFill>
-              <a:schemeClr val="accent1"/>
-            </a:solidFill>
-            <a:ln>
-              <a:noFill/>
-            </a:ln>
-          </p:spPr>
-          <p:txBody>
-            <a:bodyPr spcFirstLastPara="1" wrap="square" lIns="91425" tIns="91425" rIns="91425" bIns="91425" anchor="ctr" anchorCtr="0">
-              <a:noAutofit/>
-            </a:bodyPr>
-            <a:lstStyle/>
-            <a:p>
-              <a:pPr marL="0" lvl="0" indent="0" algn="l" rtl="0">
-                <a:spcBef>
-                  <a:spcPts val="0"/>
-                </a:spcBef>
-                <a:spcAft>
-                  <a:spcPts val="0"/>
-                </a:spcAft>
-                <a:buNone/>
-              </a:pPr>
-              <a:endParaRPr/>
-            </a:p>
-          </p:txBody>
-        </p:sp>
-        <p:sp>
-          <p:nvSpPr>
-            <p:cNvPr id="46" name="Google Shape;1022;p59">
-              <a:extLst>
-                <a:ext uri="{FF2B5EF4-FFF2-40B4-BE49-F238E27FC236}">
-                  <a16:creationId xmlns:a16="http://schemas.microsoft.com/office/drawing/2014/main" id="{CA100B27-D958-4C41-96EC-B54B4DDB4B6E}"/>
-                </a:ext>
-              </a:extLst>
-            </p:cNvPr>
-            <p:cNvSpPr/>
-            <p:nvPr/>
-          </p:nvSpPr>
-          <p:spPr>
-            <a:xfrm>
-              <a:off x="1091125" y="3881600"/>
-              <a:ext cx="856850" cy="12925"/>
-            </a:xfrm>
-            <a:custGeom>
-              <a:avLst/>
-              <a:gdLst/>
-              <a:ahLst/>
-              <a:cxnLst/>
-              <a:rect l="l" t="t" r="r" b="b"/>
-              <a:pathLst>
-                <a:path w="34274" h="517" extrusionOk="0">
-                  <a:moveTo>
-                    <a:pt x="0" y="1"/>
-                  </a:moveTo>
-                  <a:lnTo>
-                    <a:pt x="0" y="516"/>
-                  </a:lnTo>
-                  <a:lnTo>
-                    <a:pt x="34273" y="516"/>
-                  </a:lnTo>
-                  <a:lnTo>
-                    <a:pt x="34273" y="1"/>
-                  </a:lnTo>
-                  <a:close/>
-                </a:path>
-              </a:pathLst>
-            </a:custGeom>
-            <a:solidFill>
-              <a:schemeClr val="accent1"/>
-            </a:solidFill>
-            <a:ln>
-              <a:noFill/>
-            </a:ln>
-          </p:spPr>
-          <p:txBody>
-            <a:bodyPr spcFirstLastPara="1" wrap="square" lIns="91425" tIns="91425" rIns="91425" bIns="91425" anchor="ctr" anchorCtr="0">
-              <a:noAutofit/>
-            </a:bodyPr>
-            <a:lstStyle/>
-            <a:p>
-              <a:pPr marL="0" lvl="0" indent="0" algn="l" rtl="0">
-                <a:spcBef>
-                  <a:spcPts val="0"/>
-                </a:spcBef>
-                <a:spcAft>
-                  <a:spcPts val="0"/>
-                </a:spcAft>
-                <a:buNone/>
-              </a:pPr>
-              <a:endParaRPr/>
-            </a:p>
-          </p:txBody>
-        </p:sp>
-      </p:grpSp>
-      <p:pic>
-        <p:nvPicPr>
-          <p:cNvPr id="3" name="Imagem 2">
-            <a:extLst>
-              <a:ext uri="{FF2B5EF4-FFF2-40B4-BE49-F238E27FC236}">
-                <a16:creationId xmlns:a16="http://schemas.microsoft.com/office/drawing/2014/main" id="{5C4D0D1F-FC92-4FD6-92F9-1A6CB8E39836}"/>
+                <a16:creationId xmlns:a16="http://schemas.microsoft.com/office/drawing/2014/main" id="{AF509C21-4B63-4B78-8342-0BE4722EA7F0}"/>
               </a:ext>
             </a:extLst>
           </p:cNvPr>
@@ -21854,8 +19556,8 @@
         </p:blipFill>
         <p:spPr>
           <a:xfrm>
-            <a:off x="1750113" y="1216302"/>
-            <a:ext cx="5743079" cy="2997060"/>
+            <a:off x="2098963" y="1589128"/>
+            <a:ext cx="4946074" cy="1999935"/>
           </a:xfrm>
           <a:prstGeom prst="rect">
             <a:avLst/>
@@ -21865,1054 +19567,7 @@
     </p:spTree>
     <p:extLst>
       <p:ext uri="{BB962C8B-B14F-4D97-AF65-F5344CB8AC3E}">
-        <p14:creationId xmlns:p14="http://schemas.microsoft.com/office/powerpoint/2010/main" val="4133675566"/>
-      </p:ext>
-    </p:extLst>
-  </p:cSld>
-  <p:clrMapOvr>
-    <a:masterClrMapping/>
-  </p:clrMapOvr>
-</p:sld>
-</file>
-
-<file path=ppt/slides/slide9.xml><?xml version="1.0" encoding="utf-8"?>
-<p:sld xmlns:a="http://schemas.openxmlformats.org/drawingml/2006/main" xmlns:r="http://schemas.openxmlformats.org/officeDocument/2006/relationships" xmlns:p="http://schemas.openxmlformats.org/presentationml/2006/main">
-  <p:cSld>
-    <p:spTree>
-      <p:nvGrpSpPr>
-        <p:cNvPr id="1" name="Shape 207"/>
-        <p:cNvGrpSpPr/>
-        <p:nvPr/>
-      </p:nvGrpSpPr>
-      <p:grpSpPr>
-        <a:xfrm>
-          <a:off x="0" y="0"/>
-          <a:ext cx="0" cy="0"/>
-          <a:chOff x="0" y="0"/>
-          <a:chExt cx="0" cy="0"/>
-        </a:xfrm>
-      </p:grpSpPr>
-      <p:sp>
-        <p:nvSpPr>
-          <p:cNvPr id="7" name="Retângulo 6">
-            <a:extLst>
-              <a:ext uri="{FF2B5EF4-FFF2-40B4-BE49-F238E27FC236}">
-                <a16:creationId xmlns:a16="http://schemas.microsoft.com/office/drawing/2014/main" id="{D0786098-15A6-4175-AF04-66681EB27577}"/>
-              </a:ext>
-            </a:extLst>
-          </p:cNvPr>
-          <p:cNvSpPr/>
-          <p:nvPr/>
-        </p:nvSpPr>
-        <p:spPr>
-          <a:xfrm>
-            <a:off x="0" y="0"/>
-            <a:ext cx="9144000" cy="5143500"/>
-          </a:xfrm>
-          <a:prstGeom prst="rect">
-            <a:avLst/>
-          </a:prstGeom>
-          <a:solidFill>
-            <a:schemeClr val="bg1">
-              <a:lumMod val="95000"/>
-            </a:schemeClr>
-          </a:solidFill>
-          <a:ln>
-            <a:noFill/>
-          </a:ln>
-        </p:spPr>
-        <p:style>
-          <a:lnRef idx="2">
-            <a:schemeClr val="accent1">
-              <a:shade val="50000"/>
-            </a:schemeClr>
-          </a:lnRef>
-          <a:fillRef idx="1">
-            <a:schemeClr val="accent1"/>
-          </a:fillRef>
-          <a:effectRef idx="0">
-            <a:schemeClr val="accent1"/>
-          </a:effectRef>
-          <a:fontRef idx="minor">
-            <a:schemeClr val="lt1"/>
-          </a:fontRef>
-        </p:style>
-        <p:txBody>
-          <a:bodyPr rtlCol="0" anchor="ctr"/>
-          <a:lstStyle/>
-          <a:p>
-            <a:pPr algn="ctr"/>
-            <a:endParaRPr lang="pt-BR"/>
-          </a:p>
-        </p:txBody>
-      </p:sp>
-      <p:sp>
-        <p:nvSpPr>
-          <p:cNvPr id="209" name="Google Shape;209;p34"/>
-          <p:cNvSpPr txBox="1">
-            <a:spLocks noGrp="1"/>
-          </p:cNvSpPr>
-          <p:nvPr>
-            <p:ph type="ctrTitle"/>
-          </p:nvPr>
-        </p:nvSpPr>
-        <p:spPr>
-          <a:xfrm>
-            <a:off x="0" y="131563"/>
-            <a:ext cx="3843892" cy="602065"/>
-          </a:xfrm>
-          <a:prstGeom prst="rect">
-            <a:avLst/>
-          </a:prstGeom>
-        </p:spPr>
-        <p:txBody>
-          <a:bodyPr spcFirstLastPara="1" wrap="square" lIns="91425" tIns="91425" rIns="91425" bIns="91425" anchor="b" anchorCtr="0">
-            <a:noAutofit/>
-          </a:bodyPr>
-          <a:lstStyle/>
-          <a:p>
-            <a:pPr marL="0" lvl="0" indent="0" algn="ctr" rtl="0">
-              <a:spcBef>
-                <a:spcPts val="0"/>
-              </a:spcBef>
-              <a:spcAft>
-                <a:spcPts val="0"/>
-              </a:spcAft>
-              <a:buNone/>
-            </a:pPr>
-            <a:r>
-              <a:rPr lang="pt-BR" sz="2800" dirty="0">
-                <a:solidFill>
-                  <a:srgbClr val="316321"/>
-                </a:solidFill>
-              </a:rPr>
-              <a:t>Tela de Login</a:t>
-            </a:r>
-            <a:endParaRPr sz="2800" dirty="0">
-              <a:solidFill>
-                <a:srgbClr val="316321"/>
-              </a:solidFill>
-            </a:endParaRPr>
-          </a:p>
-        </p:txBody>
-      </p:sp>
-      <p:sp>
-        <p:nvSpPr>
-          <p:cNvPr id="13" name="Retângulo 12">
-            <a:extLst>
-              <a:ext uri="{FF2B5EF4-FFF2-40B4-BE49-F238E27FC236}">
-                <a16:creationId xmlns:a16="http://schemas.microsoft.com/office/drawing/2014/main" id="{B6D28B32-B53D-4FA4-B8EA-7409C5341FC0}"/>
-              </a:ext>
-            </a:extLst>
-          </p:cNvPr>
-          <p:cNvSpPr/>
-          <p:nvPr/>
-        </p:nvSpPr>
-        <p:spPr>
-          <a:xfrm flipH="1">
-            <a:off x="3662305" y="-4956"/>
-            <a:ext cx="45719" cy="738584"/>
-          </a:xfrm>
-          <a:prstGeom prst="rect">
-            <a:avLst/>
-          </a:prstGeom>
-          <a:solidFill>
-            <a:srgbClr val="316321"/>
-          </a:solidFill>
-          <a:ln>
-            <a:noFill/>
-          </a:ln>
-        </p:spPr>
-        <p:style>
-          <a:lnRef idx="2">
-            <a:schemeClr val="accent1">
-              <a:shade val="50000"/>
-            </a:schemeClr>
-          </a:lnRef>
-          <a:fillRef idx="1">
-            <a:schemeClr val="accent1"/>
-          </a:fillRef>
-          <a:effectRef idx="0">
-            <a:schemeClr val="accent1"/>
-          </a:effectRef>
-          <a:fontRef idx="minor">
-            <a:schemeClr val="lt1"/>
-          </a:fontRef>
-        </p:style>
-        <p:txBody>
-          <a:bodyPr rtlCol="0" anchor="ctr"/>
-          <a:lstStyle/>
-          <a:p>
-            <a:pPr algn="ctr"/>
-            <a:endParaRPr lang="pt-BR"/>
-          </a:p>
-        </p:txBody>
-      </p:sp>
-      <p:grpSp>
-        <p:nvGrpSpPr>
-          <p:cNvPr id="40" name="Google Shape;1016;p59">
-            <a:extLst>
-              <a:ext uri="{FF2B5EF4-FFF2-40B4-BE49-F238E27FC236}">
-                <a16:creationId xmlns:a16="http://schemas.microsoft.com/office/drawing/2014/main" id="{9EDA7C21-0B8C-425F-A230-B15E64F4E31B}"/>
-              </a:ext>
-            </a:extLst>
-          </p:cNvPr>
-          <p:cNvGrpSpPr/>
-          <p:nvPr/>
-        </p:nvGrpSpPr>
-        <p:grpSpPr>
-          <a:xfrm>
-            <a:off x="1539688" y="1049357"/>
-            <a:ext cx="6158753" cy="4006737"/>
-            <a:chOff x="238125" y="1973675"/>
-            <a:chExt cx="2558775" cy="1951825"/>
-          </a:xfrm>
-        </p:grpSpPr>
-        <p:sp>
-          <p:nvSpPr>
-            <p:cNvPr id="41" name="Google Shape;1017;p59">
-              <a:extLst>
-                <a:ext uri="{FF2B5EF4-FFF2-40B4-BE49-F238E27FC236}">
-                  <a16:creationId xmlns:a16="http://schemas.microsoft.com/office/drawing/2014/main" id="{58C9EC2C-BA67-40AE-B463-378EAE522429}"/>
-                </a:ext>
-              </a:extLst>
-            </p:cNvPr>
-            <p:cNvSpPr/>
-            <p:nvPr/>
-          </p:nvSpPr>
-          <p:spPr>
-            <a:xfrm>
-              <a:off x="325550" y="2055000"/>
-              <a:ext cx="2386075" cy="1459975"/>
-            </a:xfrm>
-            <a:custGeom>
-              <a:avLst/>
-              <a:gdLst/>
-              <a:ahLst/>
-              <a:cxnLst/>
-              <a:rect l="l" t="t" r="r" b="b"/>
-              <a:pathLst>
-                <a:path w="95443" h="58399" extrusionOk="0">
-                  <a:moveTo>
-                    <a:pt x="94925" y="516"/>
-                  </a:moveTo>
-                  <a:lnTo>
-                    <a:pt x="94925" y="57881"/>
-                  </a:lnTo>
-                  <a:lnTo>
-                    <a:pt x="518" y="57881"/>
-                  </a:lnTo>
-                  <a:lnTo>
-                    <a:pt x="518" y="516"/>
-                  </a:lnTo>
-                  <a:close/>
-                  <a:moveTo>
-                    <a:pt x="260" y="0"/>
-                  </a:moveTo>
-                  <a:cubicBezTo>
-                    <a:pt x="118" y="0"/>
-                    <a:pt x="1" y="115"/>
-                    <a:pt x="1" y="259"/>
-                  </a:cubicBezTo>
-                  <a:lnTo>
-                    <a:pt x="1" y="58140"/>
-                  </a:lnTo>
-                  <a:cubicBezTo>
-                    <a:pt x="1" y="58282"/>
-                    <a:pt x="118" y="58399"/>
-                    <a:pt x="260" y="58399"/>
-                  </a:cubicBezTo>
-                  <a:lnTo>
-                    <a:pt x="95184" y="58399"/>
-                  </a:lnTo>
-                  <a:cubicBezTo>
-                    <a:pt x="95326" y="58399"/>
-                    <a:pt x="95441" y="58282"/>
-                    <a:pt x="95441" y="58140"/>
-                  </a:cubicBezTo>
-                  <a:lnTo>
-                    <a:pt x="95441" y="259"/>
-                  </a:lnTo>
-                  <a:cubicBezTo>
-                    <a:pt x="95442" y="115"/>
-                    <a:pt x="95326" y="0"/>
-                    <a:pt x="95184" y="0"/>
-                  </a:cubicBezTo>
-                  <a:close/>
-                </a:path>
-              </a:pathLst>
-            </a:custGeom>
-            <a:solidFill>
-              <a:schemeClr val="accent1"/>
-            </a:solidFill>
-            <a:ln>
-              <a:noFill/>
-            </a:ln>
-          </p:spPr>
-          <p:txBody>
-            <a:bodyPr spcFirstLastPara="1" wrap="square" lIns="91425" tIns="91425" rIns="91425" bIns="91425" anchor="ctr" anchorCtr="0">
-              <a:noAutofit/>
-            </a:bodyPr>
-            <a:lstStyle/>
-            <a:p>
-              <a:pPr marL="0" lvl="0" indent="0" algn="l" rtl="0">
-                <a:spcBef>
-                  <a:spcPts val="0"/>
-                </a:spcBef>
-                <a:spcAft>
-                  <a:spcPts val="0"/>
-                </a:spcAft>
-                <a:buNone/>
-              </a:pPr>
-              <a:endParaRPr/>
-            </a:p>
-          </p:txBody>
-        </p:sp>
-        <p:sp>
-          <p:nvSpPr>
-            <p:cNvPr id="42" name="Google Shape;1018;p59">
-              <a:extLst>
-                <a:ext uri="{FF2B5EF4-FFF2-40B4-BE49-F238E27FC236}">
-                  <a16:creationId xmlns:a16="http://schemas.microsoft.com/office/drawing/2014/main" id="{1A9D8B76-E5AC-40F8-A281-28455B6C8E4F}"/>
-                </a:ext>
-              </a:extLst>
-            </p:cNvPr>
-            <p:cNvSpPr/>
-            <p:nvPr/>
-          </p:nvSpPr>
-          <p:spPr>
-            <a:xfrm>
-              <a:off x="1075325" y="3589700"/>
-              <a:ext cx="884075" cy="335800"/>
-            </a:xfrm>
-            <a:custGeom>
-              <a:avLst/>
-              <a:gdLst/>
-              <a:ahLst/>
-              <a:cxnLst/>
-              <a:rect l="l" t="t" r="r" b="b"/>
-              <a:pathLst>
-                <a:path w="35363" h="13432" extrusionOk="0">
-                  <a:moveTo>
-                    <a:pt x="28176" y="0"/>
-                  </a:moveTo>
-                  <a:cubicBezTo>
-                    <a:pt x="28078" y="0"/>
-                    <a:pt x="27996" y="34"/>
-                    <a:pt x="27932" y="102"/>
-                  </a:cubicBezTo>
-                  <a:cubicBezTo>
-                    <a:pt x="27790" y="253"/>
-                    <a:pt x="27790" y="509"/>
-                    <a:pt x="27932" y="1118"/>
-                  </a:cubicBezTo>
-                  <a:cubicBezTo>
-                    <a:pt x="27985" y="1344"/>
-                    <a:pt x="28047" y="1651"/>
-                    <a:pt x="28119" y="2009"/>
-                  </a:cubicBezTo>
-                  <a:cubicBezTo>
-                    <a:pt x="28420" y="3516"/>
-                    <a:pt x="28876" y="5791"/>
-                    <a:pt x="29651" y="7179"/>
-                  </a:cubicBezTo>
-                  <a:cubicBezTo>
-                    <a:pt x="30394" y="8514"/>
-                    <a:pt x="31835" y="9775"/>
-                    <a:pt x="32886" y="10698"/>
-                  </a:cubicBezTo>
-                  <a:cubicBezTo>
-                    <a:pt x="33194" y="10968"/>
-                    <a:pt x="33463" y="11203"/>
-                    <a:pt x="33660" y="11396"/>
-                  </a:cubicBezTo>
-                  <a:cubicBezTo>
-                    <a:pt x="34197" y="11917"/>
-                    <a:pt x="34530" y="12027"/>
-                    <a:pt x="34711" y="12085"/>
-                  </a:cubicBezTo>
-                  <a:cubicBezTo>
-                    <a:pt x="34724" y="12089"/>
-                    <a:pt x="34738" y="12094"/>
-                    <a:pt x="34750" y="12098"/>
-                  </a:cubicBezTo>
-                  <a:cubicBezTo>
-                    <a:pt x="34781" y="12255"/>
-                    <a:pt x="34798" y="12433"/>
-                    <a:pt x="34708" y="12569"/>
-                  </a:cubicBezTo>
-                  <a:cubicBezTo>
-                    <a:pt x="34621" y="12698"/>
-                    <a:pt x="34443" y="12789"/>
-                    <a:pt x="34176" y="12841"/>
-                  </a:cubicBezTo>
-                  <a:cubicBezTo>
-                    <a:pt x="33894" y="12897"/>
-                    <a:pt x="33576" y="12915"/>
-                    <a:pt x="33188" y="12915"/>
-                  </a:cubicBezTo>
-                  <a:cubicBezTo>
-                    <a:pt x="32866" y="12915"/>
-                    <a:pt x="32496" y="12902"/>
-                    <a:pt x="32057" y="12888"/>
-                  </a:cubicBezTo>
-                  <a:cubicBezTo>
-                    <a:pt x="31412" y="12865"/>
-                    <a:pt x="30607" y="12837"/>
-                    <a:pt x="29586" y="12837"/>
-                  </a:cubicBezTo>
-                  <a:lnTo>
-                    <a:pt x="8800" y="12837"/>
-                  </a:lnTo>
-                  <a:cubicBezTo>
-                    <a:pt x="7800" y="12837"/>
-                    <a:pt x="6833" y="12841"/>
-                    <a:pt x="5939" y="12847"/>
-                  </a:cubicBezTo>
-                  <a:cubicBezTo>
-                    <a:pt x="5199" y="12851"/>
-                    <a:pt x="4507" y="12855"/>
-                    <a:pt x="3887" y="12855"/>
-                  </a:cubicBezTo>
-                  <a:cubicBezTo>
-                    <a:pt x="3179" y="12855"/>
-                    <a:pt x="2567" y="12850"/>
-                    <a:pt x="2090" y="12837"/>
-                  </a:cubicBezTo>
-                  <a:lnTo>
-                    <a:pt x="1783" y="12828"/>
-                  </a:lnTo>
-                  <a:cubicBezTo>
-                    <a:pt x="706" y="12798"/>
-                    <a:pt x="700" y="12793"/>
-                    <a:pt x="570" y="12668"/>
-                  </a:cubicBezTo>
-                  <a:cubicBezTo>
-                    <a:pt x="526" y="12627"/>
-                    <a:pt x="520" y="12598"/>
-                    <a:pt x="520" y="12571"/>
-                  </a:cubicBezTo>
-                  <a:cubicBezTo>
-                    <a:pt x="520" y="12511"/>
-                    <a:pt x="556" y="12333"/>
-                    <a:pt x="912" y="11971"/>
-                  </a:cubicBezTo>
-                  <a:cubicBezTo>
-                    <a:pt x="1108" y="11772"/>
-                    <a:pt x="1452" y="11550"/>
-                    <a:pt x="1848" y="11293"/>
-                  </a:cubicBezTo>
-                  <a:cubicBezTo>
-                    <a:pt x="2410" y="10928"/>
-                    <a:pt x="3111" y="10473"/>
-                    <a:pt x="3670" y="9890"/>
-                  </a:cubicBezTo>
-                  <a:lnTo>
-                    <a:pt x="4006" y="9544"/>
-                  </a:lnTo>
-                  <a:cubicBezTo>
-                    <a:pt x="4870" y="8657"/>
-                    <a:pt x="5947" y="7555"/>
-                    <a:pt x="6528" y="6084"/>
-                  </a:cubicBezTo>
-                  <a:cubicBezTo>
-                    <a:pt x="7009" y="4866"/>
-                    <a:pt x="7250" y="2705"/>
-                    <a:pt x="7410" y="1274"/>
-                  </a:cubicBezTo>
-                  <a:cubicBezTo>
-                    <a:pt x="7465" y="775"/>
-                    <a:pt x="7515" y="343"/>
-                    <a:pt x="7558" y="87"/>
-                  </a:cubicBezTo>
-                  <a:lnTo>
-                    <a:pt x="7048" y="0"/>
-                  </a:lnTo>
-                  <a:cubicBezTo>
-                    <a:pt x="7002" y="269"/>
-                    <a:pt x="6956" y="688"/>
-                    <a:pt x="6896" y="1217"/>
-                  </a:cubicBezTo>
-                  <a:cubicBezTo>
-                    <a:pt x="6739" y="2621"/>
-                    <a:pt x="6503" y="4741"/>
-                    <a:pt x="6047" y="5895"/>
-                  </a:cubicBezTo>
-                  <a:cubicBezTo>
-                    <a:pt x="5506" y="7268"/>
-                    <a:pt x="4512" y="8286"/>
-                    <a:pt x="3637" y="9183"/>
-                  </a:cubicBezTo>
-                  <a:lnTo>
-                    <a:pt x="3298" y="9533"/>
-                  </a:lnTo>
-                  <a:cubicBezTo>
-                    <a:pt x="2779" y="10073"/>
-                    <a:pt x="2136" y="10490"/>
-                    <a:pt x="1568" y="10859"/>
-                  </a:cubicBezTo>
-                  <a:cubicBezTo>
-                    <a:pt x="1145" y="11133"/>
-                    <a:pt x="780" y="11369"/>
-                    <a:pt x="546" y="11608"/>
-                  </a:cubicBezTo>
-                  <a:cubicBezTo>
-                    <a:pt x="172" y="11988"/>
-                    <a:pt x="0" y="12296"/>
-                    <a:pt x="5" y="12578"/>
-                  </a:cubicBezTo>
-                  <a:cubicBezTo>
-                    <a:pt x="6" y="12752"/>
-                    <a:pt x="78" y="12911"/>
-                    <a:pt x="211" y="13040"/>
-                  </a:cubicBezTo>
-                  <a:cubicBezTo>
-                    <a:pt x="492" y="13309"/>
-                    <a:pt x="611" y="13312"/>
-                    <a:pt x="1770" y="13345"/>
-                  </a:cubicBezTo>
-                  <a:lnTo>
-                    <a:pt x="2075" y="13354"/>
-                  </a:lnTo>
-                  <a:cubicBezTo>
-                    <a:pt x="2547" y="13367"/>
-                    <a:pt x="3149" y="13372"/>
-                    <a:pt x="3843" y="13372"/>
-                  </a:cubicBezTo>
-                  <a:cubicBezTo>
-                    <a:pt x="4476" y="13372"/>
-                    <a:pt x="5185" y="13368"/>
-                    <a:pt x="5944" y="13364"/>
-                  </a:cubicBezTo>
-                  <a:cubicBezTo>
-                    <a:pt x="6836" y="13358"/>
-                    <a:pt x="7802" y="13354"/>
-                    <a:pt x="8802" y="13354"/>
-                  </a:cubicBezTo>
-                  <a:lnTo>
-                    <a:pt x="29586" y="13354"/>
-                  </a:lnTo>
-                  <a:cubicBezTo>
-                    <a:pt x="30598" y="13354"/>
-                    <a:pt x="31397" y="13381"/>
-                    <a:pt x="32040" y="13403"/>
-                  </a:cubicBezTo>
-                  <a:cubicBezTo>
-                    <a:pt x="32484" y="13420"/>
-                    <a:pt x="32860" y="13432"/>
-                    <a:pt x="33192" y="13432"/>
-                  </a:cubicBezTo>
-                  <a:cubicBezTo>
-                    <a:pt x="33609" y="13432"/>
-                    <a:pt x="33956" y="13412"/>
-                    <a:pt x="34274" y="13348"/>
-                  </a:cubicBezTo>
-                  <a:cubicBezTo>
-                    <a:pt x="34682" y="13269"/>
-                    <a:pt x="34972" y="13103"/>
-                    <a:pt x="35137" y="12856"/>
-                  </a:cubicBezTo>
-                  <a:cubicBezTo>
-                    <a:pt x="35363" y="12517"/>
-                    <a:pt x="35282" y="12127"/>
-                    <a:pt x="35252" y="11980"/>
-                  </a:cubicBezTo>
-                  <a:cubicBezTo>
-                    <a:pt x="35195" y="11701"/>
-                    <a:pt x="35007" y="11639"/>
-                    <a:pt x="34871" y="11593"/>
-                  </a:cubicBezTo>
-                  <a:cubicBezTo>
-                    <a:pt x="34721" y="11545"/>
-                    <a:pt x="34470" y="11463"/>
-                    <a:pt x="34019" y="11025"/>
-                  </a:cubicBezTo>
-                  <a:cubicBezTo>
-                    <a:pt x="33815" y="10828"/>
-                    <a:pt x="33540" y="10585"/>
-                    <a:pt x="33225" y="10309"/>
-                  </a:cubicBezTo>
-                  <a:cubicBezTo>
-                    <a:pt x="32202" y="9412"/>
-                    <a:pt x="30800" y="8183"/>
-                    <a:pt x="30101" y="6928"/>
-                  </a:cubicBezTo>
-                  <a:cubicBezTo>
-                    <a:pt x="29367" y="5611"/>
-                    <a:pt x="28902" y="3294"/>
-                    <a:pt x="28625" y="1909"/>
-                  </a:cubicBezTo>
-                  <a:cubicBezTo>
-                    <a:pt x="28552" y="1542"/>
-                    <a:pt x="28489" y="1231"/>
-                    <a:pt x="28435" y="1000"/>
-                  </a:cubicBezTo>
-                  <a:cubicBezTo>
-                    <a:pt x="28376" y="749"/>
-                    <a:pt x="28353" y="598"/>
-                    <a:pt x="28346" y="510"/>
-                  </a:cubicBezTo>
-                  <a:cubicBezTo>
-                    <a:pt x="28373" y="500"/>
-                    <a:pt x="28400" y="486"/>
-                    <a:pt x="28422" y="468"/>
-                  </a:cubicBezTo>
-                  <a:lnTo>
-                    <a:pt x="28537" y="268"/>
-                  </a:lnTo>
-                  <a:lnTo>
-                    <a:pt x="28247" y="234"/>
-                  </a:lnTo>
-                  <a:lnTo>
-                    <a:pt x="28111" y="56"/>
-                  </a:lnTo>
-                  <a:cubicBezTo>
-                    <a:pt x="28153" y="24"/>
-                    <a:pt x="28202" y="8"/>
-                    <a:pt x="28254" y="8"/>
-                  </a:cubicBezTo>
-                  <a:cubicBezTo>
-                    <a:pt x="28256" y="8"/>
-                    <a:pt x="28258" y="8"/>
-                    <a:pt x="28261" y="8"/>
-                  </a:cubicBezTo>
-                  <a:cubicBezTo>
-                    <a:pt x="28231" y="3"/>
-                    <a:pt x="28203" y="0"/>
-                    <a:pt x="28176" y="0"/>
-                  </a:cubicBezTo>
-                  <a:close/>
-                </a:path>
-              </a:pathLst>
-            </a:custGeom>
-            <a:solidFill>
-              <a:schemeClr val="accent1"/>
-            </a:solidFill>
-            <a:ln>
-              <a:noFill/>
-            </a:ln>
-          </p:spPr>
-          <p:txBody>
-            <a:bodyPr spcFirstLastPara="1" wrap="square" lIns="91425" tIns="91425" rIns="91425" bIns="91425" anchor="ctr" anchorCtr="0">
-              <a:noAutofit/>
-            </a:bodyPr>
-            <a:lstStyle/>
-            <a:p>
-              <a:pPr marL="0" lvl="0" indent="0" algn="l" rtl="0">
-                <a:spcBef>
-                  <a:spcPts val="0"/>
-                </a:spcBef>
-                <a:spcAft>
-                  <a:spcPts val="0"/>
-                </a:spcAft>
-                <a:buNone/>
-              </a:pPr>
-              <a:endParaRPr/>
-            </a:p>
-          </p:txBody>
-        </p:sp>
-        <p:sp>
-          <p:nvSpPr>
-            <p:cNvPr id="43" name="Google Shape;1019;p59">
-              <a:extLst>
-                <a:ext uri="{FF2B5EF4-FFF2-40B4-BE49-F238E27FC236}">
-                  <a16:creationId xmlns:a16="http://schemas.microsoft.com/office/drawing/2014/main" id="{BC97BAEC-834E-427A-A378-F80D2B0679E4}"/>
-                </a:ext>
-              </a:extLst>
-            </p:cNvPr>
-            <p:cNvSpPr/>
-            <p:nvPr/>
-          </p:nvSpPr>
-          <p:spPr>
-            <a:xfrm>
-              <a:off x="238125" y="1973675"/>
-              <a:ext cx="2558775" cy="1623600"/>
-            </a:xfrm>
-            <a:custGeom>
-              <a:avLst/>
-              <a:gdLst/>
-              <a:ahLst/>
-              <a:cxnLst/>
-              <a:rect l="l" t="t" r="r" b="b"/>
-              <a:pathLst>
-                <a:path w="102351" h="64944" extrusionOk="0">
-                  <a:moveTo>
-                    <a:pt x="99608" y="516"/>
-                  </a:moveTo>
-                  <a:cubicBezTo>
-                    <a:pt x="100838" y="516"/>
-                    <a:pt x="101835" y="1513"/>
-                    <a:pt x="101835" y="2744"/>
-                  </a:cubicBezTo>
-                  <a:lnTo>
-                    <a:pt x="101835" y="62200"/>
-                  </a:lnTo>
-                  <a:cubicBezTo>
-                    <a:pt x="101833" y="63429"/>
-                    <a:pt x="100836" y="64425"/>
-                    <a:pt x="99608" y="64426"/>
-                  </a:cubicBezTo>
-                  <a:lnTo>
-                    <a:pt x="2743" y="64426"/>
-                  </a:lnTo>
-                  <a:cubicBezTo>
-                    <a:pt x="1514" y="64425"/>
-                    <a:pt x="519" y="63429"/>
-                    <a:pt x="517" y="62200"/>
-                  </a:cubicBezTo>
-                  <a:lnTo>
-                    <a:pt x="517" y="2744"/>
-                  </a:lnTo>
-                  <a:cubicBezTo>
-                    <a:pt x="519" y="1515"/>
-                    <a:pt x="1514" y="518"/>
-                    <a:pt x="2743" y="516"/>
-                  </a:cubicBezTo>
-                  <a:close/>
-                  <a:moveTo>
-                    <a:pt x="2743" y="1"/>
-                  </a:moveTo>
-                  <a:cubicBezTo>
-                    <a:pt x="1230" y="1"/>
-                    <a:pt x="0" y="1229"/>
-                    <a:pt x="0" y="2744"/>
-                  </a:cubicBezTo>
-                  <a:lnTo>
-                    <a:pt x="0" y="62200"/>
-                  </a:lnTo>
-                  <a:cubicBezTo>
-                    <a:pt x="0" y="63713"/>
-                    <a:pt x="1230" y="64943"/>
-                    <a:pt x="2743" y="64943"/>
-                  </a:cubicBezTo>
-                  <a:lnTo>
-                    <a:pt x="99608" y="64943"/>
-                  </a:lnTo>
-                  <a:cubicBezTo>
-                    <a:pt x="101120" y="64943"/>
-                    <a:pt x="102351" y="63713"/>
-                    <a:pt x="102351" y="62200"/>
-                  </a:cubicBezTo>
-                  <a:lnTo>
-                    <a:pt x="102351" y="2744"/>
-                  </a:lnTo>
-                  <a:cubicBezTo>
-                    <a:pt x="102351" y="1228"/>
-                    <a:pt x="101123" y="1"/>
-                    <a:pt x="99608" y="1"/>
-                  </a:cubicBezTo>
-                  <a:close/>
-                </a:path>
-              </a:pathLst>
-            </a:custGeom>
-            <a:solidFill>
-              <a:schemeClr val="accent1"/>
-            </a:solidFill>
-            <a:ln>
-              <a:noFill/>
-            </a:ln>
-          </p:spPr>
-          <p:txBody>
-            <a:bodyPr spcFirstLastPara="1" wrap="square" lIns="91425" tIns="91425" rIns="91425" bIns="91425" anchor="ctr" anchorCtr="0">
-              <a:noAutofit/>
-            </a:bodyPr>
-            <a:lstStyle/>
-            <a:p>
-              <a:pPr marL="0" lvl="0" indent="0" algn="l" rtl="0">
-                <a:spcBef>
-                  <a:spcPts val="0"/>
-                </a:spcBef>
-                <a:spcAft>
-                  <a:spcPts val="0"/>
-                </a:spcAft>
-                <a:buNone/>
-              </a:pPr>
-              <a:endParaRPr/>
-            </a:p>
-          </p:txBody>
-        </p:sp>
-        <p:sp>
-          <p:nvSpPr>
-            <p:cNvPr id="44" name="Google Shape;1020;p59">
-              <a:extLst>
-                <a:ext uri="{FF2B5EF4-FFF2-40B4-BE49-F238E27FC236}">
-                  <a16:creationId xmlns:a16="http://schemas.microsoft.com/office/drawing/2014/main" id="{01B78130-B470-4244-BF32-0ABB8F93F1E9}"/>
-                </a:ext>
-              </a:extLst>
-            </p:cNvPr>
-            <p:cNvSpPr/>
-            <p:nvPr/>
-          </p:nvSpPr>
-          <p:spPr>
-            <a:xfrm>
-              <a:off x="255425" y="1991200"/>
-              <a:ext cx="2524175" cy="1588500"/>
-            </a:xfrm>
-            <a:custGeom>
-              <a:avLst/>
-              <a:gdLst/>
-              <a:ahLst/>
-              <a:cxnLst/>
-              <a:rect l="l" t="t" r="r" b="b"/>
-              <a:pathLst>
-                <a:path w="100967" h="63540" extrusionOk="0">
-                  <a:moveTo>
-                    <a:pt x="98640" y="518"/>
-                  </a:moveTo>
-                  <a:cubicBezTo>
-                    <a:pt x="99639" y="518"/>
-                    <a:pt x="100449" y="1328"/>
-                    <a:pt x="100449" y="2328"/>
-                  </a:cubicBezTo>
-                  <a:lnTo>
-                    <a:pt x="100449" y="61214"/>
-                  </a:lnTo>
-                  <a:cubicBezTo>
-                    <a:pt x="100448" y="62212"/>
-                    <a:pt x="99639" y="63022"/>
-                    <a:pt x="98640" y="63024"/>
-                  </a:cubicBezTo>
-                  <a:lnTo>
-                    <a:pt x="2328" y="63024"/>
-                  </a:lnTo>
-                  <a:cubicBezTo>
-                    <a:pt x="1328" y="63022"/>
-                    <a:pt x="519" y="62212"/>
-                    <a:pt x="517" y="61214"/>
-                  </a:cubicBezTo>
-                  <a:lnTo>
-                    <a:pt x="517" y="2328"/>
-                  </a:lnTo>
-                  <a:cubicBezTo>
-                    <a:pt x="519" y="1328"/>
-                    <a:pt x="1328" y="519"/>
-                    <a:pt x="2328" y="518"/>
-                  </a:cubicBezTo>
-                  <a:close/>
-                  <a:moveTo>
-                    <a:pt x="2328" y="1"/>
-                  </a:moveTo>
-                  <a:cubicBezTo>
-                    <a:pt x="1042" y="2"/>
-                    <a:pt x="2" y="1043"/>
-                    <a:pt x="0" y="2328"/>
-                  </a:cubicBezTo>
-                  <a:lnTo>
-                    <a:pt x="0" y="61214"/>
-                  </a:lnTo>
-                  <a:cubicBezTo>
-                    <a:pt x="2" y="62498"/>
-                    <a:pt x="1042" y="63538"/>
-                    <a:pt x="2328" y="63540"/>
-                  </a:cubicBezTo>
-                  <a:lnTo>
-                    <a:pt x="98640" y="63540"/>
-                  </a:lnTo>
-                  <a:cubicBezTo>
-                    <a:pt x="99925" y="63538"/>
-                    <a:pt x="100965" y="62498"/>
-                    <a:pt x="100967" y="61214"/>
-                  </a:cubicBezTo>
-                  <a:lnTo>
-                    <a:pt x="100967" y="2328"/>
-                  </a:lnTo>
-                  <a:cubicBezTo>
-                    <a:pt x="100967" y="1043"/>
-                    <a:pt x="99925" y="1"/>
-                    <a:pt x="98640" y="1"/>
-                  </a:cubicBezTo>
-                  <a:close/>
-                </a:path>
-              </a:pathLst>
-            </a:custGeom>
-            <a:solidFill>
-              <a:schemeClr val="accent1"/>
-            </a:solidFill>
-            <a:ln>
-              <a:noFill/>
-            </a:ln>
-          </p:spPr>
-          <p:txBody>
-            <a:bodyPr spcFirstLastPara="1" wrap="square" lIns="91425" tIns="91425" rIns="91425" bIns="91425" anchor="ctr" anchorCtr="0">
-              <a:noAutofit/>
-            </a:bodyPr>
-            <a:lstStyle/>
-            <a:p>
-              <a:pPr marL="0" lvl="0" indent="0" algn="l" rtl="0">
-                <a:spcBef>
-                  <a:spcPts val="0"/>
-                </a:spcBef>
-                <a:spcAft>
-                  <a:spcPts val="0"/>
-                </a:spcAft>
-                <a:buNone/>
-              </a:pPr>
-              <a:endParaRPr/>
-            </a:p>
-          </p:txBody>
-        </p:sp>
-        <p:sp>
-          <p:nvSpPr>
-            <p:cNvPr id="45" name="Google Shape;1021;p59">
-              <a:extLst>
-                <a:ext uri="{FF2B5EF4-FFF2-40B4-BE49-F238E27FC236}">
-                  <a16:creationId xmlns:a16="http://schemas.microsoft.com/office/drawing/2014/main" id="{5BC6858F-1598-4F86-A5AE-8DAFA505A878}"/>
-                </a:ext>
-              </a:extLst>
-            </p:cNvPr>
-            <p:cNvSpPr/>
-            <p:nvPr/>
-          </p:nvSpPr>
-          <p:spPr>
-            <a:xfrm>
-              <a:off x="1091150" y="3888075"/>
-              <a:ext cx="856825" cy="25"/>
-            </a:xfrm>
-            <a:custGeom>
-              <a:avLst/>
-              <a:gdLst/>
-              <a:ahLst/>
-              <a:cxnLst/>
-              <a:rect l="l" t="t" r="r" b="b"/>
-              <a:pathLst>
-                <a:path w="34273" h="1" extrusionOk="0">
-                  <a:moveTo>
-                    <a:pt x="1" y="0"/>
-                  </a:moveTo>
-                  <a:lnTo>
-                    <a:pt x="34272" y="0"/>
-                  </a:lnTo>
-                </a:path>
-              </a:pathLst>
-            </a:custGeom>
-            <a:solidFill>
-              <a:schemeClr val="accent1"/>
-            </a:solidFill>
-            <a:ln>
-              <a:noFill/>
-            </a:ln>
-          </p:spPr>
-          <p:txBody>
-            <a:bodyPr spcFirstLastPara="1" wrap="square" lIns="91425" tIns="91425" rIns="91425" bIns="91425" anchor="ctr" anchorCtr="0">
-              <a:noAutofit/>
-            </a:bodyPr>
-            <a:lstStyle/>
-            <a:p>
-              <a:pPr marL="0" lvl="0" indent="0" algn="l" rtl="0">
-                <a:spcBef>
-                  <a:spcPts val="0"/>
-                </a:spcBef>
-                <a:spcAft>
-                  <a:spcPts val="0"/>
-                </a:spcAft>
-                <a:buNone/>
-              </a:pPr>
-              <a:endParaRPr/>
-            </a:p>
-          </p:txBody>
-        </p:sp>
-        <p:sp>
-          <p:nvSpPr>
-            <p:cNvPr id="46" name="Google Shape;1022;p59">
-              <a:extLst>
-                <a:ext uri="{FF2B5EF4-FFF2-40B4-BE49-F238E27FC236}">
-                  <a16:creationId xmlns:a16="http://schemas.microsoft.com/office/drawing/2014/main" id="{CA100B27-D958-4C41-96EC-B54B4DDB4B6E}"/>
-                </a:ext>
-              </a:extLst>
-            </p:cNvPr>
-            <p:cNvSpPr/>
-            <p:nvPr/>
-          </p:nvSpPr>
-          <p:spPr>
-            <a:xfrm>
-              <a:off x="1091125" y="3881600"/>
-              <a:ext cx="856850" cy="12925"/>
-            </a:xfrm>
-            <a:custGeom>
-              <a:avLst/>
-              <a:gdLst/>
-              <a:ahLst/>
-              <a:cxnLst/>
-              <a:rect l="l" t="t" r="r" b="b"/>
-              <a:pathLst>
-                <a:path w="34274" h="517" extrusionOk="0">
-                  <a:moveTo>
-                    <a:pt x="0" y="1"/>
-                  </a:moveTo>
-                  <a:lnTo>
-                    <a:pt x="0" y="516"/>
-                  </a:lnTo>
-                  <a:lnTo>
-                    <a:pt x="34273" y="516"/>
-                  </a:lnTo>
-                  <a:lnTo>
-                    <a:pt x="34273" y="1"/>
-                  </a:lnTo>
-                  <a:close/>
-                </a:path>
-              </a:pathLst>
-            </a:custGeom>
-            <a:solidFill>
-              <a:schemeClr val="accent1"/>
-            </a:solidFill>
-            <a:ln>
-              <a:noFill/>
-            </a:ln>
-          </p:spPr>
-          <p:txBody>
-            <a:bodyPr spcFirstLastPara="1" wrap="square" lIns="91425" tIns="91425" rIns="91425" bIns="91425" anchor="ctr" anchorCtr="0">
-              <a:noAutofit/>
-            </a:bodyPr>
-            <a:lstStyle/>
-            <a:p>
-              <a:pPr marL="0" lvl="0" indent="0" algn="l" rtl="0">
-                <a:spcBef>
-                  <a:spcPts val="0"/>
-                </a:spcBef>
-                <a:spcAft>
-                  <a:spcPts val="0"/>
-                </a:spcAft>
-                <a:buNone/>
-              </a:pPr>
-              <a:endParaRPr/>
-            </a:p>
-          </p:txBody>
-        </p:sp>
-      </p:grpSp>
-      <p:pic>
-        <p:nvPicPr>
-          <p:cNvPr id="5" name="Imagem 4">
-            <a:extLst>
-              <a:ext uri="{FF2B5EF4-FFF2-40B4-BE49-F238E27FC236}">
-                <a16:creationId xmlns:a16="http://schemas.microsoft.com/office/drawing/2014/main" id="{465B184C-547E-46F6-8924-82F46467D52F}"/>
-              </a:ext>
-            </a:extLst>
-          </p:cNvPr>
-          <p:cNvPicPr>
-            <a:picLocks noChangeAspect="1"/>
-          </p:cNvPicPr>
-          <p:nvPr/>
-        </p:nvPicPr>
-        <p:blipFill>
-          <a:blip r:embed="rId3"/>
-          <a:stretch>
-            <a:fillRect/>
-          </a:stretch>
-        </p:blipFill>
-        <p:spPr>
-          <a:xfrm>
-            <a:off x="1750112" y="1216302"/>
-            <a:ext cx="5743079" cy="2997060"/>
-          </a:xfrm>
-          <a:prstGeom prst="rect">
-            <a:avLst/>
-          </a:prstGeom>
-        </p:spPr>
-      </p:pic>
-    </p:spTree>
-    <p:extLst>
-      <p:ext uri="{BB962C8B-B14F-4D97-AF65-F5344CB8AC3E}">
-        <p14:creationId xmlns:p14="http://schemas.microsoft.com/office/powerpoint/2010/main" val="1485144981"/>
+        <p14:creationId xmlns:p14="http://schemas.microsoft.com/office/powerpoint/2010/main" val="1477715276"/>
       </p:ext>
     </p:extLst>
   </p:cSld>
